--- a/02_画面設計書/サイトマップ.pptx
+++ b/02_画面設計書/サイトマップ.pptx
@@ -104,6 +104,11 @@
       </a:defRPr>
     </a:lvl9pPr>
   </p:defaultTextStyle>
+  <p:extLst>
+    <p:ext uri="{EFAFB233-063F-42B5-8137-9DF3F51BA10A}">
+      <p15:sldGuideLst xmlns:p15="http://schemas.microsoft.com/office/powerpoint/2012/main"/>
+    </p:ext>
+  </p:extLst>
 </p:presentation>
 </file>
 
@@ -1605,11 +1610,11 @@
       <dgm:spPr/>
     </dgm:pt>
     <dgm:pt modelId="{B8AE56E0-1F43-4EE2-A49B-E1E30F95E71C}" type="pres">
-      <dgm:prSet presAssocID="{E1F26707-39B3-4572-8808-97DFB7991816}" presName="conn2-1" presStyleLbl="parChTrans1D3" presStyleIdx="0" presStyleCnt="10"/>
+      <dgm:prSet presAssocID="{E1F26707-39B3-4572-8808-97DFB7991816}" presName="conn2-1" presStyleLbl="parChTrans1D3" presStyleIdx="0" presStyleCnt="9"/>
       <dgm:spPr/>
     </dgm:pt>
     <dgm:pt modelId="{17D6A3AF-E275-429E-A045-676D06B2227E}" type="pres">
-      <dgm:prSet presAssocID="{E1F26707-39B3-4572-8808-97DFB7991816}" presName="connTx" presStyleLbl="parChTrans1D3" presStyleIdx="0" presStyleCnt="10"/>
+      <dgm:prSet presAssocID="{E1F26707-39B3-4572-8808-97DFB7991816}" presName="connTx" presStyleLbl="parChTrans1D3" presStyleIdx="0" presStyleCnt="9"/>
       <dgm:spPr/>
     </dgm:pt>
     <dgm:pt modelId="{3C1E602F-0FD6-48B7-AB11-30ABF4F8797E}" type="pres">
@@ -1617,7 +1622,7 @@
       <dgm:spPr/>
     </dgm:pt>
     <dgm:pt modelId="{436A9D22-A917-4CDD-B382-4C713659566F}" type="pres">
-      <dgm:prSet presAssocID="{D6636A7F-318C-41D1-9ECF-632945AFD290}" presName="LevelTwoTextNode" presStyleLbl="node3" presStyleIdx="0" presStyleCnt="10">
+      <dgm:prSet presAssocID="{D6636A7F-318C-41D1-9ECF-632945AFD290}" presName="LevelTwoTextNode" presStyleLbl="node3" presStyleIdx="0" presStyleCnt="9">
         <dgm:presLayoutVars>
           <dgm:chPref val="3"/>
         </dgm:presLayoutVars>
@@ -1677,11 +1682,11 @@
       <dgm:spPr/>
     </dgm:pt>
     <dgm:pt modelId="{1FEC21F1-4B3F-4DAD-9C5D-4265622D7589}" type="pres">
-      <dgm:prSet presAssocID="{394F961C-E724-47B6-B260-776F61E7779D}" presName="conn2-1" presStyleLbl="parChTrans1D3" presStyleIdx="1" presStyleCnt="10"/>
+      <dgm:prSet presAssocID="{394F961C-E724-47B6-B260-776F61E7779D}" presName="conn2-1" presStyleLbl="parChTrans1D3" presStyleIdx="1" presStyleCnt="9"/>
       <dgm:spPr/>
     </dgm:pt>
     <dgm:pt modelId="{678539AC-E490-4287-B0D8-6B3B8C7D8926}" type="pres">
-      <dgm:prSet presAssocID="{394F961C-E724-47B6-B260-776F61E7779D}" presName="connTx" presStyleLbl="parChTrans1D3" presStyleIdx="1" presStyleCnt="10"/>
+      <dgm:prSet presAssocID="{394F961C-E724-47B6-B260-776F61E7779D}" presName="connTx" presStyleLbl="parChTrans1D3" presStyleIdx="1" presStyleCnt="9"/>
       <dgm:spPr/>
     </dgm:pt>
     <dgm:pt modelId="{4A3CD411-E341-4794-AB2C-79463FE9A347}" type="pres">
@@ -1689,7 +1694,7 @@
       <dgm:spPr/>
     </dgm:pt>
     <dgm:pt modelId="{F2B8A188-3718-407D-B3FC-C96FD0776F40}" type="pres">
-      <dgm:prSet presAssocID="{C927618E-E4C5-4EB8-B196-8B81857F41B9}" presName="LevelTwoTextNode" presStyleLbl="node3" presStyleIdx="1" presStyleCnt="10">
+      <dgm:prSet presAssocID="{C927618E-E4C5-4EB8-B196-8B81857F41B9}" presName="LevelTwoTextNode" presStyleLbl="node3" presStyleIdx="1" presStyleCnt="9">
         <dgm:presLayoutVars>
           <dgm:chPref val="3"/>
         </dgm:presLayoutVars>
@@ -1701,11 +1706,11 @@
       <dgm:spPr/>
     </dgm:pt>
     <dgm:pt modelId="{70CFBB8A-866E-4BF8-BA5A-17C5A644F6FA}" type="pres">
-      <dgm:prSet presAssocID="{236F8D71-9BA6-4217-99D3-97438A8B5BCC}" presName="conn2-1" presStyleLbl="parChTrans1D3" presStyleIdx="2" presStyleCnt="10"/>
+      <dgm:prSet presAssocID="{236F8D71-9BA6-4217-99D3-97438A8B5BCC}" presName="conn2-1" presStyleLbl="parChTrans1D3" presStyleIdx="2" presStyleCnt="9"/>
       <dgm:spPr/>
     </dgm:pt>
     <dgm:pt modelId="{708C464A-8BFF-4EA9-A750-6F6EF9D492AE}" type="pres">
-      <dgm:prSet presAssocID="{236F8D71-9BA6-4217-99D3-97438A8B5BCC}" presName="connTx" presStyleLbl="parChTrans1D3" presStyleIdx="2" presStyleCnt="10"/>
+      <dgm:prSet presAssocID="{236F8D71-9BA6-4217-99D3-97438A8B5BCC}" presName="connTx" presStyleLbl="parChTrans1D3" presStyleIdx="2" presStyleCnt="9"/>
       <dgm:spPr/>
     </dgm:pt>
     <dgm:pt modelId="{7F2A9799-1751-445F-88E6-5E0753FDD102}" type="pres">
@@ -1713,7 +1718,7 @@
       <dgm:spPr/>
     </dgm:pt>
     <dgm:pt modelId="{5317B01C-632D-41ED-9B4F-575F93F78D14}" type="pres">
-      <dgm:prSet presAssocID="{BCDBFC10-46AB-4DE9-AE8B-891CDA8DB10F}" presName="LevelTwoTextNode" presStyleLbl="node3" presStyleIdx="2" presStyleCnt="10">
+      <dgm:prSet presAssocID="{BCDBFC10-46AB-4DE9-AE8B-891CDA8DB10F}" presName="LevelTwoTextNode" presStyleLbl="node3" presStyleIdx="2" presStyleCnt="9">
         <dgm:presLayoutVars>
           <dgm:chPref val="3"/>
         </dgm:presLayoutVars>
@@ -1725,11 +1730,11 @@
       <dgm:spPr/>
     </dgm:pt>
     <dgm:pt modelId="{FFB091AB-A198-43E4-AE0F-D8E1EDDD9E7B}" type="pres">
-      <dgm:prSet presAssocID="{CF8C5C11-80B9-4E1C-AB8D-7EE71EC4F2F2}" presName="conn2-1" presStyleLbl="parChTrans1D3" presStyleIdx="3" presStyleCnt="10"/>
+      <dgm:prSet presAssocID="{CF8C5C11-80B9-4E1C-AB8D-7EE71EC4F2F2}" presName="conn2-1" presStyleLbl="parChTrans1D3" presStyleIdx="3" presStyleCnt="9"/>
       <dgm:spPr/>
     </dgm:pt>
     <dgm:pt modelId="{77EE5E29-F728-4149-891F-2BCD5BCD2BF5}" type="pres">
-      <dgm:prSet presAssocID="{CF8C5C11-80B9-4E1C-AB8D-7EE71EC4F2F2}" presName="connTx" presStyleLbl="parChTrans1D3" presStyleIdx="3" presStyleCnt="10"/>
+      <dgm:prSet presAssocID="{CF8C5C11-80B9-4E1C-AB8D-7EE71EC4F2F2}" presName="connTx" presStyleLbl="parChTrans1D3" presStyleIdx="3" presStyleCnt="9"/>
       <dgm:spPr/>
     </dgm:pt>
     <dgm:pt modelId="{3DDD18E2-CF0D-483C-ABB1-A60C60D983C3}" type="pres">
@@ -1737,7 +1742,7 @@
       <dgm:spPr/>
     </dgm:pt>
     <dgm:pt modelId="{D2FAC230-2C60-4E83-AF8E-FD8A9E51E382}" type="pres">
-      <dgm:prSet presAssocID="{E2D534DA-9633-4DBB-B32C-15754E51E58E}" presName="LevelTwoTextNode" presStyleLbl="node3" presStyleIdx="3" presStyleCnt="10">
+      <dgm:prSet presAssocID="{E2D534DA-9633-4DBB-B32C-15754E51E58E}" presName="LevelTwoTextNode" presStyleLbl="node3" presStyleIdx="3" presStyleCnt="9">
         <dgm:presLayoutVars>
           <dgm:chPref val="3"/>
         </dgm:presLayoutVars>
@@ -1749,11 +1754,11 @@
       <dgm:spPr/>
     </dgm:pt>
     <dgm:pt modelId="{91366EF6-BF68-402D-ADC9-51B302157398}" type="pres">
-      <dgm:prSet presAssocID="{49948421-60BA-41FC-9475-99707CE5F3B4}" presName="conn2-1" presStyleLbl="parChTrans1D3" presStyleIdx="4" presStyleCnt="10"/>
+      <dgm:prSet presAssocID="{49948421-60BA-41FC-9475-99707CE5F3B4}" presName="conn2-1" presStyleLbl="parChTrans1D4" presStyleIdx="0" presStyleCnt="3"/>
       <dgm:spPr/>
     </dgm:pt>
     <dgm:pt modelId="{0995233A-EDD6-4B88-BE42-13A3AA8E3276}" type="pres">
-      <dgm:prSet presAssocID="{49948421-60BA-41FC-9475-99707CE5F3B4}" presName="connTx" presStyleLbl="parChTrans1D3" presStyleIdx="4" presStyleCnt="10"/>
+      <dgm:prSet presAssocID="{49948421-60BA-41FC-9475-99707CE5F3B4}" presName="connTx" presStyleLbl="parChTrans1D4" presStyleIdx="0" presStyleCnt="3"/>
       <dgm:spPr/>
     </dgm:pt>
     <dgm:pt modelId="{17C6A1F5-4335-44B0-BE6C-1408EDE78DDC}" type="pres">
@@ -1761,7 +1766,7 @@
       <dgm:spPr/>
     </dgm:pt>
     <dgm:pt modelId="{011C0FC4-FA56-4769-AE71-41C91C033287}" type="pres">
-      <dgm:prSet presAssocID="{D6B110F3-50D2-4518-9293-7F2BA384B0E4}" presName="LevelTwoTextNode" presStyleLbl="node3" presStyleIdx="4" presStyleCnt="10">
+      <dgm:prSet presAssocID="{D6B110F3-50D2-4518-9293-7F2BA384B0E4}" presName="LevelTwoTextNode" presStyleLbl="node4" presStyleIdx="0" presStyleCnt="3">
         <dgm:presLayoutVars>
           <dgm:chPref val="3"/>
         </dgm:presLayoutVars>
@@ -1773,11 +1778,11 @@
       <dgm:spPr/>
     </dgm:pt>
     <dgm:pt modelId="{6CFC26EE-92A6-42DB-AC11-4F5C6E7A79A5}" type="pres">
-      <dgm:prSet presAssocID="{10DF61FA-44C8-415B-8A38-39AD0D8AC22B}" presName="conn2-1" presStyleLbl="parChTrans1D4" presStyleIdx="0" presStyleCnt="2"/>
+      <dgm:prSet presAssocID="{10DF61FA-44C8-415B-8A38-39AD0D8AC22B}" presName="conn2-1" presStyleLbl="parChTrans1D4" presStyleIdx="1" presStyleCnt="3"/>
       <dgm:spPr/>
     </dgm:pt>
     <dgm:pt modelId="{8AD7CEF2-CBDC-480D-92CE-CE8A2DEA68CB}" type="pres">
-      <dgm:prSet presAssocID="{10DF61FA-44C8-415B-8A38-39AD0D8AC22B}" presName="connTx" presStyleLbl="parChTrans1D4" presStyleIdx="0" presStyleCnt="2"/>
+      <dgm:prSet presAssocID="{10DF61FA-44C8-415B-8A38-39AD0D8AC22B}" presName="connTx" presStyleLbl="parChTrans1D4" presStyleIdx="1" presStyleCnt="3"/>
       <dgm:spPr/>
     </dgm:pt>
     <dgm:pt modelId="{C8981547-937F-4578-8133-EE8069E55FCD}" type="pres">
@@ -1785,7 +1790,7 @@
       <dgm:spPr/>
     </dgm:pt>
     <dgm:pt modelId="{A8637265-3E6B-4DAA-A8CD-1BE5A68BBEFD}" type="pres">
-      <dgm:prSet presAssocID="{7DEA1E75-87F2-447D-B534-E5208036D56A}" presName="LevelTwoTextNode" presStyleLbl="node4" presStyleIdx="0" presStyleCnt="2">
+      <dgm:prSet presAssocID="{7DEA1E75-87F2-447D-B534-E5208036D56A}" presName="LevelTwoTextNode" presStyleLbl="node4" presStyleIdx="1" presStyleCnt="3">
         <dgm:presLayoutVars>
           <dgm:chPref val="3"/>
         </dgm:presLayoutVars>
@@ -1797,11 +1802,11 @@
       <dgm:spPr/>
     </dgm:pt>
     <dgm:pt modelId="{2DB65B5D-6F26-47A9-A104-221CE4DA8E04}" type="pres">
-      <dgm:prSet presAssocID="{96FAFBDE-08E6-43AA-9EE7-8F9A4A02B997}" presName="conn2-1" presStyleLbl="parChTrans1D3" presStyleIdx="5" presStyleCnt="10"/>
+      <dgm:prSet presAssocID="{96FAFBDE-08E6-43AA-9EE7-8F9A4A02B997}" presName="conn2-1" presStyleLbl="parChTrans1D3" presStyleIdx="4" presStyleCnt="9"/>
       <dgm:spPr/>
     </dgm:pt>
     <dgm:pt modelId="{C3F020B0-E1BB-4D24-9012-EFA30F7EC79D}" type="pres">
-      <dgm:prSet presAssocID="{96FAFBDE-08E6-43AA-9EE7-8F9A4A02B997}" presName="connTx" presStyleLbl="parChTrans1D3" presStyleIdx="5" presStyleCnt="10"/>
+      <dgm:prSet presAssocID="{96FAFBDE-08E6-43AA-9EE7-8F9A4A02B997}" presName="connTx" presStyleLbl="parChTrans1D3" presStyleIdx="4" presStyleCnt="9"/>
       <dgm:spPr/>
     </dgm:pt>
     <dgm:pt modelId="{F215E510-BAD6-4453-9009-A0D4304E10E1}" type="pres">
@@ -1809,7 +1814,7 @@
       <dgm:spPr/>
     </dgm:pt>
     <dgm:pt modelId="{D555D47B-CBD5-4A89-BD81-1C8B958A43FA}" type="pres">
-      <dgm:prSet presAssocID="{BEF70E4F-6C90-4A54-A966-CB8910E7D1AD}" presName="LevelTwoTextNode" presStyleLbl="node3" presStyleIdx="5" presStyleCnt="10">
+      <dgm:prSet presAssocID="{BEF70E4F-6C90-4A54-A966-CB8910E7D1AD}" presName="LevelTwoTextNode" presStyleLbl="node3" presStyleIdx="4" presStyleCnt="9">
         <dgm:presLayoutVars>
           <dgm:chPref val="3"/>
         </dgm:presLayoutVars>
@@ -1821,11 +1826,11 @@
       <dgm:spPr/>
     </dgm:pt>
     <dgm:pt modelId="{27ED22BB-1B07-45A4-A559-F7750CF8A5D1}" type="pres">
-      <dgm:prSet presAssocID="{D38CE29B-AC90-4821-AB32-70919D561556}" presName="conn2-1" presStyleLbl="parChTrans1D4" presStyleIdx="1" presStyleCnt="2"/>
+      <dgm:prSet presAssocID="{D38CE29B-AC90-4821-AB32-70919D561556}" presName="conn2-1" presStyleLbl="parChTrans1D4" presStyleIdx="2" presStyleCnt="3"/>
       <dgm:spPr/>
     </dgm:pt>
     <dgm:pt modelId="{7574E4DC-2299-4D49-8575-0494268971B4}" type="pres">
-      <dgm:prSet presAssocID="{D38CE29B-AC90-4821-AB32-70919D561556}" presName="connTx" presStyleLbl="parChTrans1D4" presStyleIdx="1" presStyleCnt="2"/>
+      <dgm:prSet presAssocID="{D38CE29B-AC90-4821-AB32-70919D561556}" presName="connTx" presStyleLbl="parChTrans1D4" presStyleIdx="2" presStyleCnt="3"/>
       <dgm:spPr/>
     </dgm:pt>
     <dgm:pt modelId="{EDE4B342-C722-4C84-ABB8-4778BB63E587}" type="pres">
@@ -1833,7 +1838,7 @@
       <dgm:spPr/>
     </dgm:pt>
     <dgm:pt modelId="{8811B347-3CA0-4F8D-9ADF-82A8E4A19133}" type="pres">
-      <dgm:prSet presAssocID="{8FAC09E2-4310-443B-8781-2F8E3E65FCF4}" presName="LevelTwoTextNode" presStyleLbl="node4" presStyleIdx="1" presStyleCnt="2">
+      <dgm:prSet presAssocID="{8FAC09E2-4310-443B-8781-2F8E3E65FCF4}" presName="LevelTwoTextNode" presStyleLbl="node4" presStyleIdx="2" presStyleCnt="3">
         <dgm:presLayoutVars>
           <dgm:chPref val="3"/>
         </dgm:presLayoutVars>
@@ -1869,11 +1874,11 @@
       <dgm:spPr/>
     </dgm:pt>
     <dgm:pt modelId="{D32E3006-F11A-493F-9664-74F09A568ADE}" type="pres">
-      <dgm:prSet presAssocID="{DFC56D10-00F3-4070-B40C-962A023BAF82}" presName="conn2-1" presStyleLbl="parChTrans1D3" presStyleIdx="6" presStyleCnt="10"/>
+      <dgm:prSet presAssocID="{DFC56D10-00F3-4070-B40C-962A023BAF82}" presName="conn2-1" presStyleLbl="parChTrans1D3" presStyleIdx="5" presStyleCnt="9"/>
       <dgm:spPr/>
     </dgm:pt>
     <dgm:pt modelId="{E87455D2-D3D8-415C-9FC2-059EA4FB9A51}" type="pres">
-      <dgm:prSet presAssocID="{DFC56D10-00F3-4070-B40C-962A023BAF82}" presName="connTx" presStyleLbl="parChTrans1D3" presStyleIdx="6" presStyleCnt="10"/>
+      <dgm:prSet presAssocID="{DFC56D10-00F3-4070-B40C-962A023BAF82}" presName="connTx" presStyleLbl="parChTrans1D3" presStyleIdx="5" presStyleCnt="9"/>
       <dgm:spPr/>
     </dgm:pt>
     <dgm:pt modelId="{B1D406BB-6244-41EA-8EDF-CFF09C908FE8}" type="pres">
@@ -1881,7 +1886,7 @@
       <dgm:spPr/>
     </dgm:pt>
     <dgm:pt modelId="{492E0CC5-DB24-47C3-89BF-AAB2D7E0BB53}" type="pres">
-      <dgm:prSet presAssocID="{2EE9D11B-C917-4350-897D-8997B8FEF306}" presName="LevelTwoTextNode" presStyleLbl="node3" presStyleIdx="6" presStyleCnt="10">
+      <dgm:prSet presAssocID="{2EE9D11B-C917-4350-897D-8997B8FEF306}" presName="LevelTwoTextNode" presStyleLbl="node3" presStyleIdx="5" presStyleCnt="9">
         <dgm:presLayoutVars>
           <dgm:chPref val="3"/>
         </dgm:presLayoutVars>
@@ -1893,11 +1898,11 @@
       <dgm:spPr/>
     </dgm:pt>
     <dgm:pt modelId="{0269DBC0-5BBF-4DA1-89F6-EE09AE81A02A}" type="pres">
-      <dgm:prSet presAssocID="{3AAD7AE7-8098-4220-8B40-F8AED200E147}" presName="conn2-1" presStyleLbl="parChTrans1D3" presStyleIdx="7" presStyleCnt="10"/>
+      <dgm:prSet presAssocID="{3AAD7AE7-8098-4220-8B40-F8AED200E147}" presName="conn2-1" presStyleLbl="parChTrans1D3" presStyleIdx="6" presStyleCnt="9"/>
       <dgm:spPr/>
     </dgm:pt>
     <dgm:pt modelId="{FF517301-59CB-48E9-A8F2-A57881B73B39}" type="pres">
-      <dgm:prSet presAssocID="{3AAD7AE7-8098-4220-8B40-F8AED200E147}" presName="connTx" presStyleLbl="parChTrans1D3" presStyleIdx="7" presStyleCnt="10"/>
+      <dgm:prSet presAssocID="{3AAD7AE7-8098-4220-8B40-F8AED200E147}" presName="connTx" presStyleLbl="parChTrans1D3" presStyleIdx="6" presStyleCnt="9"/>
       <dgm:spPr/>
     </dgm:pt>
     <dgm:pt modelId="{DA767C46-DC42-4848-A48D-924BE909EEFD}" type="pres">
@@ -1905,7 +1910,7 @@
       <dgm:spPr/>
     </dgm:pt>
     <dgm:pt modelId="{CFF603C7-BD42-4313-A3BD-F0E96555881B}" type="pres">
-      <dgm:prSet presAssocID="{CE62804A-0038-4A99-9C6B-69C13094BBB0}" presName="LevelTwoTextNode" presStyleLbl="node3" presStyleIdx="7" presStyleCnt="10">
+      <dgm:prSet presAssocID="{CE62804A-0038-4A99-9C6B-69C13094BBB0}" presName="LevelTwoTextNode" presStyleLbl="node3" presStyleIdx="6" presStyleCnt="9">
         <dgm:presLayoutVars>
           <dgm:chPref val="3"/>
         </dgm:presLayoutVars>
@@ -1917,11 +1922,11 @@
       <dgm:spPr/>
     </dgm:pt>
     <dgm:pt modelId="{63F66676-0601-45DD-9E99-1040000B4306}" type="pres">
-      <dgm:prSet presAssocID="{A0432CB0-0F5A-4B2D-8A0F-F1F100A2A71B}" presName="conn2-1" presStyleLbl="parChTrans1D3" presStyleIdx="8" presStyleCnt="10"/>
+      <dgm:prSet presAssocID="{A0432CB0-0F5A-4B2D-8A0F-F1F100A2A71B}" presName="conn2-1" presStyleLbl="parChTrans1D3" presStyleIdx="7" presStyleCnt="9"/>
       <dgm:spPr/>
     </dgm:pt>
     <dgm:pt modelId="{E6C1A487-2B45-4052-88BA-5317FE37591F}" type="pres">
-      <dgm:prSet presAssocID="{A0432CB0-0F5A-4B2D-8A0F-F1F100A2A71B}" presName="connTx" presStyleLbl="parChTrans1D3" presStyleIdx="8" presStyleCnt="10"/>
+      <dgm:prSet presAssocID="{A0432CB0-0F5A-4B2D-8A0F-F1F100A2A71B}" presName="connTx" presStyleLbl="parChTrans1D3" presStyleIdx="7" presStyleCnt="9"/>
       <dgm:spPr/>
     </dgm:pt>
     <dgm:pt modelId="{8348FB25-5D9C-4C93-810D-676A24536930}" type="pres">
@@ -1929,7 +1934,7 @@
       <dgm:spPr/>
     </dgm:pt>
     <dgm:pt modelId="{A3C90C79-72EF-4F43-8CD4-921235325172}" type="pres">
-      <dgm:prSet presAssocID="{3FA60838-6DC1-450E-9542-ABEEA306A3A7}" presName="LevelTwoTextNode" presStyleLbl="node3" presStyleIdx="8" presStyleCnt="10">
+      <dgm:prSet presAssocID="{3FA60838-6DC1-450E-9542-ABEEA306A3A7}" presName="LevelTwoTextNode" presStyleLbl="node3" presStyleIdx="7" presStyleCnt="9">
         <dgm:presLayoutVars>
           <dgm:chPref val="3"/>
         </dgm:presLayoutVars>
@@ -1965,11 +1970,11 @@
       <dgm:spPr/>
     </dgm:pt>
     <dgm:pt modelId="{A8C77022-2B90-4DD3-819C-D689CD601317}" type="pres">
-      <dgm:prSet presAssocID="{C29FE88D-C9E8-4A9B-A7DB-40CEC4D38AA4}" presName="conn2-1" presStyleLbl="parChTrans1D3" presStyleIdx="9" presStyleCnt="10"/>
+      <dgm:prSet presAssocID="{C29FE88D-C9E8-4A9B-A7DB-40CEC4D38AA4}" presName="conn2-1" presStyleLbl="parChTrans1D3" presStyleIdx="8" presStyleCnt="9"/>
       <dgm:spPr/>
     </dgm:pt>
     <dgm:pt modelId="{8EC6DA10-EED2-42BF-993A-A3E2AEB6E9B7}" type="pres">
-      <dgm:prSet presAssocID="{C29FE88D-C9E8-4A9B-A7DB-40CEC4D38AA4}" presName="connTx" presStyleLbl="parChTrans1D3" presStyleIdx="9" presStyleCnt="10"/>
+      <dgm:prSet presAssocID="{C29FE88D-C9E8-4A9B-A7DB-40CEC4D38AA4}" presName="connTx" presStyleLbl="parChTrans1D3" presStyleIdx="8" presStyleCnt="9"/>
       <dgm:spPr/>
     </dgm:pt>
     <dgm:pt modelId="{386151BD-C71C-44AA-A906-8AAAD5BAA68A}" type="pres">
@@ -1977,7 +1982,7 @@
       <dgm:spPr/>
     </dgm:pt>
     <dgm:pt modelId="{EC622A1A-AEB5-42E2-975D-D69ED6769D96}" type="pres">
-      <dgm:prSet presAssocID="{84508599-1A3D-4593-B51C-F49BB8F0AD58}" presName="LevelTwoTextNode" presStyleLbl="node3" presStyleIdx="9" presStyleCnt="10">
+      <dgm:prSet presAssocID="{84508599-1A3D-4593-B51C-F49BB8F0AD58}" presName="LevelTwoTextNode" presStyleLbl="node3" presStyleIdx="8" presStyleCnt="9">
         <dgm:presLayoutVars>
           <dgm:chPref val="3"/>
         </dgm:presLayoutVars>
@@ -2015,6 +2020,7 @@
   </dgm:ptLst>
   <dgm:cxnLst>
     <dgm:cxn modelId="{22F8B001-EE2C-4CAF-A389-BBDE30D0491C}" type="presOf" srcId="{753B163C-EF57-48CA-9EC4-9D4051C138F3}" destId="{7D33D451-C787-486D-93F4-3E2824006D67}" srcOrd="0" destOrd="0" presId="urn:microsoft.com/office/officeart/2005/8/layout/hierarchy2"/>
+    <dgm:cxn modelId="{4C155F02-8124-45A8-B1CB-98FA564B28BB}" type="presOf" srcId="{D6B110F3-50D2-4518-9293-7F2BA384B0E4}" destId="{011C0FC4-FA56-4769-AE71-41C91C033287}" srcOrd="0" destOrd="0" presId="urn:microsoft.com/office/officeart/2005/8/layout/hierarchy2"/>
     <dgm:cxn modelId="{AE42A905-00EE-4FF2-AFD0-CCF1CE77A6AB}" type="presOf" srcId="{394F961C-E724-47B6-B260-776F61E7779D}" destId="{678539AC-E490-4287-B0D8-6B3B8C7D8926}" srcOrd="1" destOrd="0" presId="urn:microsoft.com/office/officeart/2005/8/layout/hierarchy2"/>
     <dgm:cxn modelId="{9DD1D006-E1BE-497C-8AED-E2E1657282C3}" type="presOf" srcId="{DFC56D10-00F3-4070-B40C-962A023BAF82}" destId="{E87455D2-D3D8-415C-9FC2-059EA4FB9A51}" srcOrd="1" destOrd="0" presId="urn:microsoft.com/office/officeart/2005/8/layout/hierarchy2"/>
     <dgm:cxn modelId="{2C38D707-E66D-47AE-8B39-E33022913E93}" type="presOf" srcId="{53EAA76A-B5F3-40A6-B159-D6620968CAAB}" destId="{89524B21-6DAB-4D8B-B0E5-2B32C11A7D3D}" srcOrd="0" destOrd="0" presId="urn:microsoft.com/office/officeart/2005/8/layout/hierarchy2"/>
@@ -2026,7 +2032,6 @@
     <dgm:cxn modelId="{81348913-ECFF-4D4B-A162-E138FBE4FF3A}" srcId="{10C74FA5-0A2E-49A7-B0DC-B764DE020798}" destId="{84508599-1A3D-4593-B51C-F49BB8F0AD58}" srcOrd="0" destOrd="0" parTransId="{C29FE88D-C9E8-4A9B-A7DB-40CEC4D38AA4}" sibTransId="{3AA4AD22-2F29-4FC7-8035-0FFB2394D752}"/>
     <dgm:cxn modelId="{B49DB913-E273-4654-ACFB-2ED034E35EAE}" type="presOf" srcId="{8FAC09E2-4310-443B-8781-2F8E3E65FCF4}" destId="{8811B347-3CA0-4F8D-9ADF-82A8E4A19133}" srcOrd="0" destOrd="0" presId="urn:microsoft.com/office/officeart/2005/8/layout/hierarchy2"/>
     <dgm:cxn modelId="{7FCB151C-DD86-41D2-B0B4-61AFDA06EA50}" srcId="{D6B110F3-50D2-4518-9293-7F2BA384B0E4}" destId="{7DEA1E75-87F2-447D-B534-E5208036D56A}" srcOrd="0" destOrd="0" parTransId="{10DF61FA-44C8-415B-8A38-39AD0D8AC22B}" sibTransId="{5A1B75A8-C26B-4F12-B4BA-71810FA1D75A}"/>
-    <dgm:cxn modelId="{4CE8E21F-1782-47BD-9E99-C83F9214E363}" type="presOf" srcId="{10DF61FA-44C8-415B-8A38-39AD0D8AC22B}" destId="{8AD7CEF2-CBDC-480D-92CE-CE8A2DEA68CB}" srcOrd="1" destOrd="0" presId="urn:microsoft.com/office/officeart/2005/8/layout/hierarchy2"/>
     <dgm:cxn modelId="{79581221-A37C-4EF9-BA0A-C01ACF6B525A}" type="presOf" srcId="{BCDBFC10-46AB-4DE9-AE8B-891CDA8DB10F}" destId="{5317B01C-632D-41ED-9B4F-575F93F78D14}" srcOrd="0" destOrd="0" presId="urn:microsoft.com/office/officeart/2005/8/layout/hierarchy2"/>
     <dgm:cxn modelId="{236E0F23-E45C-4C0E-81CD-747217CD4E39}" type="presOf" srcId="{304306B8-19D2-4957-837D-C83D90C660FC}" destId="{5B5FA48C-4AD0-4CA2-BEE7-CF6169F10446}" srcOrd="0" destOrd="0" presId="urn:microsoft.com/office/officeart/2005/8/layout/hierarchy2"/>
     <dgm:cxn modelId="{ADCCFE23-AB23-42B7-A6E2-371AF773ACE4}" type="presOf" srcId="{5E07F28A-AE4B-46B5-8ACE-1BD7C8D3B1E4}" destId="{151D1481-29B4-45FF-B4F8-72DFB5A22479}" srcOrd="1" destOrd="0" presId="urn:microsoft.com/office/officeart/2005/8/layout/hierarchy2"/>
@@ -2040,6 +2045,7 @@
     <dgm:cxn modelId="{A2350E37-5CDA-4ADB-9851-772E6DEB9CF3}" type="presOf" srcId="{C927618E-E4C5-4EB8-B196-8B81857F41B9}" destId="{F2B8A188-3718-407D-B3FC-C96FD0776F40}" srcOrd="0" destOrd="0" presId="urn:microsoft.com/office/officeart/2005/8/layout/hierarchy2"/>
     <dgm:cxn modelId="{55667538-F0CA-40C3-AAC6-8F7E58ECB25B}" srcId="{FC6F06F9-71A3-48F4-98A4-99B0A9A7E508}" destId="{753B163C-EF57-48CA-9EC4-9D4051C138F3}" srcOrd="2" destOrd="0" parTransId="{E8C5750E-43CB-4535-9FFB-DC7CCA920C19}" sibTransId="{F336FF58-C878-44A7-89D7-02EEFAAB9571}"/>
     <dgm:cxn modelId="{89D47D3D-A8F5-4029-BE9B-06C97E1DA8C7}" type="presOf" srcId="{09E86733-ABBF-4632-9138-CD45C40604B7}" destId="{187136B9-0D1A-486B-8631-865706A98BE4}" srcOrd="0" destOrd="0" presId="urn:microsoft.com/office/officeart/2005/8/layout/hierarchy2"/>
+    <dgm:cxn modelId="{70E5D140-9B5B-415F-9DBF-D1ABBD880B71}" type="presOf" srcId="{10DF61FA-44C8-415B-8A38-39AD0D8AC22B}" destId="{8AD7CEF2-CBDC-480D-92CE-CE8A2DEA68CB}" srcOrd="1" destOrd="0" presId="urn:microsoft.com/office/officeart/2005/8/layout/hierarchy2"/>
     <dgm:cxn modelId="{31284C60-4C55-4055-A5DD-13E0677AB420}" type="presOf" srcId="{F80E9FB5-245B-4B4E-832C-EA6DE66BA8BC}" destId="{751370BC-F990-401D-B1CF-AC804C8AFD7D}" srcOrd="0" destOrd="0" presId="urn:microsoft.com/office/officeart/2005/8/layout/hierarchy2"/>
     <dgm:cxn modelId="{C00E2443-73CD-4A43-8E32-B8608B061635}" type="presOf" srcId="{E2D534DA-9633-4DBB-B32C-15754E51E58E}" destId="{D2FAC230-2C60-4E83-AF8E-FD8A9E51E382}" srcOrd="0" destOrd="0" presId="urn:microsoft.com/office/officeart/2005/8/layout/hierarchy2"/>
     <dgm:cxn modelId="{AD6C7D44-0CC2-4FAE-A673-83138B51EF60}" type="presOf" srcId="{D38CE29B-AC90-4821-AB32-70919D561556}" destId="{27ED22BB-1B07-45A4-A559-F7750CF8A5D1}" srcOrd="0" destOrd="0" presId="urn:microsoft.com/office/officeart/2005/8/layout/hierarchy2"/>
@@ -2053,18 +2059,18 @@
     <dgm:cxn modelId="{A4C0C085-52F9-4D03-ABE3-7372571CAF61}" type="presOf" srcId="{10C74FA5-0A2E-49A7-B0DC-B764DE020798}" destId="{0A2A203D-85AF-4728-8F33-3502D8A76382}" srcOrd="0" destOrd="0" presId="urn:microsoft.com/office/officeart/2005/8/layout/hierarchy2"/>
     <dgm:cxn modelId="{D3AC738D-FDE3-4D96-AA9F-83DB2E834E8C}" srcId="{44DD04F2-FDF4-44C4-8542-195BB81B25EA}" destId="{3FA60838-6DC1-450E-9542-ABEEA306A3A7}" srcOrd="2" destOrd="0" parTransId="{A0432CB0-0F5A-4B2D-8A0F-F1F100A2A71B}" sibTransId="{B3F255ED-78FA-4AA7-BB74-A5EB4D772AB5}"/>
     <dgm:cxn modelId="{0E04638F-E9E3-4666-8B6D-ACE57C27AB97}" type="presOf" srcId="{FC6F06F9-71A3-48F4-98A4-99B0A9A7E508}" destId="{EABB99F0-C4AC-4162-8D07-6F7B0ECB250A}" srcOrd="0" destOrd="0" presId="urn:microsoft.com/office/officeart/2005/8/layout/hierarchy2"/>
-    <dgm:cxn modelId="{1F045293-8C5F-4D30-9D7E-81289FA19132}" type="presOf" srcId="{7DEA1E75-87F2-447D-B534-E5208036D56A}" destId="{A8637265-3E6B-4DAA-A8CD-1BE5A68BBEFD}" srcOrd="0" destOrd="0" presId="urn:microsoft.com/office/officeart/2005/8/layout/hierarchy2"/>
     <dgm:cxn modelId="{338CCF94-246A-49D7-87E4-76A4029295F1}" type="presOf" srcId="{96FAFBDE-08E6-43AA-9EE7-8F9A4A02B997}" destId="{C3F020B0-E1BB-4D24-9012-EFA30F7EC79D}" srcOrd="1" destOrd="0" presId="urn:microsoft.com/office/officeart/2005/8/layout/hierarchy2"/>
-    <dgm:cxn modelId="{7694339C-DFCD-4F1E-9191-87A141C5184B}" srcId="{753B163C-EF57-48CA-9EC4-9D4051C138F3}" destId="{D6B110F3-50D2-4518-9293-7F2BA384B0E4}" srcOrd="3" destOrd="0" parTransId="{49948421-60BA-41FC-9475-99707CE5F3B4}" sibTransId="{FCAB5C6C-1D54-4E7A-A938-76DBC0C48177}"/>
+    <dgm:cxn modelId="{7694339C-DFCD-4F1E-9191-87A141C5184B}" srcId="{E2D534DA-9633-4DBB-B32C-15754E51E58E}" destId="{D6B110F3-50D2-4518-9293-7F2BA384B0E4}" srcOrd="0" destOrd="0" parTransId="{49948421-60BA-41FC-9475-99707CE5F3B4}" sibTransId="{FCAB5C6C-1D54-4E7A-A938-76DBC0C48177}"/>
+    <dgm:cxn modelId="{C0C5E59C-D3EC-492E-83EA-8444E95AE8AE}" type="presOf" srcId="{10DF61FA-44C8-415B-8A38-39AD0D8AC22B}" destId="{6CFC26EE-92A6-42DB-AC11-4F5C6E7A79A5}" srcOrd="0" destOrd="0" presId="urn:microsoft.com/office/officeart/2005/8/layout/hierarchy2"/>
     <dgm:cxn modelId="{C7E1019F-FDDE-4F52-BC4F-9B64E07E85B9}" type="presOf" srcId="{CF8C5C11-80B9-4E1C-AB8D-7EE71EC4F2F2}" destId="{FFB091AB-A198-43E4-AE0F-D8E1EDDD9E7B}" srcOrd="0" destOrd="0" presId="urn:microsoft.com/office/officeart/2005/8/layout/hierarchy2"/>
     <dgm:cxn modelId="{3DCF09A0-C22E-42C5-9B30-3F850F38B8F3}" type="presOf" srcId="{D6636A7F-318C-41D1-9ECF-632945AFD290}" destId="{436A9D22-A917-4CDD-B382-4C713659566F}" srcOrd="0" destOrd="0" presId="urn:microsoft.com/office/officeart/2005/8/layout/hierarchy2"/>
     <dgm:cxn modelId="{E11FFBA1-003D-4A53-B115-2D8ED85DFD17}" type="presOf" srcId="{A0432CB0-0F5A-4B2D-8A0F-F1F100A2A71B}" destId="{E6C1A487-2B45-4052-88BA-5317FE37591F}" srcOrd="1" destOrd="0" presId="urn:microsoft.com/office/officeart/2005/8/layout/hierarchy2"/>
     <dgm:cxn modelId="{81BC19A3-8D1B-429C-AEFC-2959CE4A861D}" type="presOf" srcId="{0B81162A-04C3-4A97-B642-AEB522429BF4}" destId="{DA2ECC67-C634-4F6C-921B-E2AC98CDA1E0}" srcOrd="0" destOrd="0" presId="urn:microsoft.com/office/officeart/2005/8/layout/hierarchy2"/>
     <dgm:cxn modelId="{24AC9AAE-AC3B-4C20-892C-8CC6E0F5A075}" type="presOf" srcId="{44DD04F2-FDF4-44C4-8542-195BB81B25EA}" destId="{447DC584-2A91-4F03-9DBB-EFCA8D39C53F}" srcOrd="0" destOrd="0" presId="urn:microsoft.com/office/officeart/2005/8/layout/hierarchy2"/>
     <dgm:cxn modelId="{805B1CB2-AAB2-4437-9D8C-6B57C5D6A3CC}" srcId="{44DD04F2-FDF4-44C4-8542-195BB81B25EA}" destId="{2EE9D11B-C917-4350-897D-8997B8FEF306}" srcOrd="0" destOrd="0" parTransId="{DFC56D10-00F3-4070-B40C-962A023BAF82}" sibTransId="{97A45607-CF08-4521-8728-E1717923C46B}"/>
-    <dgm:cxn modelId="{FF9617B3-B51A-4375-A539-5E69817057B3}" type="presOf" srcId="{10DF61FA-44C8-415B-8A38-39AD0D8AC22B}" destId="{6CFC26EE-92A6-42DB-AC11-4F5C6E7A79A5}" srcOrd="0" destOrd="0" presId="urn:microsoft.com/office/officeart/2005/8/layout/hierarchy2"/>
     <dgm:cxn modelId="{083573BA-FF8C-4598-ABC4-BD65F011E17C}" type="presOf" srcId="{CE62804A-0038-4A99-9C6B-69C13094BBB0}" destId="{CFF603C7-BD42-4313-A3BD-F0E96555881B}" srcOrd="0" destOrd="0" presId="urn:microsoft.com/office/officeart/2005/8/layout/hierarchy2"/>
     <dgm:cxn modelId="{4F71B2BA-2D0D-46B1-BD8F-5FA4591C5E78}" srcId="{FC6F06F9-71A3-48F4-98A4-99B0A9A7E508}" destId="{0B81162A-04C3-4A97-B642-AEB522429BF4}" srcOrd="1" destOrd="0" parTransId="{3BACAA0F-EAA3-48CC-ADF5-7170067E6918}" sibTransId="{AA0FB553-10D1-4ECD-93E7-A99DE5185067}"/>
+    <dgm:cxn modelId="{F107EDBD-E7B7-4FEC-A7E3-39B762FC1B05}" type="presOf" srcId="{49948421-60BA-41FC-9475-99707CE5F3B4}" destId="{0995233A-EDD6-4B88-BE42-13A3AA8E3276}" srcOrd="1" destOrd="0" presId="urn:microsoft.com/office/officeart/2005/8/layout/hierarchy2"/>
     <dgm:cxn modelId="{AA31F5C2-4F2F-4014-BDEC-4032AEFB3F18}" srcId="{FC6F06F9-71A3-48F4-98A4-99B0A9A7E508}" destId="{44DD04F2-FDF4-44C4-8542-195BB81B25EA}" srcOrd="3" destOrd="0" parTransId="{9DC6CE0D-40E7-4F58-B884-B5B3EBCA6055}" sibTransId="{A9A4C505-7348-40D1-8CA2-B5AAF91DEEA7}"/>
     <dgm:cxn modelId="{A71291C3-D596-4AFC-91D0-B6EA45271635}" type="presOf" srcId="{3FA60838-6DC1-450E-9542-ABEEA306A3A7}" destId="{A3C90C79-72EF-4F43-8CD4-921235325172}" srcOrd="0" destOrd="0" presId="urn:microsoft.com/office/officeart/2005/8/layout/hierarchy2"/>
     <dgm:cxn modelId="{CF6FE2C3-19CB-4D13-B24D-4D1BCC95C3B0}" type="presOf" srcId="{D38CE29B-AC90-4821-AB32-70919D561556}" destId="{7574E4DC-2299-4D49-8575-0494268971B4}" srcOrd="1" destOrd="0" presId="urn:microsoft.com/office/officeart/2005/8/layout/hierarchy2"/>
@@ -2074,16 +2080,15 @@
     <dgm:cxn modelId="{D1A587CD-B5C4-42DD-AB29-E9CEE4504C7D}" srcId="{44DD04F2-FDF4-44C4-8542-195BB81B25EA}" destId="{CE62804A-0038-4A99-9C6B-69C13094BBB0}" srcOrd="1" destOrd="0" parTransId="{3AAD7AE7-8098-4220-8B40-F8AED200E147}" sibTransId="{E0009863-7C73-4A11-B5F7-8DD621FAEE0A}"/>
     <dgm:cxn modelId="{271430D2-48D8-4064-BB3A-0BC4CF5D8EF2}" type="presOf" srcId="{9DC6CE0D-40E7-4F58-B884-B5B3EBCA6055}" destId="{C6D9BABC-F985-47AA-875D-6C6A278B17C1}" srcOrd="0" destOrd="0" presId="urn:microsoft.com/office/officeart/2005/8/layout/hierarchy2"/>
     <dgm:cxn modelId="{F72E66D4-303C-401F-BDDB-C038C71B885E}" type="presOf" srcId="{F80E9FB5-245B-4B4E-832C-EA6DE66BA8BC}" destId="{2A9089B3-EA1F-45B6-8896-00AE1DF706AB}" srcOrd="1" destOrd="0" presId="urn:microsoft.com/office/officeart/2005/8/layout/hierarchy2"/>
-    <dgm:cxn modelId="{D17A0AD5-FDAA-43D2-BF00-F462B62EEC75}" type="presOf" srcId="{49948421-60BA-41FC-9475-99707CE5F3B4}" destId="{0995233A-EDD6-4B88-BE42-13A3AA8E3276}" srcOrd="1" destOrd="0" presId="urn:microsoft.com/office/officeart/2005/8/layout/hierarchy2"/>
-    <dgm:cxn modelId="{B48657D5-42EF-4E9C-BED7-8B2600210EFD}" type="presOf" srcId="{49948421-60BA-41FC-9475-99707CE5F3B4}" destId="{91366EF6-BF68-402D-ADC9-51B302157398}" srcOrd="0" destOrd="0" presId="urn:microsoft.com/office/officeart/2005/8/layout/hierarchy2"/>
     <dgm:cxn modelId="{356FD1DD-7F3F-4ED5-8C51-2E42FAD3547B}" type="presOf" srcId="{5E07F28A-AE4B-46B5-8ACE-1BD7C8D3B1E4}" destId="{F8C47E08-57AD-4AB9-B6F1-D6CDD5075FF5}" srcOrd="0" destOrd="0" presId="urn:microsoft.com/office/officeart/2005/8/layout/hierarchy2"/>
     <dgm:cxn modelId="{D64AE6DE-927E-4132-B4C7-DC73954EEA75}" srcId="{753B163C-EF57-48CA-9EC4-9D4051C138F3}" destId="{E2D534DA-9633-4DBB-B32C-15754E51E58E}" srcOrd="2" destOrd="0" parTransId="{CF8C5C11-80B9-4E1C-AB8D-7EE71EC4F2F2}" sibTransId="{ABCE4B24-ECEB-4DAA-A244-790D58E0841D}"/>
     <dgm:cxn modelId="{D43671DF-16ED-4AB2-A036-31B953FB156B}" srcId="{FC6F06F9-71A3-48F4-98A4-99B0A9A7E508}" destId="{FA812A13-74F7-4CE0-93F0-C43D937DB682}" srcOrd="5" destOrd="0" parTransId="{5E07F28A-AE4B-46B5-8ACE-1BD7C8D3B1E4}" sibTransId="{3C35250F-9365-4139-97B8-3F8962D5DD37}"/>
-    <dgm:cxn modelId="{B33C91E5-2B9E-4B6F-82B6-56E6A88FD888}" srcId="{753B163C-EF57-48CA-9EC4-9D4051C138F3}" destId="{BEF70E4F-6C90-4A54-A966-CB8910E7D1AD}" srcOrd="4" destOrd="0" parTransId="{96FAFBDE-08E6-43AA-9EE7-8F9A4A02B997}" sibTransId="{3E5E78AC-1B9D-4951-9CF6-5ED1315AA86B}"/>
+    <dgm:cxn modelId="{FD907ADF-F0D9-4220-9200-0580BBCD1900}" type="presOf" srcId="{49948421-60BA-41FC-9475-99707CE5F3B4}" destId="{91366EF6-BF68-402D-ADC9-51B302157398}" srcOrd="0" destOrd="0" presId="urn:microsoft.com/office/officeart/2005/8/layout/hierarchy2"/>
+    <dgm:cxn modelId="{887C5AE3-A085-4294-A95D-581F7F977906}" type="presOf" srcId="{7DEA1E75-87F2-447D-B534-E5208036D56A}" destId="{A8637265-3E6B-4DAA-A8CD-1BE5A68BBEFD}" srcOrd="0" destOrd="0" presId="urn:microsoft.com/office/officeart/2005/8/layout/hierarchy2"/>
+    <dgm:cxn modelId="{B33C91E5-2B9E-4B6F-82B6-56E6A88FD888}" srcId="{753B163C-EF57-48CA-9EC4-9D4051C138F3}" destId="{BEF70E4F-6C90-4A54-A966-CB8910E7D1AD}" srcOrd="3" destOrd="0" parTransId="{96FAFBDE-08E6-43AA-9EE7-8F9A4A02B997}" sibTransId="{3E5E78AC-1B9D-4951-9CF6-5ED1315AA86B}"/>
     <dgm:cxn modelId="{99EFBCE5-65F4-4C21-B6A5-92797E7ACE22}" type="presOf" srcId="{E8C5750E-43CB-4535-9FFB-DC7CCA920C19}" destId="{96EF483A-E398-4B55-BD5A-D4D3674A3178}" srcOrd="0" destOrd="0" presId="urn:microsoft.com/office/officeart/2005/8/layout/hierarchy2"/>
     <dgm:cxn modelId="{EF006AEE-A630-4412-9162-E6FF919BFCB2}" type="presOf" srcId="{9DC6CE0D-40E7-4F58-B884-B5B3EBCA6055}" destId="{3348F8FA-812F-4116-9CD6-F3D5C8B6B5EE}" srcOrd="1" destOrd="0" presId="urn:microsoft.com/office/officeart/2005/8/layout/hierarchy2"/>
     <dgm:cxn modelId="{4EC3F3F1-2F91-48B9-95D9-1BF9E555B653}" type="presOf" srcId="{E1F26707-39B3-4572-8808-97DFB7991816}" destId="{B8AE56E0-1F43-4EE2-A49B-E1E30F95E71C}" srcOrd="0" destOrd="0" presId="urn:microsoft.com/office/officeart/2005/8/layout/hierarchy2"/>
-    <dgm:cxn modelId="{11F2B7F2-7D48-4D92-8AD0-5F06E0539AAC}" type="presOf" srcId="{D6B110F3-50D2-4518-9293-7F2BA384B0E4}" destId="{011C0FC4-FA56-4769-AE71-41C91C033287}" srcOrd="0" destOrd="0" presId="urn:microsoft.com/office/officeart/2005/8/layout/hierarchy2"/>
     <dgm:cxn modelId="{526C8DF3-E671-4FA1-88F9-90C68CEC04A1}" type="presOf" srcId="{84508599-1A3D-4593-B51C-F49BB8F0AD58}" destId="{EC622A1A-AEB5-42E2-975D-D69ED6769D96}" srcOrd="0" destOrd="0" presId="urn:microsoft.com/office/officeart/2005/8/layout/hierarchy2"/>
     <dgm:cxn modelId="{3CB9F6F9-3B19-4571-9C6A-2EFF7AF7F972}" type="presOf" srcId="{394F961C-E724-47B6-B260-776F61E7779D}" destId="{1FEC21F1-4B3F-4DAD-9C5D-4265622D7589}" srcOrd="0" destOrd="0" presId="urn:microsoft.com/office/officeart/2005/8/layout/hierarchy2"/>
     <dgm:cxn modelId="{AB5F7AFB-9E01-4F83-9123-06FAF1EECE8D}" srcId="{753B163C-EF57-48CA-9EC4-9D4051C138F3}" destId="{C927618E-E4C5-4EB8-B196-8B81857F41B9}" srcOrd="0" destOrd="0" parTransId="{394F961C-E724-47B6-B260-776F61E7779D}" sibTransId="{D9BA044E-024C-49D0-A552-506AE948DA34}"/>
@@ -2127,19 +2132,19 @@
     <dgm:cxn modelId="{3F796C76-7E84-4B0D-B892-5C364FDD57C2}" type="presParOf" srcId="{F28C9B11-6ED8-4F78-B4E3-FF2F062893C7}" destId="{3DDD18E2-CF0D-483C-ABB1-A60C60D983C3}" srcOrd="5" destOrd="0" presId="urn:microsoft.com/office/officeart/2005/8/layout/hierarchy2"/>
     <dgm:cxn modelId="{22B78938-0325-4E39-BF6D-3FA44EADDA87}" type="presParOf" srcId="{3DDD18E2-CF0D-483C-ABB1-A60C60D983C3}" destId="{D2FAC230-2C60-4E83-AF8E-FD8A9E51E382}" srcOrd="0" destOrd="0" presId="urn:microsoft.com/office/officeart/2005/8/layout/hierarchy2"/>
     <dgm:cxn modelId="{1CDE1992-17ED-4977-AC5B-8CD4347FE000}" type="presParOf" srcId="{3DDD18E2-CF0D-483C-ABB1-A60C60D983C3}" destId="{38B1F803-8AD0-48E8-BC07-607BCEF1D618}" srcOrd="1" destOrd="0" presId="urn:microsoft.com/office/officeart/2005/8/layout/hierarchy2"/>
-    <dgm:cxn modelId="{855DABC1-FEC7-4912-80AE-A84A8C7C3238}" type="presParOf" srcId="{F28C9B11-6ED8-4F78-B4E3-FF2F062893C7}" destId="{91366EF6-BF68-402D-ADC9-51B302157398}" srcOrd="6" destOrd="0" presId="urn:microsoft.com/office/officeart/2005/8/layout/hierarchy2"/>
-    <dgm:cxn modelId="{F7C01C9C-26BD-434F-8F63-878084E22595}" type="presParOf" srcId="{91366EF6-BF68-402D-ADC9-51B302157398}" destId="{0995233A-EDD6-4B88-BE42-13A3AA8E3276}" srcOrd="0" destOrd="0" presId="urn:microsoft.com/office/officeart/2005/8/layout/hierarchy2"/>
-    <dgm:cxn modelId="{2271248F-7260-4547-A468-B43C936FBB6F}" type="presParOf" srcId="{F28C9B11-6ED8-4F78-B4E3-FF2F062893C7}" destId="{17C6A1F5-4335-44B0-BE6C-1408EDE78DDC}" srcOrd="7" destOrd="0" presId="urn:microsoft.com/office/officeart/2005/8/layout/hierarchy2"/>
-    <dgm:cxn modelId="{4A587915-1847-49E1-8768-F38C8C061149}" type="presParOf" srcId="{17C6A1F5-4335-44B0-BE6C-1408EDE78DDC}" destId="{011C0FC4-FA56-4769-AE71-41C91C033287}" srcOrd="0" destOrd="0" presId="urn:microsoft.com/office/officeart/2005/8/layout/hierarchy2"/>
-    <dgm:cxn modelId="{ACF5BC9B-1693-4B45-9B01-9076D3D66CA6}" type="presParOf" srcId="{17C6A1F5-4335-44B0-BE6C-1408EDE78DDC}" destId="{8F424563-BB65-4BB4-886B-90D85C007C24}" srcOrd="1" destOrd="0" presId="urn:microsoft.com/office/officeart/2005/8/layout/hierarchy2"/>
-    <dgm:cxn modelId="{BB52DE56-B90D-4C96-AB4F-6F9FEA3E84EE}" type="presParOf" srcId="{8F424563-BB65-4BB4-886B-90D85C007C24}" destId="{6CFC26EE-92A6-42DB-AC11-4F5C6E7A79A5}" srcOrd="0" destOrd="0" presId="urn:microsoft.com/office/officeart/2005/8/layout/hierarchy2"/>
-    <dgm:cxn modelId="{BFE386DB-E23C-42EB-AD80-F9BA0D3EFF01}" type="presParOf" srcId="{6CFC26EE-92A6-42DB-AC11-4F5C6E7A79A5}" destId="{8AD7CEF2-CBDC-480D-92CE-CE8A2DEA68CB}" srcOrd="0" destOrd="0" presId="urn:microsoft.com/office/officeart/2005/8/layout/hierarchy2"/>
-    <dgm:cxn modelId="{B3AC7735-6B11-4F20-82E1-351080C809FB}" type="presParOf" srcId="{8F424563-BB65-4BB4-886B-90D85C007C24}" destId="{C8981547-937F-4578-8133-EE8069E55FCD}" srcOrd="1" destOrd="0" presId="urn:microsoft.com/office/officeart/2005/8/layout/hierarchy2"/>
-    <dgm:cxn modelId="{4105703F-DEF4-423A-A8E1-E4427965D196}" type="presParOf" srcId="{C8981547-937F-4578-8133-EE8069E55FCD}" destId="{A8637265-3E6B-4DAA-A8CD-1BE5A68BBEFD}" srcOrd="0" destOrd="0" presId="urn:microsoft.com/office/officeart/2005/8/layout/hierarchy2"/>
-    <dgm:cxn modelId="{D204914A-0DF1-498A-A9F7-1CA8C8650178}" type="presParOf" srcId="{C8981547-937F-4578-8133-EE8069E55FCD}" destId="{BB36FEA2-924D-477E-BC8A-B7D3E23E64FB}" srcOrd="1" destOrd="0" presId="urn:microsoft.com/office/officeart/2005/8/layout/hierarchy2"/>
-    <dgm:cxn modelId="{2C1CA1C2-8937-4F46-9C26-74CEF84C9588}" type="presParOf" srcId="{F28C9B11-6ED8-4F78-B4E3-FF2F062893C7}" destId="{2DB65B5D-6F26-47A9-A104-221CE4DA8E04}" srcOrd="8" destOrd="0" presId="urn:microsoft.com/office/officeart/2005/8/layout/hierarchy2"/>
+    <dgm:cxn modelId="{5D53AE56-B06F-4595-9F5C-5B4E6AF8A890}" type="presParOf" srcId="{38B1F803-8AD0-48E8-BC07-607BCEF1D618}" destId="{91366EF6-BF68-402D-ADC9-51B302157398}" srcOrd="0" destOrd="0" presId="urn:microsoft.com/office/officeart/2005/8/layout/hierarchy2"/>
+    <dgm:cxn modelId="{4D856E62-2BAA-48AE-9A42-AE9E05BB8969}" type="presParOf" srcId="{91366EF6-BF68-402D-ADC9-51B302157398}" destId="{0995233A-EDD6-4B88-BE42-13A3AA8E3276}" srcOrd="0" destOrd="0" presId="urn:microsoft.com/office/officeart/2005/8/layout/hierarchy2"/>
+    <dgm:cxn modelId="{CF72CE67-A38B-4508-AAE9-269019D9BBFE}" type="presParOf" srcId="{38B1F803-8AD0-48E8-BC07-607BCEF1D618}" destId="{17C6A1F5-4335-44B0-BE6C-1408EDE78DDC}" srcOrd="1" destOrd="0" presId="urn:microsoft.com/office/officeart/2005/8/layout/hierarchy2"/>
+    <dgm:cxn modelId="{07E412AF-A3D5-4B06-A90C-6F7166208F3F}" type="presParOf" srcId="{17C6A1F5-4335-44B0-BE6C-1408EDE78DDC}" destId="{011C0FC4-FA56-4769-AE71-41C91C033287}" srcOrd="0" destOrd="0" presId="urn:microsoft.com/office/officeart/2005/8/layout/hierarchy2"/>
+    <dgm:cxn modelId="{C097177B-863F-4DA7-BEBB-7D975265FAED}" type="presParOf" srcId="{17C6A1F5-4335-44B0-BE6C-1408EDE78DDC}" destId="{8F424563-BB65-4BB4-886B-90D85C007C24}" srcOrd="1" destOrd="0" presId="urn:microsoft.com/office/officeart/2005/8/layout/hierarchy2"/>
+    <dgm:cxn modelId="{8CCE312A-0A1D-4D64-91B2-FF7D53FB6895}" type="presParOf" srcId="{8F424563-BB65-4BB4-886B-90D85C007C24}" destId="{6CFC26EE-92A6-42DB-AC11-4F5C6E7A79A5}" srcOrd="0" destOrd="0" presId="urn:microsoft.com/office/officeart/2005/8/layout/hierarchy2"/>
+    <dgm:cxn modelId="{1015656F-A57D-4048-B208-3B84AEE9402C}" type="presParOf" srcId="{6CFC26EE-92A6-42DB-AC11-4F5C6E7A79A5}" destId="{8AD7CEF2-CBDC-480D-92CE-CE8A2DEA68CB}" srcOrd="0" destOrd="0" presId="urn:microsoft.com/office/officeart/2005/8/layout/hierarchy2"/>
+    <dgm:cxn modelId="{A38FAF6A-FDC4-4060-8E93-259AD6DD153C}" type="presParOf" srcId="{8F424563-BB65-4BB4-886B-90D85C007C24}" destId="{C8981547-937F-4578-8133-EE8069E55FCD}" srcOrd="1" destOrd="0" presId="urn:microsoft.com/office/officeart/2005/8/layout/hierarchy2"/>
+    <dgm:cxn modelId="{E5EFA87F-5F7E-4832-BC75-DE3E7158C13F}" type="presParOf" srcId="{C8981547-937F-4578-8133-EE8069E55FCD}" destId="{A8637265-3E6B-4DAA-A8CD-1BE5A68BBEFD}" srcOrd="0" destOrd="0" presId="urn:microsoft.com/office/officeart/2005/8/layout/hierarchy2"/>
+    <dgm:cxn modelId="{44E70908-AA54-47E5-B926-A3F36B8966D2}" type="presParOf" srcId="{C8981547-937F-4578-8133-EE8069E55FCD}" destId="{BB36FEA2-924D-477E-BC8A-B7D3E23E64FB}" srcOrd="1" destOrd="0" presId="urn:microsoft.com/office/officeart/2005/8/layout/hierarchy2"/>
+    <dgm:cxn modelId="{2C1CA1C2-8937-4F46-9C26-74CEF84C9588}" type="presParOf" srcId="{F28C9B11-6ED8-4F78-B4E3-FF2F062893C7}" destId="{2DB65B5D-6F26-47A9-A104-221CE4DA8E04}" srcOrd="6" destOrd="0" presId="urn:microsoft.com/office/officeart/2005/8/layout/hierarchy2"/>
     <dgm:cxn modelId="{F04F2980-4D47-4209-9494-A70011281DF1}" type="presParOf" srcId="{2DB65B5D-6F26-47A9-A104-221CE4DA8E04}" destId="{C3F020B0-E1BB-4D24-9012-EFA30F7EC79D}" srcOrd="0" destOrd="0" presId="urn:microsoft.com/office/officeart/2005/8/layout/hierarchy2"/>
-    <dgm:cxn modelId="{7F7D398F-ACB4-4B28-8DC3-E9B8F57A5E00}" type="presParOf" srcId="{F28C9B11-6ED8-4F78-B4E3-FF2F062893C7}" destId="{F215E510-BAD6-4453-9009-A0D4304E10E1}" srcOrd="9" destOrd="0" presId="urn:microsoft.com/office/officeart/2005/8/layout/hierarchy2"/>
+    <dgm:cxn modelId="{7F7D398F-ACB4-4B28-8DC3-E9B8F57A5E00}" type="presParOf" srcId="{F28C9B11-6ED8-4F78-B4E3-FF2F062893C7}" destId="{F215E510-BAD6-4453-9009-A0D4304E10E1}" srcOrd="7" destOrd="0" presId="urn:microsoft.com/office/officeart/2005/8/layout/hierarchy2"/>
     <dgm:cxn modelId="{F345AF7E-E7E7-4D54-A6DD-207F7193C68A}" type="presParOf" srcId="{F215E510-BAD6-4453-9009-A0D4304E10E1}" destId="{D555D47B-CBD5-4A89-BD81-1C8B958A43FA}" srcOrd="0" destOrd="0" presId="urn:microsoft.com/office/officeart/2005/8/layout/hierarchy2"/>
     <dgm:cxn modelId="{7F948478-5FCA-4FD1-8BA8-F6FFF9CF7D3C}" type="presParOf" srcId="{F215E510-BAD6-4453-9009-A0D4304E10E1}" destId="{42216260-5960-4873-AE40-ACCC83706920}" srcOrd="1" destOrd="0" presId="urn:microsoft.com/office/officeart/2005/8/layout/hierarchy2"/>
     <dgm:cxn modelId="{F18ED305-79BF-4D5C-99B3-1291F4D092EB}" type="presParOf" srcId="{42216260-5960-4873-AE40-ACCC83706920}" destId="{27ED22BB-1B07-45A4-A559-F7750CF8A5D1}" srcOrd="0" destOrd="0" presId="urn:microsoft.com/office/officeart/2005/8/layout/hierarchy2"/>
@@ -2208,8 +2213,8 @@
       </dsp:nvSpPr>
       <dsp:spPr>
         <a:xfrm>
-          <a:off x="3244639" y="3154830"/>
-          <a:ext cx="1096677" cy="548338"/>
+          <a:off x="2112298" y="3127204"/>
+          <a:ext cx="1207182" cy="603591"/>
         </a:xfrm>
         <a:prstGeom prst="roundRect">
           <a:avLst>
@@ -2253,12 +2258,12 @@
         </a:fontRef>
       </dsp:style>
       <dsp:txBody>
-        <a:bodyPr spcFirstLastPara="0" vert="horz" wrap="square" lIns="7620" tIns="7620" rIns="7620" bIns="7620" numCol="1" spcCol="1270" anchor="ctr" anchorCtr="0">
+        <a:bodyPr spcFirstLastPara="0" vert="horz" wrap="square" lIns="8890" tIns="8890" rIns="8890" bIns="8890" numCol="1" spcCol="1270" anchor="ctr" anchorCtr="0">
           <a:noAutofit/>
         </a:bodyPr>
         <a:lstStyle/>
         <a:p>
-          <a:pPr marL="0" lvl="0" indent="0" algn="ctr" defTabSz="533400">
+          <a:pPr marL="0" lvl="0" indent="0" algn="ctr" defTabSz="622300">
             <a:lnSpc>
               <a:spcPct val="90000"/>
             </a:lnSpc>
@@ -2271,14 +2276,14 @@
             <a:buNone/>
           </a:pPr>
           <a:r>
-            <a:rPr kumimoji="1" lang="ja-JP" altLang="en-US" sz="1200" kern="1200" dirty="0"/>
+            <a:rPr kumimoji="1" lang="ja-JP" altLang="en-US" sz="1400" kern="1200" dirty="0"/>
             <a:t>トップページ</a:t>
           </a:r>
         </a:p>
       </dsp:txBody>
       <dsp:txXfrm>
-        <a:off x="3260699" y="3170890"/>
-        <a:ext cx="1064557" cy="516218"/>
+        <a:off x="2129977" y="3144883"/>
+        <a:ext cx="1171824" cy="568233"/>
       </dsp:txXfrm>
     </dsp:sp>
     <dsp:sp modelId="{5B5FA48C-4AD0-4CA2-BEE7-CF6169F10446}">
@@ -2287,9 +2292,9 @@
         <dsp:cNvSpPr/>
       </dsp:nvSpPr>
       <dsp:spPr>
-        <a:xfrm rot="16675244">
-          <a:off x="2968993" y="1845330"/>
-          <a:ext cx="3183317" cy="14392"/>
+        <a:xfrm rot="16727265">
+          <a:off x="1980574" y="1859286"/>
+          <a:ext cx="3160686" cy="15842"/>
         </a:xfrm>
         <a:custGeom>
           <a:avLst/>
@@ -2300,10 +2305,10 @@
           <a:pathLst>
             <a:path>
               <a:moveTo>
-                <a:pt x="0" y="7196"/>
+                <a:pt x="0" y="7921"/>
               </a:moveTo>
               <a:lnTo>
-                <a:pt x="3183317" y="7196"/>
+                <a:pt x="3160686" y="7921"/>
               </a:lnTo>
             </a:path>
           </a:pathLst>
@@ -2358,8 +2363,8 @@
         </a:p>
       </dsp:txBody>
       <dsp:txXfrm>
-        <a:off x="4481068" y="1772943"/>
-        <a:ext cx="159165" cy="159165"/>
+        <a:off x="3481900" y="1788190"/>
+        <a:ext cx="158034" cy="158034"/>
       </dsp:txXfrm>
     </dsp:sp>
     <dsp:sp modelId="{89524B21-6DAB-4D8B-B0E5-2B32C11A7D3D}">
@@ -2369,8 +2374,8 @@
       </dsp:nvSpPr>
       <dsp:spPr>
         <a:xfrm>
-          <a:off x="4779987" y="1883"/>
-          <a:ext cx="1096677" cy="548338"/>
+          <a:off x="3802353" y="3620"/>
+          <a:ext cx="1207182" cy="603591"/>
         </a:xfrm>
         <a:prstGeom prst="roundRect">
           <a:avLst>
@@ -2414,12 +2419,12 @@
         </a:fontRef>
       </dsp:style>
       <dsp:txBody>
-        <a:bodyPr spcFirstLastPara="0" vert="horz" wrap="square" lIns="7620" tIns="7620" rIns="7620" bIns="7620" numCol="1" spcCol="1270" anchor="ctr" anchorCtr="0">
+        <a:bodyPr spcFirstLastPara="0" vert="horz" wrap="square" lIns="8890" tIns="8890" rIns="8890" bIns="8890" numCol="1" spcCol="1270" anchor="ctr" anchorCtr="0">
           <a:noAutofit/>
         </a:bodyPr>
         <a:lstStyle/>
         <a:p>
-          <a:pPr marL="0" lvl="0" indent="0" algn="ctr" defTabSz="533400">
+          <a:pPr marL="0" lvl="0" indent="0" algn="ctr" defTabSz="622300">
             <a:lnSpc>
               <a:spcPct val="90000"/>
             </a:lnSpc>
@@ -2432,14 +2437,14 @@
             <a:buNone/>
           </a:pPr>
           <a:r>
-            <a:rPr kumimoji="1" lang="ja-JP" altLang="en-US" sz="1200" kern="1200" dirty="0"/>
+            <a:rPr kumimoji="1" lang="ja-JP" altLang="en-US" sz="1400" kern="1200" dirty="0"/>
             <a:t>投稿記事</a:t>
           </a:r>
         </a:p>
       </dsp:txBody>
       <dsp:txXfrm>
-        <a:off x="4796047" y="17943"/>
-        <a:ext cx="1064557" cy="516218"/>
+        <a:off x="3820032" y="21299"/>
+        <a:ext cx="1171824" cy="568233"/>
       </dsp:txXfrm>
     </dsp:sp>
     <dsp:sp modelId="{B8AE56E0-1F43-4EE2-A49B-E1E30F95E71C}">
@@ -2449,8 +2454,8 @@
       </dsp:nvSpPr>
       <dsp:spPr>
         <a:xfrm>
-          <a:off x="5876664" y="268856"/>
-          <a:ext cx="438670" cy="14392"/>
+          <a:off x="5009536" y="297495"/>
+          <a:ext cx="482872" cy="15842"/>
         </a:xfrm>
         <a:custGeom>
           <a:avLst/>
@@ -2461,10 +2466,10 @@
           <a:pathLst>
             <a:path>
               <a:moveTo>
-                <a:pt x="0" y="7196"/>
+                <a:pt x="0" y="7921"/>
               </a:moveTo>
               <a:lnTo>
-                <a:pt x="438670" y="7196"/>
+                <a:pt x="482872" y="7921"/>
               </a:lnTo>
             </a:path>
           </a:pathLst>
@@ -2519,8 +2524,8 @@
         </a:p>
       </dsp:txBody>
       <dsp:txXfrm>
-        <a:off x="6085033" y="265086"/>
-        <a:ext cx="21933" cy="21933"/>
+        <a:off x="5238900" y="293344"/>
+        <a:ext cx="24143" cy="24143"/>
       </dsp:txXfrm>
     </dsp:sp>
     <dsp:sp modelId="{436A9D22-A917-4CDD-B382-4C713659566F}">
@@ -2530,8 +2535,8 @@
       </dsp:nvSpPr>
       <dsp:spPr>
         <a:xfrm>
-          <a:off x="6315335" y="1883"/>
-          <a:ext cx="1096677" cy="548338"/>
+          <a:off x="5492408" y="3620"/>
+          <a:ext cx="1207182" cy="603591"/>
         </a:xfrm>
         <a:prstGeom prst="roundRect">
           <a:avLst>
@@ -2575,12 +2580,12 @@
         </a:fontRef>
       </dsp:style>
       <dsp:txBody>
-        <a:bodyPr spcFirstLastPara="0" vert="horz" wrap="square" lIns="7620" tIns="7620" rIns="7620" bIns="7620" numCol="1" spcCol="1270" anchor="ctr" anchorCtr="0">
+        <a:bodyPr spcFirstLastPara="0" vert="horz" wrap="square" lIns="8890" tIns="8890" rIns="8890" bIns="8890" numCol="1" spcCol="1270" anchor="ctr" anchorCtr="0">
           <a:noAutofit/>
         </a:bodyPr>
         <a:lstStyle/>
         <a:p>
-          <a:pPr marL="0" lvl="0" indent="0" algn="ctr" defTabSz="533400">
+          <a:pPr marL="0" lvl="0" indent="0" algn="ctr" defTabSz="622300">
             <a:lnSpc>
               <a:spcPct val="90000"/>
             </a:lnSpc>
@@ -2593,14 +2598,14 @@
             <a:buNone/>
           </a:pPr>
           <a:r>
-            <a:rPr kumimoji="1" lang="ja-JP" altLang="en-US" sz="1200" kern="1200" dirty="0"/>
+            <a:rPr kumimoji="1" lang="ja-JP" altLang="en-US" sz="1400" kern="1200" dirty="0"/>
             <a:t>記事詳細</a:t>
           </a:r>
         </a:p>
       </dsp:txBody>
       <dsp:txXfrm>
-        <a:off x="6331395" y="17943"/>
-        <a:ext cx="1064557" cy="516218"/>
+        <a:off x="5510087" y="21299"/>
+        <a:ext cx="1171824" cy="568233"/>
       </dsp:txXfrm>
     </dsp:sp>
     <dsp:sp modelId="{B33E6943-02B4-4B38-A335-173F99D1B66E}">
@@ -2609,9 +2614,9 @@
         <dsp:cNvSpPr/>
       </dsp:nvSpPr>
       <dsp:spPr>
-        <a:xfrm rot="16791948">
-          <a:off x="3280542" y="2160625"/>
-          <a:ext cx="2560218" cy="14392"/>
+        <a:xfrm rot="16874489">
+          <a:off x="2322429" y="2206351"/>
+          <a:ext cx="2476976" cy="15842"/>
         </a:xfrm>
         <a:custGeom>
           <a:avLst/>
@@ -2622,10 +2627,10 @@
           <a:pathLst>
             <a:path>
               <a:moveTo>
-                <a:pt x="0" y="7196"/>
+                <a:pt x="0" y="7921"/>
               </a:moveTo>
               <a:lnTo>
-                <a:pt x="2560218" y="7196"/>
+                <a:pt x="2476976" y="7921"/>
               </a:lnTo>
             </a:path>
           </a:pathLst>
@@ -2680,8 +2685,8 @@
         </a:p>
       </dsp:txBody>
       <dsp:txXfrm>
-        <a:off x="4496646" y="2103815"/>
-        <a:ext cx="128010" cy="128010"/>
+        <a:off x="3498993" y="2152348"/>
+        <a:ext cx="123848" cy="123848"/>
       </dsp:txXfrm>
     </dsp:sp>
     <dsp:sp modelId="{DA2ECC67-C634-4F6C-921B-E2AC98CDA1E0}">
@@ -2691,8 +2696,8 @@
       </dsp:nvSpPr>
       <dsp:spPr>
         <a:xfrm>
-          <a:off x="4779987" y="632473"/>
-          <a:ext cx="1096677" cy="548338"/>
+          <a:off x="3802353" y="697750"/>
+          <a:ext cx="1207182" cy="603591"/>
         </a:xfrm>
         <a:prstGeom prst="roundRect">
           <a:avLst>
@@ -2736,12 +2741,12 @@
         </a:fontRef>
       </dsp:style>
       <dsp:txBody>
-        <a:bodyPr spcFirstLastPara="0" vert="horz" wrap="square" lIns="7620" tIns="7620" rIns="7620" bIns="7620" numCol="1" spcCol="1270" anchor="ctr" anchorCtr="0">
+        <a:bodyPr spcFirstLastPara="0" vert="horz" wrap="square" lIns="8890" tIns="8890" rIns="8890" bIns="8890" numCol="1" spcCol="1270" anchor="ctr" anchorCtr="0">
           <a:noAutofit/>
         </a:bodyPr>
         <a:lstStyle/>
         <a:p>
-          <a:pPr marL="0" lvl="0" indent="0" algn="ctr" defTabSz="533400">
+          <a:pPr marL="0" lvl="0" indent="0" algn="ctr" defTabSz="622300">
             <a:lnSpc>
               <a:spcPct val="90000"/>
             </a:lnSpc>
@@ -2754,14 +2759,14 @@
             <a:buNone/>
           </a:pPr>
           <a:r>
-            <a:rPr kumimoji="1" lang="ja-JP" altLang="en-US" sz="1200" kern="1200" dirty="0"/>
+            <a:rPr kumimoji="1" lang="ja-JP" altLang="en-US" sz="1400" kern="1200" dirty="0"/>
             <a:t>タグ一覧</a:t>
           </a:r>
         </a:p>
       </dsp:txBody>
       <dsp:txXfrm>
-        <a:off x="4796047" y="648533"/>
-        <a:ext cx="1064557" cy="516218"/>
+        <a:off x="3820032" y="715429"/>
+        <a:ext cx="1171824" cy="568233"/>
       </dsp:txXfrm>
     </dsp:sp>
     <dsp:sp modelId="{96EF483A-E398-4B55-BD5A-D4D3674A3178}">
@@ -2771,8 +2776,8 @@
       </dsp:nvSpPr>
       <dsp:spPr>
         <a:xfrm rot="17350740">
-          <a:off x="3893005" y="2791214"/>
-          <a:ext cx="1335291" cy="14392"/>
+          <a:off x="2825997" y="2726949"/>
+          <a:ext cx="1469840" cy="15842"/>
         </a:xfrm>
         <a:custGeom>
           <a:avLst/>
@@ -2783,10 +2788,10 @@
           <a:pathLst>
             <a:path>
               <a:moveTo>
-                <a:pt x="0" y="7196"/>
+                <a:pt x="0" y="7921"/>
               </a:moveTo>
               <a:lnTo>
-                <a:pt x="1335291" y="7196"/>
+                <a:pt x="1469840" y="7921"/>
               </a:lnTo>
             </a:path>
           </a:pathLst>
@@ -2841,8 +2846,8 @@
         </a:p>
       </dsp:txBody>
       <dsp:txXfrm>
-        <a:off x="4527269" y="2765028"/>
-        <a:ext cx="66764" cy="66764"/>
+        <a:off x="3524171" y="2698124"/>
+        <a:ext cx="73492" cy="73492"/>
       </dsp:txXfrm>
     </dsp:sp>
     <dsp:sp modelId="{7D33D451-C787-486D-93F4-3E2824006D67}">
@@ -2852,8 +2857,8 @@
       </dsp:nvSpPr>
       <dsp:spPr>
         <a:xfrm>
-          <a:off x="4779987" y="1893651"/>
-          <a:ext cx="1096677" cy="548338"/>
+          <a:off x="3802353" y="1738945"/>
+          <a:ext cx="1207182" cy="603591"/>
         </a:xfrm>
         <a:prstGeom prst="roundRect">
           <a:avLst>
@@ -2897,12 +2902,12 @@
         </a:fontRef>
       </dsp:style>
       <dsp:txBody>
-        <a:bodyPr spcFirstLastPara="0" vert="horz" wrap="square" lIns="7620" tIns="7620" rIns="7620" bIns="7620" numCol="1" spcCol="1270" anchor="ctr" anchorCtr="0">
+        <a:bodyPr spcFirstLastPara="0" vert="horz" wrap="square" lIns="8890" tIns="8890" rIns="8890" bIns="8890" numCol="1" spcCol="1270" anchor="ctr" anchorCtr="0">
           <a:noAutofit/>
         </a:bodyPr>
         <a:lstStyle/>
         <a:p>
-          <a:pPr marL="0" lvl="0" indent="0" algn="ctr" defTabSz="533400">
+          <a:pPr marL="0" lvl="0" indent="0" algn="ctr" defTabSz="622300">
             <a:lnSpc>
               <a:spcPct val="90000"/>
             </a:lnSpc>
@@ -2915,14 +2920,14 @@
             <a:buNone/>
           </a:pPr>
           <a:r>
-            <a:rPr kumimoji="1" lang="ja-JP" altLang="en-US" sz="1200" kern="1200" dirty="0"/>
+            <a:rPr kumimoji="1" lang="ja-JP" altLang="en-US" sz="1400" kern="1200" dirty="0"/>
             <a:t>マイページ</a:t>
           </a:r>
         </a:p>
       </dsp:txBody>
       <dsp:txXfrm>
-        <a:off x="4796047" y="1909711"/>
-        <a:ext cx="1064557" cy="516218"/>
+        <a:off x="3820032" y="1756624"/>
+        <a:ext cx="1171824" cy="568233"/>
       </dsp:txXfrm>
     </dsp:sp>
     <dsp:sp modelId="{1FEC21F1-4B3F-4DAD-9C5D-4265622D7589}">
@@ -2931,9 +2936,9 @@
         <dsp:cNvSpPr/>
       </dsp:nvSpPr>
       <dsp:spPr>
-        <a:xfrm rot="17350740">
-          <a:off x="5428354" y="1530035"/>
-          <a:ext cx="1335291" cy="14392"/>
+        <a:xfrm rot="17692822">
+          <a:off x="4677114" y="1512222"/>
+          <a:ext cx="1147716" cy="15842"/>
         </a:xfrm>
         <a:custGeom>
           <a:avLst/>
@@ -2944,10 +2949,10 @@
           <a:pathLst>
             <a:path>
               <a:moveTo>
-                <a:pt x="0" y="7196"/>
+                <a:pt x="0" y="7921"/>
               </a:moveTo>
               <a:lnTo>
-                <a:pt x="1335291" y="7196"/>
+                <a:pt x="1147716" y="7921"/>
               </a:lnTo>
             </a:path>
           </a:pathLst>
@@ -3002,8 +3007,8 @@
         </a:p>
       </dsp:txBody>
       <dsp:txXfrm>
-        <a:off x="6062617" y="1503849"/>
-        <a:ext cx="66764" cy="66764"/>
+        <a:off x="5222279" y="1491450"/>
+        <a:ext cx="57385" cy="57385"/>
       </dsp:txXfrm>
     </dsp:sp>
     <dsp:sp modelId="{F2B8A188-3718-407D-B3FC-C96FD0776F40}">
@@ -3013,8 +3018,8 @@
       </dsp:nvSpPr>
       <dsp:spPr>
         <a:xfrm>
-          <a:off x="6315335" y="632473"/>
-          <a:ext cx="1096677" cy="548338"/>
+          <a:off x="5492408" y="697750"/>
+          <a:ext cx="1207182" cy="603591"/>
         </a:xfrm>
         <a:prstGeom prst="roundRect">
           <a:avLst>
@@ -3058,12 +3063,12 @@
         </a:fontRef>
       </dsp:style>
       <dsp:txBody>
-        <a:bodyPr spcFirstLastPara="0" vert="horz" wrap="square" lIns="7620" tIns="7620" rIns="7620" bIns="7620" numCol="1" spcCol="1270" anchor="ctr" anchorCtr="0">
+        <a:bodyPr spcFirstLastPara="0" vert="horz" wrap="square" lIns="8890" tIns="8890" rIns="8890" bIns="8890" numCol="1" spcCol="1270" anchor="ctr" anchorCtr="0">
           <a:noAutofit/>
         </a:bodyPr>
         <a:lstStyle/>
         <a:p>
-          <a:pPr marL="0" lvl="0" indent="0" algn="ctr" defTabSz="533400">
+          <a:pPr marL="0" lvl="0" indent="0" algn="ctr" defTabSz="622300">
             <a:lnSpc>
               <a:spcPct val="90000"/>
             </a:lnSpc>
@@ -3076,14 +3081,14 @@
             <a:buNone/>
           </a:pPr>
           <a:r>
-            <a:rPr kumimoji="1" lang="ja-JP" altLang="en-US" sz="1200" kern="1200" dirty="0"/>
+            <a:rPr kumimoji="1" lang="ja-JP" altLang="en-US" sz="1400" kern="1200" dirty="0"/>
             <a:t>ログアウト</a:t>
           </a:r>
         </a:p>
       </dsp:txBody>
       <dsp:txXfrm>
-        <a:off x="6331395" y="648533"/>
-        <a:ext cx="1064557" cy="516218"/>
+        <a:off x="5510087" y="715429"/>
+        <a:ext cx="1171824" cy="568233"/>
       </dsp:txXfrm>
     </dsp:sp>
     <dsp:sp modelId="{70CFBB8A-866E-4BF8-BA5A-17C5A644F6FA}">
@@ -3092,9 +3097,9 @@
         <dsp:cNvSpPr/>
       </dsp:nvSpPr>
       <dsp:spPr>
-        <a:xfrm rot="18289469">
-          <a:off x="5711918" y="1845330"/>
-          <a:ext cx="768163" cy="14392"/>
+        <a:xfrm rot="19457599">
+          <a:off x="4953642" y="1859286"/>
+          <a:ext cx="594659" cy="15842"/>
         </a:xfrm>
         <a:custGeom>
           <a:avLst/>
@@ -3105,10 +3110,10 @@
           <a:pathLst>
             <a:path>
               <a:moveTo>
-                <a:pt x="0" y="7196"/>
+                <a:pt x="0" y="7921"/>
               </a:moveTo>
               <a:lnTo>
-                <a:pt x="768163" y="7196"/>
+                <a:pt x="594659" y="7921"/>
               </a:lnTo>
             </a:path>
           </a:pathLst>
@@ -3163,8 +3168,8 @@
         </a:p>
       </dsp:txBody>
       <dsp:txXfrm>
-        <a:off x="6076795" y="1833322"/>
-        <a:ext cx="38408" cy="38408"/>
+        <a:off x="5236106" y="1852341"/>
+        <a:ext cx="29732" cy="29732"/>
       </dsp:txXfrm>
     </dsp:sp>
     <dsp:sp modelId="{5317B01C-632D-41ED-9B4F-575F93F78D14}">
@@ -3174,8 +3179,8 @@
       </dsp:nvSpPr>
       <dsp:spPr>
         <a:xfrm>
-          <a:off x="6315335" y="1263062"/>
-          <a:ext cx="1096677" cy="548338"/>
+          <a:off x="5492408" y="1391880"/>
+          <a:ext cx="1207182" cy="603591"/>
         </a:xfrm>
         <a:prstGeom prst="roundRect">
           <a:avLst>
@@ -3219,12 +3224,12 @@
         </a:fontRef>
       </dsp:style>
       <dsp:txBody>
-        <a:bodyPr spcFirstLastPara="0" vert="horz" wrap="square" lIns="7620" tIns="7620" rIns="7620" bIns="7620" numCol="1" spcCol="1270" anchor="ctr" anchorCtr="0">
+        <a:bodyPr spcFirstLastPara="0" vert="horz" wrap="square" lIns="8890" tIns="8890" rIns="8890" bIns="8890" numCol="1" spcCol="1270" anchor="ctr" anchorCtr="0">
           <a:noAutofit/>
         </a:bodyPr>
         <a:lstStyle/>
         <a:p>
-          <a:pPr marL="0" lvl="0" indent="0" algn="ctr" defTabSz="533400">
+          <a:pPr marL="0" lvl="0" indent="0" algn="ctr" defTabSz="622300">
             <a:lnSpc>
               <a:spcPct val="90000"/>
             </a:lnSpc>
@@ -3237,14 +3242,14 @@
             <a:buNone/>
           </a:pPr>
           <a:r>
-            <a:rPr kumimoji="1" lang="ja-JP" altLang="en-US" sz="1200" kern="1200" dirty="0"/>
+            <a:rPr kumimoji="1" lang="ja-JP" altLang="en-US" sz="1400" kern="1200" dirty="0"/>
             <a:t>プロフィール</a:t>
           </a:r>
         </a:p>
       </dsp:txBody>
       <dsp:txXfrm>
-        <a:off x="6331395" y="1279122"/>
-        <a:ext cx="1064557" cy="516218"/>
+        <a:off x="5510087" y="1409559"/>
+        <a:ext cx="1171824" cy="568233"/>
       </dsp:txXfrm>
     </dsp:sp>
     <dsp:sp modelId="{FFB091AB-A198-43E4-AE0F-D8E1EDDD9E7B}">
@@ -3253,9 +3258,9 @@
         <dsp:cNvSpPr/>
       </dsp:nvSpPr>
       <dsp:spPr>
-        <a:xfrm>
-          <a:off x="5876664" y="2160625"/>
-          <a:ext cx="438670" cy="14392"/>
+        <a:xfrm rot="2142401">
+          <a:off x="4953642" y="2206351"/>
+          <a:ext cx="594659" cy="15842"/>
         </a:xfrm>
         <a:custGeom>
           <a:avLst/>
@@ -3266,10 +3271,10 @@
           <a:pathLst>
             <a:path>
               <a:moveTo>
-                <a:pt x="0" y="7196"/>
+                <a:pt x="0" y="7921"/>
               </a:moveTo>
               <a:lnTo>
-                <a:pt x="438670" y="7196"/>
+                <a:pt x="594659" y="7921"/>
               </a:lnTo>
             </a:path>
           </a:pathLst>
@@ -3324,8 +3329,8 @@
         </a:p>
       </dsp:txBody>
       <dsp:txXfrm>
-        <a:off x="6085033" y="2156854"/>
-        <a:ext cx="21933" cy="21933"/>
+        <a:off x="5236106" y="2199406"/>
+        <a:ext cx="29732" cy="29732"/>
       </dsp:txXfrm>
     </dsp:sp>
     <dsp:sp modelId="{D2FAC230-2C60-4E83-AF8E-FD8A9E51E382}">
@@ -3335,8 +3340,8 @@
       </dsp:nvSpPr>
       <dsp:spPr>
         <a:xfrm>
-          <a:off x="6315335" y="1893651"/>
-          <a:ext cx="1096677" cy="548338"/>
+          <a:off x="5492408" y="2086009"/>
+          <a:ext cx="1207182" cy="603591"/>
         </a:xfrm>
         <a:prstGeom prst="roundRect">
           <a:avLst>
@@ -3380,12 +3385,12 @@
         </a:fontRef>
       </dsp:style>
       <dsp:txBody>
-        <a:bodyPr spcFirstLastPara="0" vert="horz" wrap="square" lIns="7620" tIns="7620" rIns="7620" bIns="7620" numCol="1" spcCol="1270" anchor="ctr" anchorCtr="0">
+        <a:bodyPr spcFirstLastPara="0" vert="horz" wrap="square" lIns="8890" tIns="8890" rIns="8890" bIns="8890" numCol="1" spcCol="1270" anchor="ctr" anchorCtr="0">
           <a:noAutofit/>
         </a:bodyPr>
         <a:lstStyle/>
         <a:p>
-          <a:pPr marL="0" lvl="0" indent="0" algn="ctr" defTabSz="533400">
+          <a:pPr marL="0" lvl="0" indent="0" algn="ctr" defTabSz="622300">
             <a:lnSpc>
               <a:spcPct val="90000"/>
             </a:lnSpc>
@@ -3398,14 +3403,14 @@
             <a:buNone/>
           </a:pPr>
           <a:r>
-            <a:rPr kumimoji="1" lang="ja-JP" altLang="en-US" sz="1200" kern="1200" dirty="0"/>
+            <a:rPr kumimoji="1" lang="ja-JP" altLang="en-US" sz="1400" kern="1200" dirty="0"/>
             <a:t>ログイン画面</a:t>
           </a:r>
         </a:p>
       </dsp:txBody>
       <dsp:txXfrm>
-        <a:off x="6331395" y="1909711"/>
-        <a:ext cx="1064557" cy="516218"/>
+        <a:off x="5510087" y="2103688"/>
+        <a:ext cx="1171824" cy="568233"/>
       </dsp:txXfrm>
     </dsp:sp>
     <dsp:sp modelId="{91366EF6-BF68-402D-ADC9-51B302157398}">
@@ -3414,9 +3419,9 @@
         <dsp:cNvSpPr/>
       </dsp:nvSpPr>
       <dsp:spPr>
-        <a:xfrm rot="3310531">
-          <a:off x="5711918" y="2475919"/>
-          <a:ext cx="768163" cy="14392"/>
+        <a:xfrm>
+          <a:off x="6699591" y="2379884"/>
+          <a:ext cx="482872" cy="15842"/>
         </a:xfrm>
         <a:custGeom>
           <a:avLst/>
@@ -3427,10 +3432,10 @@
           <a:pathLst>
             <a:path>
               <a:moveTo>
-                <a:pt x="0" y="7196"/>
+                <a:pt x="0" y="7921"/>
               </a:moveTo>
               <a:lnTo>
-                <a:pt x="768163" y="7196"/>
+                <a:pt x="482872" y="7921"/>
               </a:lnTo>
             </a:path>
           </a:pathLst>
@@ -3485,8 +3490,8 @@
         </a:p>
       </dsp:txBody>
       <dsp:txXfrm>
-        <a:off x="6076795" y="2463911"/>
-        <a:ext cx="38408" cy="38408"/>
+        <a:off x="6928955" y="2375733"/>
+        <a:ext cx="24143" cy="24143"/>
       </dsp:txXfrm>
     </dsp:sp>
     <dsp:sp modelId="{011C0FC4-FA56-4769-AE71-41C91C033287}">
@@ -3496,8 +3501,8 @@
       </dsp:nvSpPr>
       <dsp:spPr>
         <a:xfrm>
-          <a:off x="6315335" y="2524241"/>
-          <a:ext cx="1096677" cy="548338"/>
+          <a:off x="7182463" y="2086009"/>
+          <a:ext cx="1207182" cy="603591"/>
         </a:xfrm>
         <a:prstGeom prst="roundRect">
           <a:avLst>
@@ -3541,12 +3546,12 @@
         </a:fontRef>
       </dsp:style>
       <dsp:txBody>
-        <a:bodyPr spcFirstLastPara="0" vert="horz" wrap="square" lIns="7620" tIns="7620" rIns="7620" bIns="7620" numCol="1" spcCol="1270" anchor="ctr" anchorCtr="0">
+        <a:bodyPr spcFirstLastPara="0" vert="horz" wrap="square" lIns="8890" tIns="8890" rIns="8890" bIns="8890" numCol="1" spcCol="1270" anchor="ctr" anchorCtr="0">
           <a:noAutofit/>
         </a:bodyPr>
         <a:lstStyle/>
         <a:p>
-          <a:pPr marL="0" lvl="0" indent="0" algn="ctr" defTabSz="533400">
+          <a:pPr marL="0" lvl="0" indent="0" algn="ctr" defTabSz="622300">
             <a:lnSpc>
               <a:spcPct val="90000"/>
             </a:lnSpc>
@@ -3559,14 +3564,14 @@
             <a:buNone/>
           </a:pPr>
           <a:r>
-            <a:rPr kumimoji="1" lang="ja-JP" altLang="en-US" sz="1200" kern="1200" dirty="0"/>
+            <a:rPr kumimoji="1" lang="ja-JP" altLang="en-US" sz="1400" kern="1200" dirty="0"/>
             <a:t>新規登録</a:t>
           </a:r>
         </a:p>
       </dsp:txBody>
       <dsp:txXfrm>
-        <a:off x="6331395" y="2540301"/>
-        <a:ext cx="1064557" cy="516218"/>
+        <a:off x="7200142" y="2103688"/>
+        <a:ext cx="1171824" cy="568233"/>
       </dsp:txXfrm>
     </dsp:sp>
     <dsp:sp modelId="{6CFC26EE-92A6-42DB-AC11-4F5C6E7A79A5}">
@@ -3576,8 +3581,8 @@
       </dsp:nvSpPr>
       <dsp:spPr>
         <a:xfrm>
-          <a:off x="7412012" y="2791214"/>
-          <a:ext cx="438670" cy="14392"/>
+          <a:off x="8389646" y="2379884"/>
+          <a:ext cx="482872" cy="15842"/>
         </a:xfrm>
         <a:custGeom>
           <a:avLst/>
@@ -3588,10 +3593,10 @@
           <a:pathLst>
             <a:path>
               <a:moveTo>
-                <a:pt x="0" y="7196"/>
+                <a:pt x="0" y="7921"/>
               </a:moveTo>
               <a:lnTo>
-                <a:pt x="438670" y="7196"/>
+                <a:pt x="482872" y="7921"/>
               </a:lnTo>
             </a:path>
           </a:pathLst>
@@ -3646,8 +3651,8 @@
         </a:p>
       </dsp:txBody>
       <dsp:txXfrm>
-        <a:off x="7620381" y="2787443"/>
-        <a:ext cx="21933" cy="21933"/>
+        <a:off x="8619010" y="2375733"/>
+        <a:ext cx="24143" cy="24143"/>
       </dsp:txXfrm>
     </dsp:sp>
     <dsp:sp modelId="{A8637265-3E6B-4DAA-A8CD-1BE5A68BBEFD}">
@@ -3657,8 +3662,8 @@
       </dsp:nvSpPr>
       <dsp:spPr>
         <a:xfrm>
-          <a:off x="7850683" y="2524241"/>
-          <a:ext cx="1096677" cy="548338"/>
+          <a:off x="8872518" y="2086009"/>
+          <a:ext cx="1207182" cy="603591"/>
         </a:xfrm>
         <a:prstGeom prst="roundRect">
           <a:avLst>
@@ -3702,12 +3707,12 @@
         </a:fontRef>
       </dsp:style>
       <dsp:txBody>
-        <a:bodyPr spcFirstLastPara="0" vert="horz" wrap="square" lIns="7620" tIns="7620" rIns="7620" bIns="7620" numCol="1" spcCol="1270" anchor="ctr" anchorCtr="0">
+        <a:bodyPr spcFirstLastPara="0" vert="horz" wrap="square" lIns="8890" tIns="8890" rIns="8890" bIns="8890" numCol="1" spcCol="1270" anchor="ctr" anchorCtr="0">
           <a:noAutofit/>
         </a:bodyPr>
         <a:lstStyle/>
         <a:p>
-          <a:pPr marL="0" lvl="0" indent="0" algn="ctr" defTabSz="533400">
+          <a:pPr marL="0" lvl="0" indent="0" algn="ctr" defTabSz="622300">
             <a:lnSpc>
               <a:spcPct val="90000"/>
             </a:lnSpc>
@@ -3720,14 +3725,14 @@
             <a:buNone/>
           </a:pPr>
           <a:r>
-            <a:rPr kumimoji="1" lang="ja-JP" altLang="en-US" sz="1200" kern="1200" dirty="0"/>
+            <a:rPr kumimoji="1" lang="ja-JP" altLang="en-US" sz="1400" kern="1200" dirty="0"/>
             <a:t>登録完了</a:t>
           </a:r>
         </a:p>
       </dsp:txBody>
       <dsp:txXfrm>
-        <a:off x="7866743" y="2540301"/>
-        <a:ext cx="1064557" cy="516218"/>
+        <a:off x="8890197" y="2103688"/>
+        <a:ext cx="1171824" cy="568233"/>
       </dsp:txXfrm>
     </dsp:sp>
     <dsp:sp modelId="{2DB65B5D-6F26-47A9-A104-221CE4DA8E04}">
@@ -3736,9 +3741,9 @@
         <dsp:cNvSpPr/>
       </dsp:nvSpPr>
       <dsp:spPr>
-        <a:xfrm rot="4249260">
-          <a:off x="5428354" y="2791214"/>
-          <a:ext cx="1335291" cy="14392"/>
+        <a:xfrm rot="3907178">
+          <a:off x="4677114" y="2553416"/>
+          <a:ext cx="1147716" cy="15842"/>
         </a:xfrm>
         <a:custGeom>
           <a:avLst/>
@@ -3749,10 +3754,10 @@
           <a:pathLst>
             <a:path>
               <a:moveTo>
-                <a:pt x="0" y="7196"/>
+                <a:pt x="0" y="7921"/>
               </a:moveTo>
               <a:lnTo>
-                <a:pt x="1335291" y="7196"/>
+                <a:pt x="1147716" y="7921"/>
               </a:lnTo>
             </a:path>
           </a:pathLst>
@@ -3807,8 +3812,8 @@
         </a:p>
       </dsp:txBody>
       <dsp:txXfrm>
-        <a:off x="6062617" y="2765028"/>
-        <a:ext cx="66764" cy="66764"/>
+        <a:off x="5222279" y="2532644"/>
+        <a:ext cx="57385" cy="57385"/>
       </dsp:txXfrm>
     </dsp:sp>
     <dsp:sp modelId="{D555D47B-CBD5-4A89-BD81-1C8B958A43FA}">
@@ -3818,8 +3823,8 @@
       </dsp:nvSpPr>
       <dsp:spPr>
         <a:xfrm>
-          <a:off x="6315335" y="3154830"/>
-          <a:ext cx="1096677" cy="548338"/>
+          <a:off x="5492408" y="2780139"/>
+          <a:ext cx="1207182" cy="603591"/>
         </a:xfrm>
         <a:prstGeom prst="roundRect">
           <a:avLst>
@@ -3863,12 +3868,12 @@
         </a:fontRef>
       </dsp:style>
       <dsp:txBody>
-        <a:bodyPr spcFirstLastPara="0" vert="horz" wrap="square" lIns="7620" tIns="7620" rIns="7620" bIns="7620" numCol="1" spcCol="1270" anchor="ctr" anchorCtr="0">
+        <a:bodyPr spcFirstLastPara="0" vert="horz" wrap="square" lIns="8890" tIns="8890" rIns="8890" bIns="8890" numCol="1" spcCol="1270" anchor="ctr" anchorCtr="0">
           <a:noAutofit/>
         </a:bodyPr>
         <a:lstStyle/>
         <a:p>
-          <a:pPr marL="0" lvl="0" indent="0" algn="ctr" defTabSz="533400">
+          <a:pPr marL="0" lvl="0" indent="0" algn="ctr" defTabSz="622300">
             <a:lnSpc>
               <a:spcPct val="90000"/>
             </a:lnSpc>
@@ -3881,14 +3886,14 @@
             <a:buNone/>
           </a:pPr>
           <a:r>
-            <a:rPr kumimoji="1" lang="ja-JP" altLang="en-US" sz="1200" kern="1200" dirty="0"/>
+            <a:rPr kumimoji="1" lang="ja-JP" altLang="en-US" sz="1400" kern="1200" dirty="0"/>
             <a:t>投稿画面</a:t>
           </a:r>
         </a:p>
       </dsp:txBody>
       <dsp:txXfrm>
-        <a:off x="6331395" y="3170890"/>
-        <a:ext cx="1064557" cy="516218"/>
+        <a:off x="5510087" y="2797818"/>
+        <a:ext cx="1171824" cy="568233"/>
       </dsp:txXfrm>
     </dsp:sp>
     <dsp:sp modelId="{27ED22BB-1B07-45A4-A559-F7750CF8A5D1}">
@@ -3898,8 +3903,8 @@
       </dsp:nvSpPr>
       <dsp:spPr>
         <a:xfrm>
-          <a:off x="7412012" y="3421803"/>
-          <a:ext cx="438670" cy="14392"/>
+          <a:off x="6699591" y="3074013"/>
+          <a:ext cx="482872" cy="15842"/>
         </a:xfrm>
         <a:custGeom>
           <a:avLst/>
@@ -3910,10 +3915,10 @@
           <a:pathLst>
             <a:path>
               <a:moveTo>
-                <a:pt x="0" y="7196"/>
+                <a:pt x="0" y="7921"/>
               </a:moveTo>
               <a:lnTo>
-                <a:pt x="438670" y="7196"/>
+                <a:pt x="482872" y="7921"/>
               </a:lnTo>
             </a:path>
           </a:pathLst>
@@ -3968,8 +3973,8 @@
         </a:p>
       </dsp:txBody>
       <dsp:txXfrm>
-        <a:off x="7620381" y="3418033"/>
-        <a:ext cx="21933" cy="21933"/>
+        <a:off x="6928955" y="3069863"/>
+        <a:ext cx="24143" cy="24143"/>
       </dsp:txXfrm>
     </dsp:sp>
     <dsp:sp modelId="{8811B347-3CA0-4F8D-9ADF-82A8E4A19133}">
@@ -3979,8 +3984,8 @@
       </dsp:nvSpPr>
       <dsp:spPr>
         <a:xfrm>
-          <a:off x="7850683" y="3154830"/>
-          <a:ext cx="1096677" cy="548338"/>
+          <a:off x="7182463" y="2780139"/>
+          <a:ext cx="1207182" cy="603591"/>
         </a:xfrm>
         <a:prstGeom prst="roundRect">
           <a:avLst>
@@ -4024,12 +4029,12 @@
         </a:fontRef>
       </dsp:style>
       <dsp:txBody>
-        <a:bodyPr spcFirstLastPara="0" vert="horz" wrap="square" lIns="7620" tIns="7620" rIns="7620" bIns="7620" numCol="1" spcCol="1270" anchor="ctr" anchorCtr="0">
+        <a:bodyPr spcFirstLastPara="0" vert="horz" wrap="square" lIns="8890" tIns="8890" rIns="8890" bIns="8890" numCol="1" spcCol="1270" anchor="ctr" anchorCtr="0">
           <a:noAutofit/>
         </a:bodyPr>
         <a:lstStyle/>
         <a:p>
-          <a:pPr marL="0" lvl="0" indent="0" algn="ctr" defTabSz="533400">
+          <a:pPr marL="0" lvl="0" indent="0" algn="ctr" defTabSz="622300">
             <a:lnSpc>
               <a:spcPct val="90000"/>
             </a:lnSpc>
@@ -4042,14 +4047,14 @@
             <a:buNone/>
           </a:pPr>
           <a:r>
-            <a:rPr kumimoji="1" lang="ja-JP" altLang="en-US" sz="1200" kern="1200" dirty="0"/>
+            <a:rPr kumimoji="1" lang="ja-JP" altLang="en-US" sz="1400" kern="1200" dirty="0"/>
             <a:t>投稿完了画面</a:t>
           </a:r>
         </a:p>
       </dsp:txBody>
       <dsp:txXfrm>
-        <a:off x="7866743" y="3170890"/>
-        <a:ext cx="1064557" cy="516218"/>
+        <a:off x="7200142" y="2797818"/>
+        <a:ext cx="1171824" cy="568233"/>
       </dsp:txXfrm>
     </dsp:sp>
     <dsp:sp modelId="{C6D9BABC-F985-47AA-875D-6C6A278B17C1}">
@@ -4058,9 +4063,9 @@
         <dsp:cNvSpPr/>
       </dsp:nvSpPr>
       <dsp:spPr>
-        <a:xfrm rot="4249260">
-          <a:off x="3893005" y="4052393"/>
-          <a:ext cx="1335291" cy="14392"/>
+        <a:xfrm rot="3907178">
+          <a:off x="2987059" y="3941676"/>
+          <a:ext cx="1147716" cy="15842"/>
         </a:xfrm>
         <a:custGeom>
           <a:avLst/>
@@ -4071,10 +4076,10 @@
           <a:pathLst>
             <a:path>
               <a:moveTo>
-                <a:pt x="0" y="7196"/>
+                <a:pt x="0" y="7921"/>
               </a:moveTo>
               <a:lnTo>
-                <a:pt x="1335291" y="7196"/>
+                <a:pt x="1147716" y="7921"/>
               </a:lnTo>
             </a:path>
           </a:pathLst>
@@ -4129,8 +4134,8 @@
         </a:p>
       </dsp:txBody>
       <dsp:txXfrm>
-        <a:off x="4527269" y="4026207"/>
-        <a:ext cx="66764" cy="66764"/>
+        <a:off x="3532224" y="3920904"/>
+        <a:ext cx="57385" cy="57385"/>
       </dsp:txXfrm>
     </dsp:sp>
     <dsp:sp modelId="{447DC584-2A91-4F03-9DBB-EFCA8D39C53F}">
@@ -4140,8 +4145,8 @@
       </dsp:nvSpPr>
       <dsp:spPr>
         <a:xfrm>
-          <a:off x="4779987" y="4416009"/>
-          <a:ext cx="1096677" cy="548338"/>
+          <a:off x="3802353" y="4168399"/>
+          <a:ext cx="1207182" cy="603591"/>
         </a:xfrm>
         <a:prstGeom prst="roundRect">
           <a:avLst>
@@ -4185,12 +4190,12 @@
         </a:fontRef>
       </dsp:style>
       <dsp:txBody>
-        <a:bodyPr spcFirstLastPara="0" vert="horz" wrap="square" lIns="7620" tIns="7620" rIns="7620" bIns="7620" numCol="1" spcCol="1270" anchor="ctr" anchorCtr="0">
+        <a:bodyPr spcFirstLastPara="0" vert="horz" wrap="square" lIns="8890" tIns="8890" rIns="8890" bIns="8890" numCol="1" spcCol="1270" anchor="ctr" anchorCtr="0">
           <a:noAutofit/>
         </a:bodyPr>
         <a:lstStyle/>
         <a:p>
-          <a:pPr marL="0" lvl="0" indent="0" algn="ctr" defTabSz="533400">
+          <a:pPr marL="0" lvl="0" indent="0" algn="ctr" defTabSz="622300">
             <a:lnSpc>
               <a:spcPct val="90000"/>
             </a:lnSpc>
@@ -4203,14 +4208,14 @@
             <a:buNone/>
           </a:pPr>
           <a:r>
-            <a:rPr kumimoji="1" lang="ja-JP" altLang="en-US" sz="1200" kern="1200" dirty="0"/>
+            <a:rPr kumimoji="1" lang="ja-JP" altLang="en-US" sz="1400" kern="1200" dirty="0"/>
             <a:t>ランキング</a:t>
           </a:r>
         </a:p>
       </dsp:txBody>
       <dsp:txXfrm>
-        <a:off x="4796047" y="4432069"/>
-        <a:ext cx="1064557" cy="516218"/>
+        <a:off x="3820032" y="4186078"/>
+        <a:ext cx="1171824" cy="568233"/>
       </dsp:txXfrm>
     </dsp:sp>
     <dsp:sp modelId="{D32E3006-F11A-493F-9664-74F09A568ADE}">
@@ -4220,8 +4225,8 @@
       </dsp:nvSpPr>
       <dsp:spPr>
         <a:xfrm rot="18289469">
-          <a:off x="5711918" y="4367688"/>
-          <a:ext cx="768163" cy="14392"/>
+          <a:off x="4828189" y="4115208"/>
+          <a:ext cx="845566" cy="15842"/>
         </a:xfrm>
         <a:custGeom>
           <a:avLst/>
@@ -4232,10 +4237,10 @@
           <a:pathLst>
             <a:path>
               <a:moveTo>
-                <a:pt x="0" y="7196"/>
+                <a:pt x="0" y="7921"/>
               </a:moveTo>
               <a:lnTo>
-                <a:pt x="768163" y="7196"/>
+                <a:pt x="845566" y="7921"/>
               </a:lnTo>
             </a:path>
           </a:pathLst>
@@ -4290,8 +4295,8 @@
         </a:p>
       </dsp:txBody>
       <dsp:txXfrm>
-        <a:off x="6076795" y="4355680"/>
-        <a:ext cx="38408" cy="38408"/>
+        <a:off x="5229833" y="4101990"/>
+        <a:ext cx="42278" cy="42278"/>
       </dsp:txXfrm>
     </dsp:sp>
     <dsp:sp modelId="{492E0CC5-DB24-47C3-89BF-AAB2D7E0BB53}">
@@ -4301,8 +4306,8 @@
       </dsp:nvSpPr>
       <dsp:spPr>
         <a:xfrm>
-          <a:off x="6315335" y="3785420"/>
-          <a:ext cx="1096677" cy="548338"/>
+          <a:off x="5492408" y="3474269"/>
+          <a:ext cx="1207182" cy="603591"/>
         </a:xfrm>
         <a:prstGeom prst="roundRect">
           <a:avLst>
@@ -4346,12 +4351,12 @@
         </a:fontRef>
       </dsp:style>
       <dsp:txBody>
-        <a:bodyPr spcFirstLastPara="0" vert="horz" wrap="square" lIns="7620" tIns="7620" rIns="7620" bIns="7620" numCol="1" spcCol="1270" anchor="ctr" anchorCtr="0">
+        <a:bodyPr spcFirstLastPara="0" vert="horz" wrap="square" lIns="8890" tIns="8890" rIns="8890" bIns="8890" numCol="1" spcCol="1270" anchor="ctr" anchorCtr="0">
           <a:noAutofit/>
         </a:bodyPr>
         <a:lstStyle/>
         <a:p>
-          <a:pPr marL="0" lvl="0" indent="0" algn="ctr" defTabSz="533400">
+          <a:pPr marL="0" lvl="0" indent="0" algn="ctr" defTabSz="622300">
             <a:lnSpc>
               <a:spcPct val="90000"/>
             </a:lnSpc>
@@ -4364,14 +4369,14 @@
             <a:buNone/>
           </a:pPr>
           <a:r>
-            <a:rPr kumimoji="1" lang="ja-JP" altLang="en-US" sz="1200" kern="1200" dirty="0"/>
+            <a:rPr kumimoji="1" lang="ja-JP" altLang="en-US" sz="1400" kern="1200" dirty="0"/>
             <a:t>記事ランキング</a:t>
           </a:r>
         </a:p>
       </dsp:txBody>
       <dsp:txXfrm>
-        <a:off x="6331395" y="3801480"/>
-        <a:ext cx="1064557" cy="516218"/>
+        <a:off x="5510087" y="3491948"/>
+        <a:ext cx="1171824" cy="568233"/>
       </dsp:txXfrm>
     </dsp:sp>
     <dsp:sp modelId="{0269DBC0-5BBF-4DA1-89F6-EE09AE81A02A}">
@@ -4381,8 +4386,8 @@
       </dsp:nvSpPr>
       <dsp:spPr>
         <a:xfrm>
-          <a:off x="5876664" y="4682982"/>
-          <a:ext cx="438670" cy="14392"/>
+          <a:off x="5009536" y="4462273"/>
+          <a:ext cx="482872" cy="15842"/>
         </a:xfrm>
         <a:custGeom>
           <a:avLst/>
@@ -4393,10 +4398,10 @@
           <a:pathLst>
             <a:path>
               <a:moveTo>
-                <a:pt x="0" y="7196"/>
+                <a:pt x="0" y="7921"/>
               </a:moveTo>
               <a:lnTo>
-                <a:pt x="438670" y="7196"/>
+                <a:pt x="482872" y="7921"/>
               </a:lnTo>
             </a:path>
           </a:pathLst>
@@ -4451,8 +4456,8 @@
         </a:p>
       </dsp:txBody>
       <dsp:txXfrm>
-        <a:off x="6085033" y="4679212"/>
-        <a:ext cx="21933" cy="21933"/>
+        <a:off x="5238900" y="4458122"/>
+        <a:ext cx="24143" cy="24143"/>
       </dsp:txXfrm>
     </dsp:sp>
     <dsp:sp modelId="{CFF603C7-BD42-4313-A3BD-F0E96555881B}">
@@ -4462,8 +4467,8 @@
       </dsp:nvSpPr>
       <dsp:spPr>
         <a:xfrm>
-          <a:off x="6315335" y="4416009"/>
-          <a:ext cx="1096677" cy="548338"/>
+          <a:off x="5492408" y="4168399"/>
+          <a:ext cx="1207182" cy="603591"/>
         </a:xfrm>
         <a:prstGeom prst="roundRect">
           <a:avLst>
@@ -4507,12 +4512,12 @@
         </a:fontRef>
       </dsp:style>
       <dsp:txBody>
-        <a:bodyPr spcFirstLastPara="0" vert="horz" wrap="square" lIns="7620" tIns="7620" rIns="7620" bIns="7620" numCol="1" spcCol="1270" anchor="ctr" anchorCtr="0">
+        <a:bodyPr spcFirstLastPara="0" vert="horz" wrap="square" lIns="8890" tIns="8890" rIns="8890" bIns="8890" numCol="1" spcCol="1270" anchor="ctr" anchorCtr="0">
           <a:noAutofit/>
         </a:bodyPr>
         <a:lstStyle/>
         <a:p>
-          <a:pPr marL="0" lvl="0" indent="0" algn="ctr" defTabSz="533400">
+          <a:pPr marL="0" lvl="0" indent="0" algn="ctr" defTabSz="622300">
             <a:lnSpc>
               <a:spcPct val="90000"/>
             </a:lnSpc>
@@ -4525,14 +4530,14 @@
             <a:buNone/>
           </a:pPr>
           <a:r>
-            <a:rPr kumimoji="1" lang="ja-JP" altLang="en-US" sz="1200" kern="1200" dirty="0"/>
+            <a:rPr kumimoji="1" lang="ja-JP" altLang="en-US" sz="1400" kern="1200" dirty="0"/>
             <a:t>食材</a:t>
           </a:r>
         </a:p>
       </dsp:txBody>
       <dsp:txXfrm>
-        <a:off x="6331395" y="4432069"/>
-        <a:ext cx="1064557" cy="516218"/>
+        <a:off x="5510087" y="4186078"/>
+        <a:ext cx="1171824" cy="568233"/>
       </dsp:txXfrm>
     </dsp:sp>
     <dsp:sp modelId="{63F66676-0601-45DD-9E99-1040000B4306}">
@@ -4542,8 +4547,8 @@
       </dsp:nvSpPr>
       <dsp:spPr>
         <a:xfrm rot="3310531">
-          <a:off x="5711918" y="4998277"/>
-          <a:ext cx="768163" cy="14392"/>
+          <a:off x="4828189" y="4809338"/>
+          <a:ext cx="845566" cy="15842"/>
         </a:xfrm>
         <a:custGeom>
           <a:avLst/>
@@ -4554,10 +4559,10 @@
           <a:pathLst>
             <a:path>
               <a:moveTo>
-                <a:pt x="0" y="7196"/>
+                <a:pt x="0" y="7921"/>
               </a:moveTo>
               <a:lnTo>
-                <a:pt x="768163" y="7196"/>
+                <a:pt x="845566" y="7921"/>
               </a:lnTo>
             </a:path>
           </a:pathLst>
@@ -4612,8 +4617,8 @@
         </a:p>
       </dsp:txBody>
       <dsp:txXfrm>
-        <a:off x="6076795" y="4986269"/>
-        <a:ext cx="38408" cy="38408"/>
+        <a:off x="5229833" y="4796120"/>
+        <a:ext cx="42278" cy="42278"/>
       </dsp:txXfrm>
     </dsp:sp>
     <dsp:sp modelId="{A3C90C79-72EF-4F43-8CD4-921235325172}">
@@ -4623,8 +4628,8 @@
       </dsp:nvSpPr>
       <dsp:spPr>
         <a:xfrm>
-          <a:off x="6315335" y="5046598"/>
-          <a:ext cx="1096677" cy="548338"/>
+          <a:off x="5492408" y="4862528"/>
+          <a:ext cx="1207182" cy="603591"/>
         </a:xfrm>
         <a:prstGeom prst="roundRect">
           <a:avLst>
@@ -4668,12 +4673,12 @@
         </a:fontRef>
       </dsp:style>
       <dsp:txBody>
-        <a:bodyPr spcFirstLastPara="0" vert="horz" wrap="square" lIns="7620" tIns="7620" rIns="7620" bIns="7620" numCol="1" spcCol="1270" anchor="ctr" anchorCtr="0">
+        <a:bodyPr spcFirstLastPara="0" vert="horz" wrap="square" lIns="8890" tIns="8890" rIns="8890" bIns="8890" numCol="1" spcCol="1270" anchor="ctr" anchorCtr="0">
           <a:noAutofit/>
         </a:bodyPr>
         <a:lstStyle/>
         <a:p>
-          <a:pPr marL="0" lvl="0" indent="0" algn="ctr" defTabSz="533400">
+          <a:pPr marL="0" lvl="0" indent="0" algn="ctr" defTabSz="622300">
             <a:lnSpc>
               <a:spcPct val="90000"/>
             </a:lnSpc>
@@ -4686,14 +4691,14 @@
             <a:buNone/>
           </a:pPr>
           <a:r>
-            <a:rPr kumimoji="1" lang="ja-JP" altLang="en-US" sz="1200" kern="1200" dirty="0"/>
+            <a:rPr kumimoji="1" lang="ja-JP" altLang="en-US" sz="1400" kern="1200" dirty="0"/>
             <a:t>運動</a:t>
           </a:r>
         </a:p>
       </dsp:txBody>
       <dsp:txXfrm>
-        <a:off x="6331395" y="5062658"/>
-        <a:ext cx="1064557" cy="516218"/>
+        <a:off x="5510087" y="4880207"/>
+        <a:ext cx="1171824" cy="568233"/>
       </dsp:txXfrm>
     </dsp:sp>
     <dsp:sp modelId="{751370BC-F990-401D-B1CF-AC804C8AFD7D}">
@@ -4702,9 +4707,9 @@
         <dsp:cNvSpPr/>
       </dsp:nvSpPr>
       <dsp:spPr>
-        <a:xfrm rot="4808052">
-          <a:off x="3280542" y="4682982"/>
-          <a:ext cx="2560218" cy="14392"/>
+        <a:xfrm rot="4725511">
+          <a:off x="2322429" y="4635805"/>
+          <a:ext cx="2476976" cy="15842"/>
         </a:xfrm>
         <a:custGeom>
           <a:avLst/>
@@ -4715,10 +4720,10 @@
           <a:pathLst>
             <a:path>
               <a:moveTo>
-                <a:pt x="0" y="7196"/>
+                <a:pt x="0" y="7921"/>
               </a:moveTo>
               <a:lnTo>
-                <a:pt x="2560218" y="7196"/>
+                <a:pt x="2476976" y="7921"/>
               </a:lnTo>
             </a:path>
           </a:pathLst>
@@ -4773,8 +4778,8 @@
         </a:p>
       </dsp:txBody>
       <dsp:txXfrm>
-        <a:off x="4496646" y="4626173"/>
-        <a:ext cx="128010" cy="128010"/>
+        <a:off x="3498993" y="4581802"/>
+        <a:ext cx="123848" cy="123848"/>
       </dsp:txXfrm>
     </dsp:sp>
     <dsp:sp modelId="{0A2A203D-85AF-4728-8F33-3502D8A76382}">
@@ -4784,8 +4789,8 @@
       </dsp:nvSpPr>
       <dsp:spPr>
         <a:xfrm>
-          <a:off x="4779987" y="5677188"/>
-          <a:ext cx="1096677" cy="548338"/>
+          <a:off x="3802353" y="5556658"/>
+          <a:ext cx="1207182" cy="603591"/>
         </a:xfrm>
         <a:prstGeom prst="roundRect">
           <a:avLst>
@@ -4829,12 +4834,12 @@
         </a:fontRef>
       </dsp:style>
       <dsp:txBody>
-        <a:bodyPr spcFirstLastPara="0" vert="horz" wrap="square" lIns="7620" tIns="7620" rIns="7620" bIns="7620" numCol="1" spcCol="1270" anchor="ctr" anchorCtr="0">
+        <a:bodyPr spcFirstLastPara="0" vert="horz" wrap="square" lIns="8890" tIns="8890" rIns="8890" bIns="8890" numCol="1" spcCol="1270" anchor="ctr" anchorCtr="0">
           <a:noAutofit/>
         </a:bodyPr>
         <a:lstStyle/>
         <a:p>
-          <a:pPr marL="0" lvl="0" indent="0" algn="ctr" defTabSz="533400">
+          <a:pPr marL="0" lvl="0" indent="0" algn="ctr" defTabSz="622300">
             <a:lnSpc>
               <a:spcPct val="90000"/>
             </a:lnSpc>
@@ -4847,14 +4852,14 @@
             <a:buNone/>
           </a:pPr>
           <a:r>
-            <a:rPr kumimoji="1" lang="ja-JP" altLang="en-US" sz="1200" kern="1200" dirty="0"/>
+            <a:rPr kumimoji="1" lang="ja-JP" altLang="en-US" sz="1400" kern="1200" dirty="0"/>
             <a:t>筋トレ</a:t>
           </a:r>
         </a:p>
       </dsp:txBody>
       <dsp:txXfrm>
-        <a:off x="4796047" y="5693248"/>
-        <a:ext cx="1064557" cy="516218"/>
+        <a:off x="3820032" y="5574337"/>
+        <a:ext cx="1171824" cy="568233"/>
       </dsp:txXfrm>
     </dsp:sp>
     <dsp:sp modelId="{A8C77022-2B90-4DD3-819C-D689CD601317}">
@@ -4864,8 +4869,8 @@
       </dsp:nvSpPr>
       <dsp:spPr>
         <a:xfrm>
-          <a:off x="5876664" y="5944161"/>
-          <a:ext cx="438670" cy="14392"/>
+          <a:off x="5009536" y="5850532"/>
+          <a:ext cx="482872" cy="15842"/>
         </a:xfrm>
         <a:custGeom>
           <a:avLst/>
@@ -4876,10 +4881,10 @@
           <a:pathLst>
             <a:path>
               <a:moveTo>
-                <a:pt x="0" y="7196"/>
+                <a:pt x="0" y="7921"/>
               </a:moveTo>
               <a:lnTo>
-                <a:pt x="438670" y="7196"/>
+                <a:pt x="482872" y="7921"/>
               </a:lnTo>
             </a:path>
           </a:pathLst>
@@ -4934,8 +4939,8 @@
         </a:p>
       </dsp:txBody>
       <dsp:txXfrm>
-        <a:off x="6085033" y="5940390"/>
-        <a:ext cx="21933" cy="21933"/>
+        <a:off x="5238900" y="5846382"/>
+        <a:ext cx="24143" cy="24143"/>
       </dsp:txXfrm>
     </dsp:sp>
     <dsp:sp modelId="{EC622A1A-AEB5-42E2-975D-D69ED6769D96}">
@@ -4945,8 +4950,8 @@
       </dsp:nvSpPr>
       <dsp:spPr>
         <a:xfrm>
-          <a:off x="6315335" y="5677188"/>
-          <a:ext cx="1096677" cy="548338"/>
+          <a:off x="5492408" y="5556658"/>
+          <a:ext cx="1207182" cy="603591"/>
         </a:xfrm>
         <a:prstGeom prst="roundRect">
           <a:avLst>
@@ -4990,12 +4995,12 @@
         </a:fontRef>
       </dsp:style>
       <dsp:txBody>
-        <a:bodyPr spcFirstLastPara="0" vert="horz" wrap="square" lIns="7620" tIns="7620" rIns="7620" bIns="7620" numCol="1" spcCol="1270" anchor="ctr" anchorCtr="0">
+        <a:bodyPr spcFirstLastPara="0" vert="horz" wrap="square" lIns="8890" tIns="8890" rIns="8890" bIns="8890" numCol="1" spcCol="1270" anchor="ctr" anchorCtr="0">
           <a:noAutofit/>
         </a:bodyPr>
         <a:lstStyle/>
         <a:p>
-          <a:pPr marL="0" lvl="0" indent="0" algn="ctr" defTabSz="533400">
+          <a:pPr marL="0" lvl="0" indent="0" algn="ctr" defTabSz="622300">
             <a:lnSpc>
               <a:spcPct val="90000"/>
             </a:lnSpc>
@@ -5008,14 +5013,14 @@
             <a:buNone/>
           </a:pPr>
           <a:r>
-            <a:rPr kumimoji="1" lang="ja-JP" altLang="en-US" sz="1200" kern="1200" dirty="0"/>
+            <a:rPr kumimoji="1" lang="ja-JP" altLang="en-US" sz="1400" kern="1200" dirty="0"/>
             <a:t>食材・種目・カロリー</a:t>
           </a:r>
         </a:p>
       </dsp:txBody>
       <dsp:txXfrm>
-        <a:off x="6331395" y="5693248"/>
-        <a:ext cx="1064557" cy="516218"/>
+        <a:off x="5510087" y="5574337"/>
+        <a:ext cx="1171824" cy="568233"/>
       </dsp:txXfrm>
     </dsp:sp>
     <dsp:sp modelId="{F8C47E08-57AD-4AB9-B6F1-D6CDD5075FF5}">
@@ -5024,9 +5029,9 @@
         <dsp:cNvSpPr/>
       </dsp:nvSpPr>
       <dsp:spPr>
-        <a:xfrm rot="4924756">
-          <a:off x="2968993" y="4998277"/>
-          <a:ext cx="3183317" cy="14392"/>
+        <a:xfrm rot="4872735">
+          <a:off x="1980574" y="4982870"/>
+          <a:ext cx="3160686" cy="15842"/>
         </a:xfrm>
         <a:custGeom>
           <a:avLst/>
@@ -5037,10 +5042,10 @@
           <a:pathLst>
             <a:path>
               <a:moveTo>
-                <a:pt x="0" y="7196"/>
+                <a:pt x="0" y="7921"/>
               </a:moveTo>
               <a:lnTo>
-                <a:pt x="3183317" y="7196"/>
+                <a:pt x="3160686" y="7921"/>
               </a:lnTo>
             </a:path>
           </a:pathLst>
@@ -5095,8 +5100,8 @@
         </a:p>
       </dsp:txBody>
       <dsp:txXfrm>
-        <a:off x="4481068" y="4925890"/>
-        <a:ext cx="159165" cy="159165"/>
+        <a:off x="3481900" y="4911774"/>
+        <a:ext cx="158034" cy="158034"/>
       </dsp:txXfrm>
     </dsp:sp>
     <dsp:sp modelId="{80197443-D504-44B1-8FA0-58F0FA622668}">
@@ -5106,8 +5111,8 @@
       </dsp:nvSpPr>
       <dsp:spPr>
         <a:xfrm>
-          <a:off x="4779987" y="6307777"/>
-          <a:ext cx="1096677" cy="548338"/>
+          <a:off x="3802353" y="6250788"/>
+          <a:ext cx="1207182" cy="603591"/>
         </a:xfrm>
         <a:prstGeom prst="roundRect">
           <a:avLst>
@@ -5151,12 +5156,12 @@
         </a:fontRef>
       </dsp:style>
       <dsp:txBody>
-        <a:bodyPr spcFirstLastPara="0" vert="horz" wrap="square" lIns="7620" tIns="7620" rIns="7620" bIns="7620" numCol="1" spcCol="1270" anchor="ctr" anchorCtr="0">
+        <a:bodyPr spcFirstLastPara="0" vert="horz" wrap="square" lIns="8890" tIns="8890" rIns="8890" bIns="8890" numCol="1" spcCol="1270" anchor="ctr" anchorCtr="0">
           <a:noAutofit/>
         </a:bodyPr>
         <a:lstStyle/>
         <a:p>
-          <a:pPr marL="0" lvl="0" indent="0" algn="ctr" defTabSz="533400">
+          <a:pPr marL="0" lvl="0" indent="0" algn="ctr" defTabSz="622300">
             <a:lnSpc>
               <a:spcPct val="90000"/>
             </a:lnSpc>
@@ -5169,14 +5174,14 @@
             <a:buNone/>
           </a:pPr>
           <a:r>
-            <a:rPr kumimoji="1" lang="ja-JP" altLang="en-US" sz="1200" kern="1200" dirty="0"/>
+            <a:rPr kumimoji="1" lang="ja-JP" altLang="en-US" sz="1400" kern="1200" dirty="0"/>
             <a:t>検索画面</a:t>
           </a:r>
         </a:p>
       </dsp:txBody>
       <dsp:txXfrm>
-        <a:off x="4796047" y="6323837"/>
-        <a:ext cx="1064557" cy="516218"/>
+        <a:off x="3820032" y="6268467"/>
+        <a:ext cx="1171824" cy="568233"/>
       </dsp:txXfrm>
     </dsp:sp>
   </dsp:spTree>
@@ -6684,7 +6689,7 @@
           <a:p>
             <a:fld id="{C3C59018-11AF-4376-A96F-2A3D32DB2068}" type="datetimeFigureOut">
               <a:rPr kumimoji="1" lang="ja-JP" altLang="en-US" smtClean="0"/>
-              <a:t>2023/4/21</a:t>
+              <a:t>2023/4/24</a:t>
             </a:fld>
             <a:endParaRPr kumimoji="1" lang="ja-JP" altLang="en-US"/>
           </a:p>
@@ -6914,7 +6919,7 @@
           <a:p>
             <a:fld id="{C3C59018-11AF-4376-A96F-2A3D32DB2068}" type="datetimeFigureOut">
               <a:rPr kumimoji="1" lang="ja-JP" altLang="en-US" smtClean="0"/>
-              <a:t>2023/4/21</a:t>
+              <a:t>2023/4/24</a:t>
             </a:fld>
             <a:endParaRPr kumimoji="1" lang="ja-JP" altLang="en-US"/>
           </a:p>
@@ -7154,7 +7159,7 @@
           <a:p>
             <a:fld id="{C3C59018-11AF-4376-A96F-2A3D32DB2068}" type="datetimeFigureOut">
               <a:rPr kumimoji="1" lang="ja-JP" altLang="en-US" smtClean="0"/>
-              <a:t>2023/4/21</a:t>
+              <a:t>2023/4/24</a:t>
             </a:fld>
             <a:endParaRPr kumimoji="1" lang="ja-JP" altLang="en-US"/>
           </a:p>
@@ -7384,7 +7389,7 @@
           <a:p>
             <a:fld id="{C3C59018-11AF-4376-A96F-2A3D32DB2068}" type="datetimeFigureOut">
               <a:rPr kumimoji="1" lang="ja-JP" altLang="en-US" smtClean="0"/>
-              <a:t>2023/4/21</a:t>
+              <a:t>2023/4/24</a:t>
             </a:fld>
             <a:endParaRPr kumimoji="1" lang="ja-JP" altLang="en-US"/>
           </a:p>
@@ -7659,7 +7664,7 @@
           <a:p>
             <a:fld id="{C3C59018-11AF-4376-A96F-2A3D32DB2068}" type="datetimeFigureOut">
               <a:rPr kumimoji="1" lang="ja-JP" altLang="en-US" smtClean="0"/>
-              <a:t>2023/4/21</a:t>
+              <a:t>2023/4/24</a:t>
             </a:fld>
             <a:endParaRPr kumimoji="1" lang="ja-JP" altLang="en-US"/>
           </a:p>
@@ -7988,7 +7993,7 @@
           <a:p>
             <a:fld id="{C3C59018-11AF-4376-A96F-2A3D32DB2068}" type="datetimeFigureOut">
               <a:rPr kumimoji="1" lang="ja-JP" altLang="en-US" smtClean="0"/>
-              <a:t>2023/4/21</a:t>
+              <a:t>2023/4/24</a:t>
             </a:fld>
             <a:endParaRPr kumimoji="1" lang="ja-JP" altLang="en-US"/>
           </a:p>
@@ -8464,7 +8469,7 @@
           <a:p>
             <a:fld id="{C3C59018-11AF-4376-A96F-2A3D32DB2068}" type="datetimeFigureOut">
               <a:rPr kumimoji="1" lang="ja-JP" altLang="en-US" smtClean="0"/>
-              <a:t>2023/4/21</a:t>
+              <a:t>2023/4/24</a:t>
             </a:fld>
             <a:endParaRPr kumimoji="1" lang="ja-JP" altLang="en-US"/>
           </a:p>
@@ -8605,7 +8610,7 @@
           <a:p>
             <a:fld id="{C3C59018-11AF-4376-A96F-2A3D32DB2068}" type="datetimeFigureOut">
               <a:rPr kumimoji="1" lang="ja-JP" altLang="en-US" smtClean="0"/>
-              <a:t>2023/4/21</a:t>
+              <a:t>2023/4/24</a:t>
             </a:fld>
             <a:endParaRPr kumimoji="1" lang="ja-JP" altLang="en-US"/>
           </a:p>
@@ -8718,7 +8723,7 @@
           <a:p>
             <a:fld id="{C3C59018-11AF-4376-A96F-2A3D32DB2068}" type="datetimeFigureOut">
               <a:rPr kumimoji="1" lang="ja-JP" altLang="en-US" smtClean="0"/>
-              <a:t>2023/4/21</a:t>
+              <a:t>2023/4/24</a:t>
             </a:fld>
             <a:endParaRPr kumimoji="1" lang="ja-JP" altLang="en-US"/>
           </a:p>
@@ -9061,7 +9066,7 @@
           <a:p>
             <a:fld id="{C3C59018-11AF-4376-A96F-2A3D32DB2068}" type="datetimeFigureOut">
               <a:rPr kumimoji="1" lang="ja-JP" altLang="en-US" smtClean="0"/>
-              <a:t>2023/4/21</a:t>
+              <a:t>2023/4/24</a:t>
             </a:fld>
             <a:endParaRPr kumimoji="1" lang="ja-JP" altLang="en-US"/>
           </a:p>
@@ -9349,7 +9354,7 @@
           <a:p>
             <a:fld id="{C3C59018-11AF-4376-A96F-2A3D32DB2068}" type="datetimeFigureOut">
               <a:rPr kumimoji="1" lang="ja-JP" altLang="en-US" smtClean="0"/>
-              <a:t>2023/4/21</a:t>
+              <a:t>2023/4/24</a:t>
             </a:fld>
             <a:endParaRPr kumimoji="1" lang="ja-JP" altLang="en-US"/>
           </a:p>
@@ -9622,7 +9627,7 @@
           <a:p>
             <a:fld id="{C3C59018-11AF-4376-A96F-2A3D32DB2068}" type="datetimeFigureOut">
               <a:rPr kumimoji="1" lang="ja-JP" altLang="en-US" smtClean="0"/>
-              <a:t>2023/4/21</a:t>
+              <a:t>2023/4/24</a:t>
             </a:fld>
             <a:endParaRPr kumimoji="1" lang="ja-JP" altLang="en-US"/>
           </a:p>
@@ -10052,7 +10057,7 @@
           <p:nvPr>
             <p:extLst>
               <p:ext uri="{D42A27DB-BD31-4B8C-83A1-F6EECF244321}">
-                <p14:modId xmlns:p14="http://schemas.microsoft.com/office/powerpoint/2010/main" val="2363425503"/>
+                <p14:modId xmlns:p14="http://schemas.microsoft.com/office/powerpoint/2010/main" val="4072213151"/>
               </p:ext>
             </p:extLst>
           </p:nvPr>

--- a/02_画面設計書/サイトマップ.pptx
+++ b/02_画面設計書/サイトマップ.pptx
@@ -1557,6 +1557,42 @@
         </a:p>
       </dgm:t>
     </dgm:pt>
+    <dgm:pt modelId="{12C6DF6C-34C0-49A0-A09B-43CEB4BD4136}">
+      <dgm:prSet phldrT="[テキスト]"/>
+      <dgm:spPr/>
+      <dgm:t>
+        <a:bodyPr/>
+        <a:lstStyle/>
+        <a:p>
+          <a:r>
+            <a:rPr kumimoji="1" lang="ja-JP" altLang="en-US" dirty="0"/>
+            <a:t>食材</a:t>
+          </a:r>
+        </a:p>
+      </dgm:t>
+    </dgm:pt>
+    <dgm:pt modelId="{08F4C6D0-BF1B-4EFB-BDDC-D4B061950481}" type="parTrans" cxnId="{DCF5F60A-136B-49A2-96B8-538A3BE9CD48}">
+      <dgm:prSet/>
+      <dgm:spPr/>
+      <dgm:t>
+        <a:bodyPr/>
+        <a:lstStyle/>
+        <a:p>
+          <a:endParaRPr kumimoji="1" lang="ja-JP" altLang="en-US"/>
+        </a:p>
+      </dgm:t>
+    </dgm:pt>
+    <dgm:pt modelId="{2B242759-CFB8-4FFC-8A23-EC7FFA10EE2C}" type="sibTrans" cxnId="{DCF5F60A-136B-49A2-96B8-538A3BE9CD48}">
+      <dgm:prSet/>
+      <dgm:spPr/>
+      <dgm:t>
+        <a:bodyPr/>
+        <a:lstStyle/>
+        <a:p>
+          <a:endParaRPr kumimoji="1" lang="ja-JP" altLang="en-US"/>
+        </a:p>
+      </dgm:t>
+    </dgm:pt>
     <dgm:pt modelId="{187136B9-0D1A-486B-8631-865706A98BE4}" type="pres">
       <dgm:prSet presAssocID="{09E86733-ABBF-4632-9138-CD45C40604B7}" presName="diagram" presStyleCnt="0">
         <dgm:presLayoutVars>
@@ -1585,12 +1621,36 @@
       <dgm:prSet presAssocID="{FC6F06F9-71A3-48F4-98A4-99B0A9A7E508}" presName="level2hierChild" presStyleCnt="0"/>
       <dgm:spPr/>
     </dgm:pt>
+    <dgm:pt modelId="{10EBDB7D-D330-4DC9-BDC7-1DA0D11CDB9C}" type="pres">
+      <dgm:prSet presAssocID="{08F4C6D0-BF1B-4EFB-BDDC-D4B061950481}" presName="conn2-1" presStyleLbl="parChTrans1D2" presStyleIdx="0" presStyleCnt="7"/>
+      <dgm:spPr/>
+    </dgm:pt>
+    <dgm:pt modelId="{D4F7010C-A058-40F3-B86C-D2C3487EAA00}" type="pres">
+      <dgm:prSet presAssocID="{08F4C6D0-BF1B-4EFB-BDDC-D4B061950481}" presName="connTx" presStyleLbl="parChTrans1D2" presStyleIdx="0" presStyleCnt="7"/>
+      <dgm:spPr/>
+    </dgm:pt>
+    <dgm:pt modelId="{582D7086-0716-4057-8E3A-345762829D73}" type="pres">
+      <dgm:prSet presAssocID="{12C6DF6C-34C0-49A0-A09B-43CEB4BD4136}" presName="root2" presStyleCnt="0"/>
+      <dgm:spPr/>
+    </dgm:pt>
+    <dgm:pt modelId="{A3719D20-29DC-4490-A24C-2BD557049D04}" type="pres">
+      <dgm:prSet presAssocID="{12C6DF6C-34C0-49A0-A09B-43CEB4BD4136}" presName="LevelTwoTextNode" presStyleLbl="node2" presStyleIdx="0" presStyleCnt="7">
+        <dgm:presLayoutVars>
+          <dgm:chPref val="3"/>
+        </dgm:presLayoutVars>
+      </dgm:prSet>
+      <dgm:spPr/>
+    </dgm:pt>
+    <dgm:pt modelId="{07614281-457A-45A4-BB1D-2E1CF286D12C}" type="pres">
+      <dgm:prSet presAssocID="{12C6DF6C-34C0-49A0-A09B-43CEB4BD4136}" presName="level3hierChild" presStyleCnt="0"/>
+      <dgm:spPr/>
+    </dgm:pt>
     <dgm:pt modelId="{5B5FA48C-4AD0-4CA2-BEE7-CF6169F10446}" type="pres">
-      <dgm:prSet presAssocID="{304306B8-19D2-4957-837D-C83D90C660FC}" presName="conn2-1" presStyleLbl="parChTrans1D2" presStyleIdx="0" presStyleCnt="6"/>
+      <dgm:prSet presAssocID="{304306B8-19D2-4957-837D-C83D90C660FC}" presName="conn2-1" presStyleLbl="parChTrans1D2" presStyleIdx="1" presStyleCnt="7"/>
       <dgm:spPr/>
     </dgm:pt>
     <dgm:pt modelId="{B4797B48-8F0B-458B-BFA8-8CC18E468CCC}" type="pres">
-      <dgm:prSet presAssocID="{304306B8-19D2-4957-837D-C83D90C660FC}" presName="connTx" presStyleLbl="parChTrans1D2" presStyleIdx="0" presStyleCnt="6"/>
+      <dgm:prSet presAssocID="{304306B8-19D2-4957-837D-C83D90C660FC}" presName="connTx" presStyleLbl="parChTrans1D2" presStyleIdx="1" presStyleCnt="7"/>
       <dgm:spPr/>
     </dgm:pt>
     <dgm:pt modelId="{1630DFE6-DD47-4A38-8BA2-B7B9470C118A}" type="pres">
@@ -1598,7 +1658,7 @@
       <dgm:spPr/>
     </dgm:pt>
     <dgm:pt modelId="{89524B21-6DAB-4D8B-B0E5-2B32C11A7D3D}" type="pres">
-      <dgm:prSet presAssocID="{53EAA76A-B5F3-40A6-B159-D6620968CAAB}" presName="LevelTwoTextNode" presStyleLbl="node2" presStyleIdx="0" presStyleCnt="6">
+      <dgm:prSet presAssocID="{53EAA76A-B5F3-40A6-B159-D6620968CAAB}" presName="LevelTwoTextNode" presStyleLbl="node2" presStyleIdx="1" presStyleCnt="7">
         <dgm:presLayoutVars>
           <dgm:chPref val="3"/>
         </dgm:presLayoutVars>
@@ -1634,11 +1694,11 @@
       <dgm:spPr/>
     </dgm:pt>
     <dgm:pt modelId="{B33E6943-02B4-4B38-A335-173F99D1B66E}" type="pres">
-      <dgm:prSet presAssocID="{3BACAA0F-EAA3-48CC-ADF5-7170067E6918}" presName="conn2-1" presStyleLbl="parChTrans1D2" presStyleIdx="1" presStyleCnt="6"/>
+      <dgm:prSet presAssocID="{3BACAA0F-EAA3-48CC-ADF5-7170067E6918}" presName="conn2-1" presStyleLbl="parChTrans1D2" presStyleIdx="2" presStyleCnt="7"/>
       <dgm:spPr/>
     </dgm:pt>
     <dgm:pt modelId="{AEF74CEC-A056-4CE4-A217-8116CEA5D3CE}" type="pres">
-      <dgm:prSet presAssocID="{3BACAA0F-EAA3-48CC-ADF5-7170067E6918}" presName="connTx" presStyleLbl="parChTrans1D2" presStyleIdx="1" presStyleCnt="6"/>
+      <dgm:prSet presAssocID="{3BACAA0F-EAA3-48CC-ADF5-7170067E6918}" presName="connTx" presStyleLbl="parChTrans1D2" presStyleIdx="2" presStyleCnt="7"/>
       <dgm:spPr/>
     </dgm:pt>
     <dgm:pt modelId="{C969BB49-D248-4AAF-AAFB-C8DB0191F2A6}" type="pres">
@@ -1646,7 +1706,7 @@
       <dgm:spPr/>
     </dgm:pt>
     <dgm:pt modelId="{DA2ECC67-C634-4F6C-921B-E2AC98CDA1E0}" type="pres">
-      <dgm:prSet presAssocID="{0B81162A-04C3-4A97-B642-AEB522429BF4}" presName="LevelTwoTextNode" presStyleLbl="node2" presStyleIdx="1" presStyleCnt="6">
+      <dgm:prSet presAssocID="{0B81162A-04C3-4A97-B642-AEB522429BF4}" presName="LevelTwoTextNode" presStyleLbl="node2" presStyleIdx="2" presStyleCnt="7">
         <dgm:presLayoutVars>
           <dgm:chPref val="3"/>
         </dgm:presLayoutVars>
@@ -1658,11 +1718,11 @@
       <dgm:spPr/>
     </dgm:pt>
     <dgm:pt modelId="{96EF483A-E398-4B55-BD5A-D4D3674A3178}" type="pres">
-      <dgm:prSet presAssocID="{E8C5750E-43CB-4535-9FFB-DC7CCA920C19}" presName="conn2-1" presStyleLbl="parChTrans1D2" presStyleIdx="2" presStyleCnt="6"/>
+      <dgm:prSet presAssocID="{E8C5750E-43CB-4535-9FFB-DC7CCA920C19}" presName="conn2-1" presStyleLbl="parChTrans1D2" presStyleIdx="3" presStyleCnt="7"/>
       <dgm:spPr/>
     </dgm:pt>
     <dgm:pt modelId="{029C2F7D-E46F-49C0-BAEA-189E8249E129}" type="pres">
-      <dgm:prSet presAssocID="{E8C5750E-43CB-4535-9FFB-DC7CCA920C19}" presName="connTx" presStyleLbl="parChTrans1D2" presStyleIdx="2" presStyleCnt="6"/>
+      <dgm:prSet presAssocID="{E8C5750E-43CB-4535-9FFB-DC7CCA920C19}" presName="connTx" presStyleLbl="parChTrans1D2" presStyleIdx="3" presStyleCnt="7"/>
       <dgm:spPr/>
     </dgm:pt>
     <dgm:pt modelId="{491E4CB2-9E32-4190-BBA6-DCEE658D315B}" type="pres">
@@ -1670,7 +1730,7 @@
       <dgm:spPr/>
     </dgm:pt>
     <dgm:pt modelId="{7D33D451-C787-486D-93F4-3E2824006D67}" type="pres">
-      <dgm:prSet presAssocID="{753B163C-EF57-48CA-9EC4-9D4051C138F3}" presName="LevelTwoTextNode" presStyleLbl="node2" presStyleIdx="2" presStyleCnt="6">
+      <dgm:prSet presAssocID="{753B163C-EF57-48CA-9EC4-9D4051C138F3}" presName="LevelTwoTextNode" presStyleLbl="node2" presStyleIdx="3" presStyleCnt="7">
         <dgm:presLayoutVars>
           <dgm:chPref val="3"/>
         </dgm:presLayoutVars>
@@ -1850,11 +1910,11 @@
       <dgm:spPr/>
     </dgm:pt>
     <dgm:pt modelId="{C6D9BABC-F985-47AA-875D-6C6A278B17C1}" type="pres">
-      <dgm:prSet presAssocID="{9DC6CE0D-40E7-4F58-B884-B5B3EBCA6055}" presName="conn2-1" presStyleLbl="parChTrans1D2" presStyleIdx="3" presStyleCnt="6"/>
+      <dgm:prSet presAssocID="{9DC6CE0D-40E7-4F58-B884-B5B3EBCA6055}" presName="conn2-1" presStyleLbl="parChTrans1D2" presStyleIdx="4" presStyleCnt="7"/>
       <dgm:spPr/>
     </dgm:pt>
     <dgm:pt modelId="{3348F8FA-812F-4116-9CD6-F3D5C8B6B5EE}" type="pres">
-      <dgm:prSet presAssocID="{9DC6CE0D-40E7-4F58-B884-B5B3EBCA6055}" presName="connTx" presStyleLbl="parChTrans1D2" presStyleIdx="3" presStyleCnt="6"/>
+      <dgm:prSet presAssocID="{9DC6CE0D-40E7-4F58-B884-B5B3EBCA6055}" presName="connTx" presStyleLbl="parChTrans1D2" presStyleIdx="4" presStyleCnt="7"/>
       <dgm:spPr/>
     </dgm:pt>
     <dgm:pt modelId="{1812562A-2408-409F-9209-B38CA3C734E1}" type="pres">
@@ -1862,7 +1922,7 @@
       <dgm:spPr/>
     </dgm:pt>
     <dgm:pt modelId="{447DC584-2A91-4F03-9DBB-EFCA8D39C53F}" type="pres">
-      <dgm:prSet presAssocID="{44DD04F2-FDF4-44C4-8542-195BB81B25EA}" presName="LevelTwoTextNode" presStyleLbl="node2" presStyleIdx="3" presStyleCnt="6">
+      <dgm:prSet presAssocID="{44DD04F2-FDF4-44C4-8542-195BB81B25EA}" presName="LevelTwoTextNode" presStyleLbl="node2" presStyleIdx="4" presStyleCnt="7">
         <dgm:presLayoutVars>
           <dgm:chPref val="3"/>
         </dgm:presLayoutVars>
@@ -1946,11 +2006,11 @@
       <dgm:spPr/>
     </dgm:pt>
     <dgm:pt modelId="{751370BC-F990-401D-B1CF-AC804C8AFD7D}" type="pres">
-      <dgm:prSet presAssocID="{F80E9FB5-245B-4B4E-832C-EA6DE66BA8BC}" presName="conn2-1" presStyleLbl="parChTrans1D2" presStyleIdx="4" presStyleCnt="6"/>
+      <dgm:prSet presAssocID="{F80E9FB5-245B-4B4E-832C-EA6DE66BA8BC}" presName="conn2-1" presStyleLbl="parChTrans1D2" presStyleIdx="5" presStyleCnt="7"/>
       <dgm:spPr/>
     </dgm:pt>
     <dgm:pt modelId="{2A9089B3-EA1F-45B6-8896-00AE1DF706AB}" type="pres">
-      <dgm:prSet presAssocID="{F80E9FB5-245B-4B4E-832C-EA6DE66BA8BC}" presName="connTx" presStyleLbl="parChTrans1D2" presStyleIdx="4" presStyleCnt="6"/>
+      <dgm:prSet presAssocID="{F80E9FB5-245B-4B4E-832C-EA6DE66BA8BC}" presName="connTx" presStyleLbl="parChTrans1D2" presStyleIdx="5" presStyleCnt="7"/>
       <dgm:spPr/>
     </dgm:pt>
     <dgm:pt modelId="{88FBD1C4-6DC4-4170-9982-DAAE42CCFB9C}" type="pres">
@@ -1958,7 +2018,7 @@
       <dgm:spPr/>
     </dgm:pt>
     <dgm:pt modelId="{0A2A203D-85AF-4728-8F33-3502D8A76382}" type="pres">
-      <dgm:prSet presAssocID="{10C74FA5-0A2E-49A7-B0DC-B764DE020798}" presName="LevelTwoTextNode" presStyleLbl="node2" presStyleIdx="4" presStyleCnt="6">
+      <dgm:prSet presAssocID="{10C74FA5-0A2E-49A7-B0DC-B764DE020798}" presName="LevelTwoTextNode" presStyleLbl="node2" presStyleIdx="5" presStyleCnt="7">
         <dgm:presLayoutVars>
           <dgm:chPref val="3"/>
         </dgm:presLayoutVars>
@@ -1994,11 +2054,11 @@
       <dgm:spPr/>
     </dgm:pt>
     <dgm:pt modelId="{F8C47E08-57AD-4AB9-B6F1-D6CDD5075FF5}" type="pres">
-      <dgm:prSet presAssocID="{5E07F28A-AE4B-46B5-8ACE-1BD7C8D3B1E4}" presName="conn2-1" presStyleLbl="parChTrans1D2" presStyleIdx="5" presStyleCnt="6"/>
+      <dgm:prSet presAssocID="{5E07F28A-AE4B-46B5-8ACE-1BD7C8D3B1E4}" presName="conn2-1" presStyleLbl="parChTrans1D2" presStyleIdx="6" presStyleCnt="7"/>
       <dgm:spPr/>
     </dgm:pt>
     <dgm:pt modelId="{151D1481-29B4-45FF-B4F8-72DFB5A22479}" type="pres">
-      <dgm:prSet presAssocID="{5E07F28A-AE4B-46B5-8ACE-1BD7C8D3B1E4}" presName="connTx" presStyleLbl="parChTrans1D2" presStyleIdx="5" presStyleCnt="6"/>
+      <dgm:prSet presAssocID="{5E07F28A-AE4B-46B5-8ACE-1BD7C8D3B1E4}" presName="connTx" presStyleLbl="parChTrans1D2" presStyleIdx="6" presStyleCnt="7"/>
       <dgm:spPr/>
     </dgm:pt>
     <dgm:pt modelId="{F87495FC-F005-4187-8052-3F54624C0DCC}" type="pres">
@@ -2006,7 +2066,7 @@
       <dgm:spPr/>
     </dgm:pt>
     <dgm:pt modelId="{80197443-D504-44B1-8FA0-58F0FA622668}" type="pres">
-      <dgm:prSet presAssocID="{FA812A13-74F7-4CE0-93F0-C43D937DB682}" presName="LevelTwoTextNode" presStyleLbl="node2" presStyleIdx="5" presStyleCnt="6">
+      <dgm:prSet presAssocID="{FA812A13-74F7-4CE0-93F0-C43D937DB682}" presName="LevelTwoTextNode" presStyleLbl="node2" presStyleIdx="6" presStyleCnt="7">
         <dgm:presLayoutVars>
           <dgm:chPref val="3"/>
         </dgm:presLayoutVars>
@@ -2019,174 +2079,183 @@
     </dgm:pt>
   </dgm:ptLst>
   <dgm:cxnLst>
-    <dgm:cxn modelId="{22F8B001-EE2C-4CAF-A389-BBDE30D0491C}" type="presOf" srcId="{753B163C-EF57-48CA-9EC4-9D4051C138F3}" destId="{7D33D451-C787-486D-93F4-3E2824006D67}" srcOrd="0" destOrd="0" presId="urn:microsoft.com/office/officeart/2005/8/layout/hierarchy2"/>
-    <dgm:cxn modelId="{4C155F02-8124-45A8-B1CB-98FA564B28BB}" type="presOf" srcId="{D6B110F3-50D2-4518-9293-7F2BA384B0E4}" destId="{011C0FC4-FA56-4769-AE71-41C91C033287}" srcOrd="0" destOrd="0" presId="urn:microsoft.com/office/officeart/2005/8/layout/hierarchy2"/>
-    <dgm:cxn modelId="{AE42A905-00EE-4FF2-AFD0-CCF1CE77A6AB}" type="presOf" srcId="{394F961C-E724-47B6-B260-776F61E7779D}" destId="{678539AC-E490-4287-B0D8-6B3B8C7D8926}" srcOrd="1" destOrd="0" presId="urn:microsoft.com/office/officeart/2005/8/layout/hierarchy2"/>
-    <dgm:cxn modelId="{9DD1D006-E1BE-497C-8AED-E2E1657282C3}" type="presOf" srcId="{DFC56D10-00F3-4070-B40C-962A023BAF82}" destId="{E87455D2-D3D8-415C-9FC2-059EA4FB9A51}" srcOrd="1" destOrd="0" presId="urn:microsoft.com/office/officeart/2005/8/layout/hierarchy2"/>
-    <dgm:cxn modelId="{2C38D707-E66D-47AE-8B39-E33022913E93}" type="presOf" srcId="{53EAA76A-B5F3-40A6-B159-D6620968CAAB}" destId="{89524B21-6DAB-4D8B-B0E5-2B32C11A7D3D}" srcOrd="0" destOrd="0" presId="urn:microsoft.com/office/officeart/2005/8/layout/hierarchy2"/>
-    <dgm:cxn modelId="{2F6F7B0C-29ED-4E82-AFF1-215DB75011D5}" type="presOf" srcId="{3AAD7AE7-8098-4220-8B40-F8AED200E147}" destId="{0269DBC0-5BBF-4DA1-89F6-EE09AE81A02A}" srcOrd="0" destOrd="0" presId="urn:microsoft.com/office/officeart/2005/8/layout/hierarchy2"/>
-    <dgm:cxn modelId="{8EE1E50D-1156-4709-8866-6B5E341DB404}" type="presOf" srcId="{BEF70E4F-6C90-4A54-A966-CB8910E7D1AD}" destId="{D555D47B-CBD5-4A89-BD81-1C8B958A43FA}" srcOrd="0" destOrd="0" presId="urn:microsoft.com/office/officeart/2005/8/layout/hierarchy2"/>
-    <dgm:cxn modelId="{4D86550F-0F3F-40C7-B31D-8616A405DF63}" type="presOf" srcId="{FA812A13-74F7-4CE0-93F0-C43D937DB682}" destId="{80197443-D504-44B1-8FA0-58F0FA622668}" srcOrd="0" destOrd="0" presId="urn:microsoft.com/office/officeart/2005/8/layout/hierarchy2"/>
-    <dgm:cxn modelId="{299FCA0F-FB25-4947-A70B-2375A9012CB8}" type="presOf" srcId="{CF8C5C11-80B9-4E1C-AB8D-7EE71EC4F2F2}" destId="{77EE5E29-F728-4149-891F-2BCD5BCD2BF5}" srcOrd="1" destOrd="0" presId="urn:microsoft.com/office/officeart/2005/8/layout/hierarchy2"/>
+    <dgm:cxn modelId="{791AA908-31A5-4010-AAE4-911938B4A9F0}" type="presOf" srcId="{DFC56D10-00F3-4070-B40C-962A023BAF82}" destId="{D32E3006-F11A-493F-9664-74F09A568ADE}" srcOrd="0" destOrd="0" presId="urn:microsoft.com/office/officeart/2005/8/layout/hierarchy2"/>
+    <dgm:cxn modelId="{DCF5F60A-136B-49A2-96B8-538A3BE9CD48}" srcId="{FC6F06F9-71A3-48F4-98A4-99B0A9A7E508}" destId="{12C6DF6C-34C0-49A0-A09B-43CEB4BD4136}" srcOrd="0" destOrd="0" parTransId="{08F4C6D0-BF1B-4EFB-BDDC-D4B061950481}" sibTransId="{2B242759-CFB8-4FFC-8A23-EC7FFA10EE2C}"/>
     <dgm:cxn modelId="{0909D311-4349-4FB8-858F-1D50CB8B0F86}" srcId="{09E86733-ABBF-4632-9138-CD45C40604B7}" destId="{FC6F06F9-71A3-48F4-98A4-99B0A9A7E508}" srcOrd="0" destOrd="0" parTransId="{0EB8A1B5-4ABB-4BF1-BCA0-139B633D0A10}" sibTransId="{6EDF3A60-465A-4C7B-888C-67076FA09F78}"/>
     <dgm:cxn modelId="{81348913-ECFF-4D4B-A162-E138FBE4FF3A}" srcId="{10C74FA5-0A2E-49A7-B0DC-B764DE020798}" destId="{84508599-1A3D-4593-B51C-F49BB8F0AD58}" srcOrd="0" destOrd="0" parTransId="{C29FE88D-C9E8-4A9B-A7DB-40CEC4D38AA4}" sibTransId="{3AA4AD22-2F29-4FC7-8035-0FFB2394D752}"/>
-    <dgm:cxn modelId="{B49DB913-E273-4654-ACFB-2ED034E35EAE}" type="presOf" srcId="{8FAC09E2-4310-443B-8781-2F8E3E65FCF4}" destId="{8811B347-3CA0-4F8D-9ADF-82A8E4A19133}" srcOrd="0" destOrd="0" presId="urn:microsoft.com/office/officeart/2005/8/layout/hierarchy2"/>
+    <dgm:cxn modelId="{F0119E14-58DA-4A86-80A5-40337D358D67}" type="presOf" srcId="{F80E9FB5-245B-4B4E-832C-EA6DE66BA8BC}" destId="{2A9089B3-EA1F-45B6-8896-00AE1DF706AB}" srcOrd="1" destOrd="0" presId="urn:microsoft.com/office/officeart/2005/8/layout/hierarchy2"/>
+    <dgm:cxn modelId="{5A78B018-67D2-4868-83A3-A28EAF53AF05}" type="presOf" srcId="{08F4C6D0-BF1B-4EFB-BDDC-D4B061950481}" destId="{D4F7010C-A058-40F3-B86C-D2C3487EAA00}" srcOrd="1" destOrd="0" presId="urn:microsoft.com/office/officeart/2005/8/layout/hierarchy2"/>
     <dgm:cxn modelId="{7FCB151C-DD86-41D2-B0B4-61AFDA06EA50}" srcId="{D6B110F3-50D2-4518-9293-7F2BA384B0E4}" destId="{7DEA1E75-87F2-447D-B534-E5208036D56A}" srcOrd="0" destOrd="0" parTransId="{10DF61FA-44C8-415B-8A38-39AD0D8AC22B}" sibTransId="{5A1B75A8-C26B-4F12-B4BA-71810FA1D75A}"/>
-    <dgm:cxn modelId="{79581221-A37C-4EF9-BA0A-C01ACF6B525A}" type="presOf" srcId="{BCDBFC10-46AB-4DE9-AE8B-891CDA8DB10F}" destId="{5317B01C-632D-41ED-9B4F-575F93F78D14}" srcOrd="0" destOrd="0" presId="urn:microsoft.com/office/officeart/2005/8/layout/hierarchy2"/>
-    <dgm:cxn modelId="{236E0F23-E45C-4C0E-81CD-747217CD4E39}" type="presOf" srcId="{304306B8-19D2-4957-837D-C83D90C660FC}" destId="{5B5FA48C-4AD0-4CA2-BEE7-CF6169F10446}" srcOrd="0" destOrd="0" presId="urn:microsoft.com/office/officeart/2005/8/layout/hierarchy2"/>
-    <dgm:cxn modelId="{ADCCFE23-AB23-42B7-A6E2-371AF773ACE4}" type="presOf" srcId="{5E07F28A-AE4B-46B5-8ACE-1BD7C8D3B1E4}" destId="{151D1481-29B4-45FF-B4F8-72DFB5A22479}" srcOrd="1" destOrd="0" presId="urn:microsoft.com/office/officeart/2005/8/layout/hierarchy2"/>
-    <dgm:cxn modelId="{329A2727-BB30-4819-B5BD-A8EBD5992392}" type="presOf" srcId="{3BACAA0F-EAA3-48CC-ADF5-7170067E6918}" destId="{AEF74CEC-A056-4CE4-A217-8116CEA5D3CE}" srcOrd="1" destOrd="0" presId="urn:microsoft.com/office/officeart/2005/8/layout/hierarchy2"/>
-    <dgm:cxn modelId="{A26D3B2A-45A2-462D-9E77-07631379AC5F}" type="presOf" srcId="{E1F26707-39B3-4572-8808-97DFB7991816}" destId="{17D6A3AF-E275-429E-A045-676D06B2227E}" srcOrd="1" destOrd="0" presId="urn:microsoft.com/office/officeart/2005/8/layout/hierarchy2"/>
-    <dgm:cxn modelId="{C8C9922D-1E47-4295-A0FA-7B2273939BE7}" type="presOf" srcId="{304306B8-19D2-4957-837D-C83D90C660FC}" destId="{B4797B48-8F0B-458B-BFA8-8CC18E468CCC}" srcOrd="1" destOrd="0" presId="urn:microsoft.com/office/officeart/2005/8/layout/hierarchy2"/>
-    <dgm:cxn modelId="{ADCFA42F-837E-4145-8CA3-80825A4B6256}" type="presOf" srcId="{3AAD7AE7-8098-4220-8B40-F8AED200E147}" destId="{FF517301-59CB-48E9-A8F2-A57881B73B39}" srcOrd="1" destOrd="0" presId="urn:microsoft.com/office/officeart/2005/8/layout/hierarchy2"/>
-    <dgm:cxn modelId="{FC00D730-2986-4934-AA4A-EEC29787BDFA}" type="presOf" srcId="{E8C5750E-43CB-4535-9FFB-DC7CCA920C19}" destId="{029C2F7D-E46F-49C0-BAEA-189E8249E129}" srcOrd="1" destOrd="0" presId="urn:microsoft.com/office/officeart/2005/8/layout/hierarchy2"/>
-    <dgm:cxn modelId="{301FE734-4960-4D18-863D-68E306B18FA0}" type="presOf" srcId="{236F8D71-9BA6-4217-99D3-97438A8B5BCC}" destId="{70CFBB8A-866E-4BF8-BA5A-17C5A644F6FA}" srcOrd="0" destOrd="0" presId="urn:microsoft.com/office/officeart/2005/8/layout/hierarchy2"/>
-    <dgm:cxn modelId="{6889AB36-98BE-43C5-993C-5FDA3656C93C}" srcId="{FC6F06F9-71A3-48F4-98A4-99B0A9A7E508}" destId="{10C74FA5-0A2E-49A7-B0DC-B764DE020798}" srcOrd="4" destOrd="0" parTransId="{F80E9FB5-245B-4B4E-832C-EA6DE66BA8BC}" sibTransId="{263137BB-F25F-4E83-94C9-550EBDC05AB4}"/>
-    <dgm:cxn modelId="{A2350E37-5CDA-4ADB-9851-772E6DEB9CF3}" type="presOf" srcId="{C927618E-E4C5-4EB8-B196-8B81857F41B9}" destId="{F2B8A188-3718-407D-B3FC-C96FD0776F40}" srcOrd="0" destOrd="0" presId="urn:microsoft.com/office/officeart/2005/8/layout/hierarchy2"/>
-    <dgm:cxn modelId="{55667538-F0CA-40C3-AAC6-8F7E58ECB25B}" srcId="{FC6F06F9-71A3-48F4-98A4-99B0A9A7E508}" destId="{753B163C-EF57-48CA-9EC4-9D4051C138F3}" srcOrd="2" destOrd="0" parTransId="{E8C5750E-43CB-4535-9FFB-DC7CCA920C19}" sibTransId="{F336FF58-C878-44A7-89D7-02EEFAAB9571}"/>
+    <dgm:cxn modelId="{E4FC421E-6E69-458E-8DAB-D69CA1FFA29A}" type="presOf" srcId="{BCDBFC10-46AB-4DE9-AE8B-891CDA8DB10F}" destId="{5317B01C-632D-41ED-9B4F-575F93F78D14}" srcOrd="0" destOrd="0" presId="urn:microsoft.com/office/officeart/2005/8/layout/hierarchy2"/>
+    <dgm:cxn modelId="{7C224F21-F09E-4918-8155-6E13467A183D}" type="presOf" srcId="{2EE9D11B-C917-4350-897D-8997B8FEF306}" destId="{492E0CC5-DB24-47C3-89BF-AAB2D7E0BB53}" srcOrd="0" destOrd="0" presId="urn:microsoft.com/office/officeart/2005/8/layout/hierarchy2"/>
+    <dgm:cxn modelId="{8F2CB221-DE10-4257-8620-7F52833FBA06}" type="presOf" srcId="{84508599-1A3D-4593-B51C-F49BB8F0AD58}" destId="{EC622A1A-AEB5-42E2-975D-D69ED6769D96}" srcOrd="0" destOrd="0" presId="urn:microsoft.com/office/officeart/2005/8/layout/hierarchy2"/>
+    <dgm:cxn modelId="{61C75424-E2AA-44C1-AA16-7D962E84559F}" type="presOf" srcId="{304306B8-19D2-4957-837D-C83D90C660FC}" destId="{B4797B48-8F0B-458B-BFA8-8CC18E468CCC}" srcOrd="1" destOrd="0" presId="urn:microsoft.com/office/officeart/2005/8/layout/hierarchy2"/>
+    <dgm:cxn modelId="{6A30102A-9761-4901-874A-F5A8CDD640C4}" type="presOf" srcId="{CF8C5C11-80B9-4E1C-AB8D-7EE71EC4F2F2}" destId="{FFB091AB-A198-43E4-AE0F-D8E1EDDD9E7B}" srcOrd="0" destOrd="0" presId="urn:microsoft.com/office/officeart/2005/8/layout/hierarchy2"/>
+    <dgm:cxn modelId="{73531830-8D74-4CA1-B622-CC6B810B0BE9}" type="presOf" srcId="{9DC6CE0D-40E7-4F58-B884-B5B3EBCA6055}" destId="{C6D9BABC-F985-47AA-875D-6C6A278B17C1}" srcOrd="0" destOrd="0" presId="urn:microsoft.com/office/officeart/2005/8/layout/hierarchy2"/>
+    <dgm:cxn modelId="{CA340B31-6493-4221-A022-A279652D8B75}" type="presOf" srcId="{C29FE88D-C9E8-4A9B-A7DB-40CEC4D38AA4}" destId="{A8C77022-2B90-4DD3-819C-D689CD601317}" srcOrd="0" destOrd="0" presId="urn:microsoft.com/office/officeart/2005/8/layout/hierarchy2"/>
+    <dgm:cxn modelId="{4EE60734-362A-429C-AE1D-B6615F39EE25}" type="presOf" srcId="{10C74FA5-0A2E-49A7-B0DC-B764DE020798}" destId="{0A2A203D-85AF-4728-8F33-3502D8A76382}" srcOrd="0" destOrd="0" presId="urn:microsoft.com/office/officeart/2005/8/layout/hierarchy2"/>
+    <dgm:cxn modelId="{7FAE1534-9ADB-4E48-A663-98B417B0EB02}" type="presOf" srcId="{49948421-60BA-41FC-9475-99707CE5F3B4}" destId="{0995233A-EDD6-4B88-BE42-13A3AA8E3276}" srcOrd="1" destOrd="0" presId="urn:microsoft.com/office/officeart/2005/8/layout/hierarchy2"/>
+    <dgm:cxn modelId="{6889AB36-98BE-43C5-993C-5FDA3656C93C}" srcId="{FC6F06F9-71A3-48F4-98A4-99B0A9A7E508}" destId="{10C74FA5-0A2E-49A7-B0DC-B764DE020798}" srcOrd="5" destOrd="0" parTransId="{F80E9FB5-245B-4B4E-832C-EA6DE66BA8BC}" sibTransId="{263137BB-F25F-4E83-94C9-550EBDC05AB4}"/>
+    <dgm:cxn modelId="{DF371A38-5B15-479F-AC21-E728DDBEA9CC}" type="presOf" srcId="{96FAFBDE-08E6-43AA-9EE7-8F9A4A02B997}" destId="{2DB65B5D-6F26-47A9-A104-221CE4DA8E04}" srcOrd="0" destOrd="0" presId="urn:microsoft.com/office/officeart/2005/8/layout/hierarchy2"/>
+    <dgm:cxn modelId="{55667538-F0CA-40C3-AAC6-8F7E58ECB25B}" srcId="{FC6F06F9-71A3-48F4-98A4-99B0A9A7E508}" destId="{753B163C-EF57-48CA-9EC4-9D4051C138F3}" srcOrd="3" destOrd="0" parTransId="{E8C5750E-43CB-4535-9FFB-DC7CCA920C19}" sibTransId="{F336FF58-C878-44A7-89D7-02EEFAAB9571}"/>
+    <dgm:cxn modelId="{F87A123C-A6E5-4258-822F-AE201A6B4B0F}" type="presOf" srcId="{D6636A7F-318C-41D1-9ECF-632945AFD290}" destId="{436A9D22-A917-4CDD-B382-4C713659566F}" srcOrd="0" destOrd="0" presId="urn:microsoft.com/office/officeart/2005/8/layout/hierarchy2"/>
     <dgm:cxn modelId="{89D47D3D-A8F5-4029-BE9B-06C97E1DA8C7}" type="presOf" srcId="{09E86733-ABBF-4632-9138-CD45C40604B7}" destId="{187136B9-0D1A-486B-8631-865706A98BE4}" srcOrd="0" destOrd="0" presId="urn:microsoft.com/office/officeart/2005/8/layout/hierarchy2"/>
-    <dgm:cxn modelId="{70E5D140-9B5B-415F-9DBF-D1ABBD880B71}" type="presOf" srcId="{10DF61FA-44C8-415B-8A38-39AD0D8AC22B}" destId="{8AD7CEF2-CBDC-480D-92CE-CE8A2DEA68CB}" srcOrd="1" destOrd="0" presId="urn:microsoft.com/office/officeart/2005/8/layout/hierarchy2"/>
-    <dgm:cxn modelId="{31284C60-4C55-4055-A5DD-13E0677AB420}" type="presOf" srcId="{F80E9FB5-245B-4B4E-832C-EA6DE66BA8BC}" destId="{751370BC-F990-401D-B1CF-AC804C8AFD7D}" srcOrd="0" destOrd="0" presId="urn:microsoft.com/office/officeart/2005/8/layout/hierarchy2"/>
-    <dgm:cxn modelId="{C00E2443-73CD-4A43-8E32-B8608B061635}" type="presOf" srcId="{E2D534DA-9633-4DBB-B32C-15754E51E58E}" destId="{D2FAC230-2C60-4E83-AF8E-FD8A9E51E382}" srcOrd="0" destOrd="0" presId="urn:microsoft.com/office/officeart/2005/8/layout/hierarchy2"/>
-    <dgm:cxn modelId="{AD6C7D44-0CC2-4FAE-A673-83138B51EF60}" type="presOf" srcId="{D38CE29B-AC90-4821-AB32-70919D561556}" destId="{27ED22BB-1B07-45A4-A559-F7750CF8A5D1}" srcOrd="0" destOrd="0" presId="urn:microsoft.com/office/officeart/2005/8/layout/hierarchy2"/>
-    <dgm:cxn modelId="{7C3AA346-1E7D-44B3-849E-48248F9A25F4}" type="presOf" srcId="{236F8D71-9BA6-4217-99D3-97438A8B5BCC}" destId="{708C464A-8BFF-4EA9-A750-6F6EF9D492AE}" srcOrd="1" destOrd="0" presId="urn:microsoft.com/office/officeart/2005/8/layout/hierarchy2"/>
+    <dgm:cxn modelId="{9835513F-C1EE-489B-89E6-99C6B627F081}" type="presOf" srcId="{7DEA1E75-87F2-447D-B534-E5208036D56A}" destId="{A8637265-3E6B-4DAA-A8CD-1BE5A68BBEFD}" srcOrd="0" destOrd="0" presId="urn:microsoft.com/office/officeart/2005/8/layout/hierarchy2"/>
+    <dgm:cxn modelId="{441A355E-F587-46AA-A5B8-DE84A860DBD7}" type="presOf" srcId="{D38CE29B-AC90-4821-AB32-70919D561556}" destId="{7574E4DC-2299-4D49-8575-0494268971B4}" srcOrd="1" destOrd="0" presId="urn:microsoft.com/office/officeart/2005/8/layout/hierarchy2"/>
+    <dgm:cxn modelId="{6C5FA75E-AFEC-487C-BA44-83348B2764B3}" type="presOf" srcId="{49948421-60BA-41FC-9475-99707CE5F3B4}" destId="{91366EF6-BF68-402D-ADC9-51B302157398}" srcOrd="0" destOrd="0" presId="urn:microsoft.com/office/officeart/2005/8/layout/hierarchy2"/>
+    <dgm:cxn modelId="{21E67F62-22BB-40DA-B52C-E68D07EDBEFA}" type="presOf" srcId="{5E07F28A-AE4B-46B5-8ACE-1BD7C8D3B1E4}" destId="{151D1481-29B4-45FF-B4F8-72DFB5A22479}" srcOrd="1" destOrd="0" presId="urn:microsoft.com/office/officeart/2005/8/layout/hierarchy2"/>
+    <dgm:cxn modelId="{AAA53443-7721-4AB3-AC3A-D17E6BF55B25}" type="presOf" srcId="{96FAFBDE-08E6-43AA-9EE7-8F9A4A02B997}" destId="{C3F020B0-E1BB-4D24-9012-EFA30F7EC79D}" srcOrd="1" destOrd="0" presId="urn:microsoft.com/office/officeart/2005/8/layout/hierarchy2"/>
+    <dgm:cxn modelId="{11F29163-A2F2-4DFA-B299-B10BC70A4689}" type="presOf" srcId="{3AAD7AE7-8098-4220-8B40-F8AED200E147}" destId="{0269DBC0-5BBF-4DA1-89F6-EE09AE81A02A}" srcOrd="0" destOrd="0" presId="urn:microsoft.com/office/officeart/2005/8/layout/hierarchy2"/>
+    <dgm:cxn modelId="{CC194344-BC6E-4C57-B7AA-5F952783E628}" type="presOf" srcId="{753B163C-EF57-48CA-9EC4-9D4051C138F3}" destId="{7D33D451-C787-486D-93F4-3E2824006D67}" srcOrd="0" destOrd="0" presId="urn:microsoft.com/office/officeart/2005/8/layout/hierarchy2"/>
+    <dgm:cxn modelId="{FB719664-CC54-4846-9F16-C0684F350957}" type="presOf" srcId="{E1F26707-39B3-4572-8808-97DFB7991816}" destId="{17D6A3AF-E275-429E-A045-676D06B2227E}" srcOrd="1" destOrd="0" presId="urn:microsoft.com/office/officeart/2005/8/layout/hierarchy2"/>
+    <dgm:cxn modelId="{2F8C4467-1ED8-4220-86BC-E941CAEE860D}" type="presOf" srcId="{394F961C-E724-47B6-B260-776F61E7779D}" destId="{678539AC-E490-4287-B0D8-6B3B8C7D8926}" srcOrd="1" destOrd="0" presId="urn:microsoft.com/office/officeart/2005/8/layout/hierarchy2"/>
+    <dgm:cxn modelId="{62CC7269-E545-481F-96FB-457FAC9BE67E}" type="presOf" srcId="{8FAC09E2-4310-443B-8781-2F8E3E65FCF4}" destId="{8811B347-3CA0-4F8D-9ADF-82A8E4A19133}" srcOrd="0" destOrd="0" presId="urn:microsoft.com/office/officeart/2005/8/layout/hierarchy2"/>
+    <dgm:cxn modelId="{C1477A69-C4F0-4386-BF6E-380188C5C311}" type="presOf" srcId="{10DF61FA-44C8-415B-8A38-39AD0D8AC22B}" destId="{6CFC26EE-92A6-42DB-AC11-4F5C6E7A79A5}" srcOrd="0" destOrd="0" presId="urn:microsoft.com/office/officeart/2005/8/layout/hierarchy2"/>
     <dgm:cxn modelId="{1D48BD6A-E729-40AA-ADF4-B3B721AB8C84}" srcId="{53EAA76A-B5F3-40A6-B159-D6620968CAAB}" destId="{D6636A7F-318C-41D1-9ECF-632945AFD290}" srcOrd="0" destOrd="0" parTransId="{E1F26707-39B3-4572-8808-97DFB7991816}" sibTransId="{573AB957-B4EF-415B-B3CC-D09D6C7C7963}"/>
-    <dgm:cxn modelId="{5FB87C6C-502B-456B-BB86-C146DC30AF9D}" type="presOf" srcId="{3BACAA0F-EAA3-48CC-ADF5-7170067E6918}" destId="{B33E6943-02B4-4B38-A335-173F99D1B66E}" srcOrd="0" destOrd="0" presId="urn:microsoft.com/office/officeart/2005/8/layout/hierarchy2"/>
-    <dgm:cxn modelId="{ABD6AD76-7587-4245-8AA6-190727B9973F}" type="presOf" srcId="{C29FE88D-C9E8-4A9B-A7DB-40CEC4D38AA4}" destId="{A8C77022-2B90-4DD3-819C-D689CD601317}" srcOrd="0" destOrd="0" presId="urn:microsoft.com/office/officeart/2005/8/layout/hierarchy2"/>
-    <dgm:cxn modelId="{04D25157-3CA6-48FC-AF78-4C3E951EA8C8}" type="presOf" srcId="{2EE9D11B-C917-4350-897D-8997B8FEF306}" destId="{492E0CC5-DB24-47C3-89BF-AAB2D7E0BB53}" srcOrd="0" destOrd="0" presId="urn:microsoft.com/office/officeart/2005/8/layout/hierarchy2"/>
+    <dgm:cxn modelId="{6D1F3E6B-AB69-4093-ADA0-FCFB0DC01EE6}" type="presOf" srcId="{5E07F28A-AE4B-46B5-8ACE-1BD7C8D3B1E4}" destId="{F8C47E08-57AD-4AB9-B6F1-D6CDD5075FF5}" srcOrd="0" destOrd="0" presId="urn:microsoft.com/office/officeart/2005/8/layout/hierarchy2"/>
+    <dgm:cxn modelId="{C6A4394F-F3B4-47A5-AD41-FCE9DF98E587}" type="presOf" srcId="{3AAD7AE7-8098-4220-8B40-F8AED200E147}" destId="{FF517301-59CB-48E9-A8F2-A57881B73B39}" srcOrd="1" destOrd="0" presId="urn:microsoft.com/office/officeart/2005/8/layout/hierarchy2"/>
+    <dgm:cxn modelId="{156D2350-EA80-4739-924D-2BDC40268A0B}" type="presOf" srcId="{44DD04F2-FDF4-44C4-8542-195BB81B25EA}" destId="{447DC584-2A91-4F03-9DBB-EFCA8D39C53F}" srcOrd="0" destOrd="0" presId="urn:microsoft.com/office/officeart/2005/8/layout/hierarchy2"/>
+    <dgm:cxn modelId="{F5D99453-4541-45C2-AD06-417046FDED1D}" type="presOf" srcId="{236F8D71-9BA6-4217-99D3-97438A8B5BCC}" destId="{70CFBB8A-866E-4BF8-BA5A-17C5A644F6FA}" srcOrd="0" destOrd="0" presId="urn:microsoft.com/office/officeart/2005/8/layout/hierarchy2"/>
+    <dgm:cxn modelId="{4968D254-CF39-405B-AF3D-5BE72DE61064}" type="presOf" srcId="{CE62804A-0038-4A99-9C6B-69C13094BBB0}" destId="{CFF603C7-BD42-4313-A3BD-F0E96555881B}" srcOrd="0" destOrd="0" presId="urn:microsoft.com/office/officeart/2005/8/layout/hierarchy2"/>
+    <dgm:cxn modelId="{76182A81-3A59-40A0-ADF5-2BED9DD81AAA}" type="presOf" srcId="{D38CE29B-AC90-4821-AB32-70919D561556}" destId="{27ED22BB-1B07-45A4-A559-F7750CF8A5D1}" srcOrd="0" destOrd="0" presId="urn:microsoft.com/office/officeart/2005/8/layout/hierarchy2"/>
+    <dgm:cxn modelId="{2E956B82-197D-4EF8-890D-C3C349356984}" type="presOf" srcId="{12C6DF6C-34C0-49A0-A09B-43CEB4BD4136}" destId="{A3719D20-29DC-4490-A24C-2BD557049D04}" srcOrd="0" destOrd="0" presId="urn:microsoft.com/office/officeart/2005/8/layout/hierarchy2"/>
     <dgm:cxn modelId="{2D177183-9290-4887-B1AD-D5E090E6BA26}" srcId="{BEF70E4F-6C90-4A54-A966-CB8910E7D1AD}" destId="{8FAC09E2-4310-443B-8781-2F8E3E65FCF4}" srcOrd="0" destOrd="0" parTransId="{D38CE29B-AC90-4821-AB32-70919D561556}" sibTransId="{42778CE7-4519-433E-8AAE-4093180FF98A}"/>
-    <dgm:cxn modelId="{7693BB83-FC28-4A11-937B-FA1805DFC1C8}" type="presOf" srcId="{C29FE88D-C9E8-4A9B-A7DB-40CEC4D38AA4}" destId="{8EC6DA10-EED2-42BF-993A-A3E2AEB6E9B7}" srcOrd="1" destOrd="0" presId="urn:microsoft.com/office/officeart/2005/8/layout/hierarchy2"/>
-    <dgm:cxn modelId="{A4C0C085-52F9-4D03-ABE3-7372571CAF61}" type="presOf" srcId="{10C74FA5-0A2E-49A7-B0DC-B764DE020798}" destId="{0A2A203D-85AF-4728-8F33-3502D8A76382}" srcOrd="0" destOrd="0" presId="urn:microsoft.com/office/officeart/2005/8/layout/hierarchy2"/>
+    <dgm:cxn modelId="{E3869088-6390-4B7A-B6C3-4F5F10F79C22}" type="presOf" srcId="{C927618E-E4C5-4EB8-B196-8B81857F41B9}" destId="{F2B8A188-3718-407D-B3FC-C96FD0776F40}" srcOrd="0" destOrd="0" presId="urn:microsoft.com/office/officeart/2005/8/layout/hierarchy2"/>
+    <dgm:cxn modelId="{7D27758B-59F4-405E-93BC-8E27FE5B82C0}" type="presOf" srcId="{A0432CB0-0F5A-4B2D-8A0F-F1F100A2A71B}" destId="{E6C1A487-2B45-4052-88BA-5317FE37591F}" srcOrd="1" destOrd="0" presId="urn:microsoft.com/office/officeart/2005/8/layout/hierarchy2"/>
     <dgm:cxn modelId="{D3AC738D-FDE3-4D96-AA9F-83DB2E834E8C}" srcId="{44DD04F2-FDF4-44C4-8542-195BB81B25EA}" destId="{3FA60838-6DC1-450E-9542-ABEEA306A3A7}" srcOrd="2" destOrd="0" parTransId="{A0432CB0-0F5A-4B2D-8A0F-F1F100A2A71B}" sibTransId="{B3F255ED-78FA-4AA7-BB74-A5EB4D772AB5}"/>
     <dgm:cxn modelId="{0E04638F-E9E3-4666-8B6D-ACE57C27AB97}" type="presOf" srcId="{FC6F06F9-71A3-48F4-98A4-99B0A9A7E508}" destId="{EABB99F0-C4AC-4162-8D07-6F7B0ECB250A}" srcOrd="0" destOrd="0" presId="urn:microsoft.com/office/officeart/2005/8/layout/hierarchy2"/>
-    <dgm:cxn modelId="{338CCF94-246A-49D7-87E4-76A4029295F1}" type="presOf" srcId="{96FAFBDE-08E6-43AA-9EE7-8F9A4A02B997}" destId="{C3F020B0-E1BB-4D24-9012-EFA30F7EC79D}" srcOrd="1" destOrd="0" presId="urn:microsoft.com/office/officeart/2005/8/layout/hierarchy2"/>
+    <dgm:cxn modelId="{38A3BA91-5D6F-439F-80B6-8C1D6794EFAB}" type="presOf" srcId="{CF8C5C11-80B9-4E1C-AB8D-7EE71EC4F2F2}" destId="{77EE5E29-F728-4149-891F-2BCD5BCD2BF5}" srcOrd="1" destOrd="0" presId="urn:microsoft.com/office/officeart/2005/8/layout/hierarchy2"/>
+    <dgm:cxn modelId="{CDB6DF91-D962-4E94-AA7D-343FCA32F928}" type="presOf" srcId="{E8C5750E-43CB-4535-9FFB-DC7CCA920C19}" destId="{029C2F7D-E46F-49C0-BAEA-189E8249E129}" srcOrd="1" destOrd="0" presId="urn:microsoft.com/office/officeart/2005/8/layout/hierarchy2"/>
+    <dgm:cxn modelId="{6C536E95-D7CA-4C1E-9B9D-734F57EF54BE}" type="presOf" srcId="{DFC56D10-00F3-4070-B40C-962A023BAF82}" destId="{E87455D2-D3D8-415C-9FC2-059EA4FB9A51}" srcOrd="1" destOrd="0" presId="urn:microsoft.com/office/officeart/2005/8/layout/hierarchy2"/>
     <dgm:cxn modelId="{7694339C-DFCD-4F1E-9191-87A141C5184B}" srcId="{E2D534DA-9633-4DBB-B32C-15754E51E58E}" destId="{D6B110F3-50D2-4518-9293-7F2BA384B0E4}" srcOrd="0" destOrd="0" parTransId="{49948421-60BA-41FC-9475-99707CE5F3B4}" sibTransId="{FCAB5C6C-1D54-4E7A-A938-76DBC0C48177}"/>
-    <dgm:cxn modelId="{C0C5E59C-D3EC-492E-83EA-8444E95AE8AE}" type="presOf" srcId="{10DF61FA-44C8-415B-8A38-39AD0D8AC22B}" destId="{6CFC26EE-92A6-42DB-AC11-4F5C6E7A79A5}" srcOrd="0" destOrd="0" presId="urn:microsoft.com/office/officeart/2005/8/layout/hierarchy2"/>
-    <dgm:cxn modelId="{C7E1019F-FDDE-4F52-BC4F-9B64E07E85B9}" type="presOf" srcId="{CF8C5C11-80B9-4E1C-AB8D-7EE71EC4F2F2}" destId="{FFB091AB-A198-43E4-AE0F-D8E1EDDD9E7B}" srcOrd="0" destOrd="0" presId="urn:microsoft.com/office/officeart/2005/8/layout/hierarchy2"/>
-    <dgm:cxn modelId="{3DCF09A0-C22E-42C5-9B30-3F850F38B8F3}" type="presOf" srcId="{D6636A7F-318C-41D1-9ECF-632945AFD290}" destId="{436A9D22-A917-4CDD-B382-4C713659566F}" srcOrd="0" destOrd="0" presId="urn:microsoft.com/office/officeart/2005/8/layout/hierarchy2"/>
-    <dgm:cxn modelId="{E11FFBA1-003D-4A53-B115-2D8ED85DFD17}" type="presOf" srcId="{A0432CB0-0F5A-4B2D-8A0F-F1F100A2A71B}" destId="{E6C1A487-2B45-4052-88BA-5317FE37591F}" srcOrd="1" destOrd="0" presId="urn:microsoft.com/office/officeart/2005/8/layout/hierarchy2"/>
-    <dgm:cxn modelId="{81BC19A3-8D1B-429C-AEFC-2959CE4A861D}" type="presOf" srcId="{0B81162A-04C3-4A97-B642-AEB522429BF4}" destId="{DA2ECC67-C634-4F6C-921B-E2AC98CDA1E0}" srcOrd="0" destOrd="0" presId="urn:microsoft.com/office/officeart/2005/8/layout/hierarchy2"/>
-    <dgm:cxn modelId="{24AC9AAE-AC3B-4C20-892C-8CC6E0F5A075}" type="presOf" srcId="{44DD04F2-FDF4-44C4-8542-195BB81B25EA}" destId="{447DC584-2A91-4F03-9DBB-EFCA8D39C53F}" srcOrd="0" destOrd="0" presId="urn:microsoft.com/office/officeart/2005/8/layout/hierarchy2"/>
+    <dgm:cxn modelId="{67711C9D-7BFC-4F59-AC70-89A05A74B056}" type="presOf" srcId="{3FA60838-6DC1-450E-9542-ABEEA306A3A7}" destId="{A3C90C79-72EF-4F43-8CD4-921235325172}" srcOrd="0" destOrd="0" presId="urn:microsoft.com/office/officeart/2005/8/layout/hierarchy2"/>
+    <dgm:cxn modelId="{53F8A1A2-3887-4503-AF84-5451B63D2F45}" type="presOf" srcId="{A0432CB0-0F5A-4B2D-8A0F-F1F100A2A71B}" destId="{63F66676-0601-45DD-9E99-1040000B4306}" srcOrd="0" destOrd="0" presId="urn:microsoft.com/office/officeart/2005/8/layout/hierarchy2"/>
+    <dgm:cxn modelId="{14D844A7-0B71-482C-8BDE-9B4EBEA7298E}" type="presOf" srcId="{53EAA76A-B5F3-40A6-B159-D6620968CAAB}" destId="{89524B21-6DAB-4D8B-B0E5-2B32C11A7D3D}" srcOrd="0" destOrd="0" presId="urn:microsoft.com/office/officeart/2005/8/layout/hierarchy2"/>
+    <dgm:cxn modelId="{226F81AD-2065-4C99-8FE0-A1B970DC8279}" type="presOf" srcId="{E2D534DA-9633-4DBB-B32C-15754E51E58E}" destId="{D2FAC230-2C60-4E83-AF8E-FD8A9E51E382}" srcOrd="0" destOrd="0" presId="urn:microsoft.com/office/officeart/2005/8/layout/hierarchy2"/>
+    <dgm:cxn modelId="{02E7BBAF-AC57-41CE-AA2A-52A508B25038}" type="presOf" srcId="{10DF61FA-44C8-415B-8A38-39AD0D8AC22B}" destId="{8AD7CEF2-CBDC-480D-92CE-CE8A2DEA68CB}" srcOrd="1" destOrd="0" presId="urn:microsoft.com/office/officeart/2005/8/layout/hierarchy2"/>
+    <dgm:cxn modelId="{9EA212B0-E7F7-4F63-B955-E7067DAB1F2E}" type="presOf" srcId="{304306B8-19D2-4957-837D-C83D90C660FC}" destId="{5B5FA48C-4AD0-4CA2-BEE7-CF6169F10446}" srcOrd="0" destOrd="0" presId="urn:microsoft.com/office/officeart/2005/8/layout/hierarchy2"/>
     <dgm:cxn modelId="{805B1CB2-AAB2-4437-9D8C-6B57C5D6A3CC}" srcId="{44DD04F2-FDF4-44C4-8542-195BB81B25EA}" destId="{2EE9D11B-C917-4350-897D-8997B8FEF306}" srcOrd="0" destOrd="0" parTransId="{DFC56D10-00F3-4070-B40C-962A023BAF82}" sibTransId="{97A45607-CF08-4521-8728-E1717923C46B}"/>
-    <dgm:cxn modelId="{083573BA-FF8C-4598-ABC4-BD65F011E17C}" type="presOf" srcId="{CE62804A-0038-4A99-9C6B-69C13094BBB0}" destId="{CFF603C7-BD42-4313-A3BD-F0E96555881B}" srcOrd="0" destOrd="0" presId="urn:microsoft.com/office/officeart/2005/8/layout/hierarchy2"/>
-    <dgm:cxn modelId="{4F71B2BA-2D0D-46B1-BD8F-5FA4591C5E78}" srcId="{FC6F06F9-71A3-48F4-98A4-99B0A9A7E508}" destId="{0B81162A-04C3-4A97-B642-AEB522429BF4}" srcOrd="1" destOrd="0" parTransId="{3BACAA0F-EAA3-48CC-ADF5-7170067E6918}" sibTransId="{AA0FB553-10D1-4ECD-93E7-A99DE5185067}"/>
-    <dgm:cxn modelId="{F107EDBD-E7B7-4FEC-A7E3-39B762FC1B05}" type="presOf" srcId="{49948421-60BA-41FC-9475-99707CE5F3B4}" destId="{0995233A-EDD6-4B88-BE42-13A3AA8E3276}" srcOrd="1" destOrd="0" presId="urn:microsoft.com/office/officeart/2005/8/layout/hierarchy2"/>
-    <dgm:cxn modelId="{AA31F5C2-4F2F-4014-BDEC-4032AEFB3F18}" srcId="{FC6F06F9-71A3-48F4-98A4-99B0A9A7E508}" destId="{44DD04F2-FDF4-44C4-8542-195BB81B25EA}" srcOrd="3" destOrd="0" parTransId="{9DC6CE0D-40E7-4F58-B884-B5B3EBCA6055}" sibTransId="{A9A4C505-7348-40D1-8CA2-B5AAF91DEEA7}"/>
-    <dgm:cxn modelId="{A71291C3-D596-4AFC-91D0-B6EA45271635}" type="presOf" srcId="{3FA60838-6DC1-450E-9542-ABEEA306A3A7}" destId="{A3C90C79-72EF-4F43-8CD4-921235325172}" srcOrd="0" destOrd="0" presId="urn:microsoft.com/office/officeart/2005/8/layout/hierarchy2"/>
-    <dgm:cxn modelId="{CF6FE2C3-19CB-4D13-B24D-4D1BCC95C3B0}" type="presOf" srcId="{D38CE29B-AC90-4821-AB32-70919D561556}" destId="{7574E4DC-2299-4D49-8575-0494268971B4}" srcOrd="1" destOrd="0" presId="urn:microsoft.com/office/officeart/2005/8/layout/hierarchy2"/>
-    <dgm:cxn modelId="{D0B50EC6-5ECB-4304-9FEC-47BCA90EE26A}" type="presOf" srcId="{96FAFBDE-08E6-43AA-9EE7-8F9A4A02B997}" destId="{2DB65B5D-6F26-47A9-A104-221CE4DA8E04}" srcOrd="0" destOrd="0" presId="urn:microsoft.com/office/officeart/2005/8/layout/hierarchy2"/>
-    <dgm:cxn modelId="{20C73BC8-13D0-41C5-84CD-DC80B8B73B4E}" srcId="{FC6F06F9-71A3-48F4-98A4-99B0A9A7E508}" destId="{53EAA76A-B5F3-40A6-B159-D6620968CAAB}" srcOrd="0" destOrd="0" parTransId="{304306B8-19D2-4957-837D-C83D90C660FC}" sibTransId="{74098170-699E-4453-AE41-777B7D50F0D0}"/>
-    <dgm:cxn modelId="{A5C201CD-F6BD-4631-9964-98DAEE1DA21A}" type="presOf" srcId="{DFC56D10-00F3-4070-B40C-962A023BAF82}" destId="{D32E3006-F11A-493F-9664-74F09A568ADE}" srcOrd="0" destOrd="0" presId="urn:microsoft.com/office/officeart/2005/8/layout/hierarchy2"/>
+    <dgm:cxn modelId="{6DADF7B3-BB89-4B55-BCA2-6DBECF67DCB4}" type="presOf" srcId="{E8C5750E-43CB-4535-9FFB-DC7CCA920C19}" destId="{96EF483A-E398-4B55-BD5A-D4D3674A3178}" srcOrd="0" destOrd="0" presId="urn:microsoft.com/office/officeart/2005/8/layout/hierarchy2"/>
+    <dgm:cxn modelId="{4F71B2BA-2D0D-46B1-BD8F-5FA4591C5E78}" srcId="{FC6F06F9-71A3-48F4-98A4-99B0A9A7E508}" destId="{0B81162A-04C3-4A97-B642-AEB522429BF4}" srcOrd="2" destOrd="0" parTransId="{3BACAA0F-EAA3-48CC-ADF5-7170067E6918}" sibTransId="{AA0FB553-10D1-4ECD-93E7-A99DE5185067}"/>
+    <dgm:cxn modelId="{1F061DBB-1127-455B-84C2-AD1972EEDA5E}" type="presOf" srcId="{394F961C-E724-47B6-B260-776F61E7779D}" destId="{1FEC21F1-4B3F-4DAD-9C5D-4265622D7589}" srcOrd="0" destOrd="0" presId="urn:microsoft.com/office/officeart/2005/8/layout/hierarchy2"/>
+    <dgm:cxn modelId="{67E01EBB-7D4A-41E2-98B1-75EF2CB1D927}" type="presOf" srcId="{C29FE88D-C9E8-4A9B-A7DB-40CEC4D38AA4}" destId="{8EC6DA10-EED2-42BF-993A-A3E2AEB6E9B7}" srcOrd="1" destOrd="0" presId="urn:microsoft.com/office/officeart/2005/8/layout/hierarchy2"/>
+    <dgm:cxn modelId="{1A3F17BE-3BAC-4FC2-B839-FDBC1D4C45B5}" type="presOf" srcId="{236F8D71-9BA6-4217-99D3-97438A8B5BCC}" destId="{708C464A-8BFF-4EA9-A750-6F6EF9D492AE}" srcOrd="1" destOrd="0" presId="urn:microsoft.com/office/officeart/2005/8/layout/hierarchy2"/>
+    <dgm:cxn modelId="{317EC2C2-CBD1-41C0-962B-51B5A323918E}" type="presOf" srcId="{08F4C6D0-BF1B-4EFB-BDDC-D4B061950481}" destId="{10EBDB7D-D330-4DC9-BDC7-1DA0D11CDB9C}" srcOrd="0" destOrd="0" presId="urn:microsoft.com/office/officeart/2005/8/layout/hierarchy2"/>
+    <dgm:cxn modelId="{AA31F5C2-4F2F-4014-BDEC-4032AEFB3F18}" srcId="{FC6F06F9-71A3-48F4-98A4-99B0A9A7E508}" destId="{44DD04F2-FDF4-44C4-8542-195BB81B25EA}" srcOrd="4" destOrd="0" parTransId="{9DC6CE0D-40E7-4F58-B884-B5B3EBCA6055}" sibTransId="{A9A4C505-7348-40D1-8CA2-B5AAF91DEEA7}"/>
+    <dgm:cxn modelId="{C3C88BC7-A418-4ADC-9348-6CE67EEAC1A6}" type="presOf" srcId="{9DC6CE0D-40E7-4F58-B884-B5B3EBCA6055}" destId="{3348F8FA-812F-4116-9CD6-F3D5C8B6B5EE}" srcOrd="1" destOrd="0" presId="urn:microsoft.com/office/officeart/2005/8/layout/hierarchy2"/>
+    <dgm:cxn modelId="{20C73BC8-13D0-41C5-84CD-DC80B8B73B4E}" srcId="{FC6F06F9-71A3-48F4-98A4-99B0A9A7E508}" destId="{53EAA76A-B5F3-40A6-B159-D6620968CAAB}" srcOrd="1" destOrd="0" parTransId="{304306B8-19D2-4957-837D-C83D90C660FC}" sibTransId="{74098170-699E-4453-AE41-777B7D50F0D0}"/>
+    <dgm:cxn modelId="{076C2EC9-30B8-4B05-AA6D-817562EB6603}" type="presOf" srcId="{D6B110F3-50D2-4518-9293-7F2BA384B0E4}" destId="{011C0FC4-FA56-4769-AE71-41C91C033287}" srcOrd="0" destOrd="0" presId="urn:microsoft.com/office/officeart/2005/8/layout/hierarchy2"/>
+    <dgm:cxn modelId="{DEEE82CC-AF67-4156-AB3F-D87E6F3A2349}" type="presOf" srcId="{0B81162A-04C3-4A97-B642-AEB522429BF4}" destId="{DA2ECC67-C634-4F6C-921B-E2AC98CDA1E0}" srcOrd="0" destOrd="0" presId="urn:microsoft.com/office/officeart/2005/8/layout/hierarchy2"/>
     <dgm:cxn modelId="{D1A587CD-B5C4-42DD-AB29-E9CEE4504C7D}" srcId="{44DD04F2-FDF4-44C4-8542-195BB81B25EA}" destId="{CE62804A-0038-4A99-9C6B-69C13094BBB0}" srcOrd="1" destOrd="0" parTransId="{3AAD7AE7-8098-4220-8B40-F8AED200E147}" sibTransId="{E0009863-7C73-4A11-B5F7-8DD621FAEE0A}"/>
-    <dgm:cxn modelId="{271430D2-48D8-4064-BB3A-0BC4CF5D8EF2}" type="presOf" srcId="{9DC6CE0D-40E7-4F58-B884-B5B3EBCA6055}" destId="{C6D9BABC-F985-47AA-875D-6C6A278B17C1}" srcOrd="0" destOrd="0" presId="urn:microsoft.com/office/officeart/2005/8/layout/hierarchy2"/>
-    <dgm:cxn modelId="{F72E66D4-303C-401F-BDDB-C038C71B885E}" type="presOf" srcId="{F80E9FB5-245B-4B4E-832C-EA6DE66BA8BC}" destId="{2A9089B3-EA1F-45B6-8896-00AE1DF706AB}" srcOrd="1" destOrd="0" presId="urn:microsoft.com/office/officeart/2005/8/layout/hierarchy2"/>
-    <dgm:cxn modelId="{356FD1DD-7F3F-4ED5-8C51-2E42FAD3547B}" type="presOf" srcId="{5E07F28A-AE4B-46B5-8ACE-1BD7C8D3B1E4}" destId="{F8C47E08-57AD-4AB9-B6F1-D6CDD5075FF5}" srcOrd="0" destOrd="0" presId="urn:microsoft.com/office/officeart/2005/8/layout/hierarchy2"/>
+    <dgm:cxn modelId="{0C7986D2-DC7D-4A2C-81CF-0DF9604291B0}" type="presOf" srcId="{BEF70E4F-6C90-4A54-A966-CB8910E7D1AD}" destId="{D555D47B-CBD5-4A89-BD81-1C8B958A43FA}" srcOrd="0" destOrd="0" presId="urn:microsoft.com/office/officeart/2005/8/layout/hierarchy2"/>
+    <dgm:cxn modelId="{403F7AD6-4F49-4F9B-BF9A-85E6A65B3A3B}" type="presOf" srcId="{3BACAA0F-EAA3-48CC-ADF5-7170067E6918}" destId="{B33E6943-02B4-4B38-A335-173F99D1B66E}" srcOrd="0" destOrd="0" presId="urn:microsoft.com/office/officeart/2005/8/layout/hierarchy2"/>
     <dgm:cxn modelId="{D64AE6DE-927E-4132-B4C7-DC73954EEA75}" srcId="{753B163C-EF57-48CA-9EC4-9D4051C138F3}" destId="{E2D534DA-9633-4DBB-B32C-15754E51E58E}" srcOrd="2" destOrd="0" parTransId="{CF8C5C11-80B9-4E1C-AB8D-7EE71EC4F2F2}" sibTransId="{ABCE4B24-ECEB-4DAA-A244-790D58E0841D}"/>
-    <dgm:cxn modelId="{D43671DF-16ED-4AB2-A036-31B953FB156B}" srcId="{FC6F06F9-71A3-48F4-98A4-99B0A9A7E508}" destId="{FA812A13-74F7-4CE0-93F0-C43D937DB682}" srcOrd="5" destOrd="0" parTransId="{5E07F28A-AE4B-46B5-8ACE-1BD7C8D3B1E4}" sibTransId="{3C35250F-9365-4139-97B8-3F8962D5DD37}"/>
-    <dgm:cxn modelId="{FD907ADF-F0D9-4220-9200-0580BBCD1900}" type="presOf" srcId="{49948421-60BA-41FC-9475-99707CE5F3B4}" destId="{91366EF6-BF68-402D-ADC9-51B302157398}" srcOrd="0" destOrd="0" presId="urn:microsoft.com/office/officeart/2005/8/layout/hierarchy2"/>
-    <dgm:cxn modelId="{887C5AE3-A085-4294-A95D-581F7F977906}" type="presOf" srcId="{7DEA1E75-87F2-447D-B534-E5208036D56A}" destId="{A8637265-3E6B-4DAA-A8CD-1BE5A68BBEFD}" srcOrd="0" destOrd="0" presId="urn:microsoft.com/office/officeart/2005/8/layout/hierarchy2"/>
+    <dgm:cxn modelId="{D43671DF-16ED-4AB2-A036-31B953FB156B}" srcId="{FC6F06F9-71A3-48F4-98A4-99B0A9A7E508}" destId="{FA812A13-74F7-4CE0-93F0-C43D937DB682}" srcOrd="6" destOrd="0" parTransId="{5E07F28A-AE4B-46B5-8ACE-1BD7C8D3B1E4}" sibTransId="{3C35250F-9365-4139-97B8-3F8962D5DD37}"/>
     <dgm:cxn modelId="{B33C91E5-2B9E-4B6F-82B6-56E6A88FD888}" srcId="{753B163C-EF57-48CA-9EC4-9D4051C138F3}" destId="{BEF70E4F-6C90-4A54-A966-CB8910E7D1AD}" srcOrd="3" destOrd="0" parTransId="{96FAFBDE-08E6-43AA-9EE7-8F9A4A02B997}" sibTransId="{3E5E78AC-1B9D-4951-9CF6-5ED1315AA86B}"/>
-    <dgm:cxn modelId="{99EFBCE5-65F4-4C21-B6A5-92797E7ACE22}" type="presOf" srcId="{E8C5750E-43CB-4535-9FFB-DC7CCA920C19}" destId="{96EF483A-E398-4B55-BD5A-D4D3674A3178}" srcOrd="0" destOrd="0" presId="urn:microsoft.com/office/officeart/2005/8/layout/hierarchy2"/>
-    <dgm:cxn modelId="{EF006AEE-A630-4412-9162-E6FF919BFCB2}" type="presOf" srcId="{9DC6CE0D-40E7-4F58-B884-B5B3EBCA6055}" destId="{3348F8FA-812F-4116-9CD6-F3D5C8B6B5EE}" srcOrd="1" destOrd="0" presId="urn:microsoft.com/office/officeart/2005/8/layout/hierarchy2"/>
-    <dgm:cxn modelId="{4EC3F3F1-2F91-48B9-95D9-1BF9E555B653}" type="presOf" srcId="{E1F26707-39B3-4572-8808-97DFB7991816}" destId="{B8AE56E0-1F43-4EE2-A49B-E1E30F95E71C}" srcOrd="0" destOrd="0" presId="urn:microsoft.com/office/officeart/2005/8/layout/hierarchy2"/>
-    <dgm:cxn modelId="{526C8DF3-E671-4FA1-88F9-90C68CEC04A1}" type="presOf" srcId="{84508599-1A3D-4593-B51C-F49BB8F0AD58}" destId="{EC622A1A-AEB5-42E2-975D-D69ED6769D96}" srcOrd="0" destOrd="0" presId="urn:microsoft.com/office/officeart/2005/8/layout/hierarchy2"/>
-    <dgm:cxn modelId="{3CB9F6F9-3B19-4571-9C6A-2EFF7AF7F972}" type="presOf" srcId="{394F961C-E724-47B6-B260-776F61E7779D}" destId="{1FEC21F1-4B3F-4DAD-9C5D-4265622D7589}" srcOrd="0" destOrd="0" presId="urn:microsoft.com/office/officeart/2005/8/layout/hierarchy2"/>
+    <dgm:cxn modelId="{21FAA6E6-16FD-4745-9120-F58D52017102}" type="presOf" srcId="{3BACAA0F-EAA3-48CC-ADF5-7170067E6918}" destId="{AEF74CEC-A056-4CE4-A217-8116CEA5D3CE}" srcOrd="1" destOrd="0" presId="urn:microsoft.com/office/officeart/2005/8/layout/hierarchy2"/>
+    <dgm:cxn modelId="{9C4977E7-F35E-40E0-9F91-337D4FAF3E71}" type="presOf" srcId="{E1F26707-39B3-4572-8808-97DFB7991816}" destId="{B8AE56E0-1F43-4EE2-A49B-E1E30F95E71C}" srcOrd="0" destOrd="0" presId="urn:microsoft.com/office/officeart/2005/8/layout/hierarchy2"/>
+    <dgm:cxn modelId="{2F12B3F3-27B2-4617-A085-ADA94DF379A0}" type="presOf" srcId="{FA812A13-74F7-4CE0-93F0-C43D937DB682}" destId="{80197443-D504-44B1-8FA0-58F0FA622668}" srcOrd="0" destOrd="0" presId="urn:microsoft.com/office/officeart/2005/8/layout/hierarchy2"/>
     <dgm:cxn modelId="{AB5F7AFB-9E01-4F83-9123-06FAF1EECE8D}" srcId="{753B163C-EF57-48CA-9EC4-9D4051C138F3}" destId="{C927618E-E4C5-4EB8-B196-8B81857F41B9}" srcOrd="0" destOrd="0" parTransId="{394F961C-E724-47B6-B260-776F61E7779D}" sibTransId="{D9BA044E-024C-49D0-A552-506AE948DA34}"/>
-    <dgm:cxn modelId="{BDE5F6FB-8222-43BA-B830-B424CEDB8F11}" type="presOf" srcId="{A0432CB0-0F5A-4B2D-8A0F-F1F100A2A71B}" destId="{63F66676-0601-45DD-9E99-1040000B4306}" srcOrd="0" destOrd="0" presId="urn:microsoft.com/office/officeart/2005/8/layout/hierarchy2"/>
     <dgm:cxn modelId="{CEF77EFD-B4B3-44E1-B3C3-9B33232FEEA4}" srcId="{753B163C-EF57-48CA-9EC4-9D4051C138F3}" destId="{BCDBFC10-46AB-4DE9-AE8B-891CDA8DB10F}" srcOrd="1" destOrd="0" parTransId="{236F8D71-9BA6-4217-99D3-97438A8B5BCC}" sibTransId="{E08B1150-D82F-490D-8D58-2293D3E56916}"/>
+    <dgm:cxn modelId="{4553D0FD-159D-42E6-A3AF-D984B56C450C}" type="presOf" srcId="{F80E9FB5-245B-4B4E-832C-EA6DE66BA8BC}" destId="{751370BC-F990-401D-B1CF-AC804C8AFD7D}" srcOrd="0" destOrd="0" presId="urn:microsoft.com/office/officeart/2005/8/layout/hierarchy2"/>
     <dgm:cxn modelId="{CA9DE202-10BA-4B9E-AC85-BF2E4A1EED51}" type="presParOf" srcId="{187136B9-0D1A-486B-8631-865706A98BE4}" destId="{793E53E6-BEA2-463B-8367-E9C123FFEF8D}" srcOrd="0" destOrd="0" presId="urn:microsoft.com/office/officeart/2005/8/layout/hierarchy2"/>
     <dgm:cxn modelId="{79703BCC-EE75-42A4-8142-366BE35A58A8}" type="presParOf" srcId="{793E53E6-BEA2-463B-8367-E9C123FFEF8D}" destId="{EABB99F0-C4AC-4162-8D07-6F7B0ECB250A}" srcOrd="0" destOrd="0" presId="urn:microsoft.com/office/officeart/2005/8/layout/hierarchy2"/>
     <dgm:cxn modelId="{39BB5A92-DE02-4BDC-A009-865CA1106F96}" type="presParOf" srcId="{793E53E6-BEA2-463B-8367-E9C123FFEF8D}" destId="{67E3630E-F463-4D9F-8205-C12B688999F5}" srcOrd="1" destOrd="0" presId="urn:microsoft.com/office/officeart/2005/8/layout/hierarchy2"/>
-    <dgm:cxn modelId="{DF119437-04A9-40DA-89BD-0991D5B04F13}" type="presParOf" srcId="{67E3630E-F463-4D9F-8205-C12B688999F5}" destId="{5B5FA48C-4AD0-4CA2-BEE7-CF6169F10446}" srcOrd="0" destOrd="0" presId="urn:microsoft.com/office/officeart/2005/8/layout/hierarchy2"/>
-    <dgm:cxn modelId="{30B0C115-D0BE-4DF5-9FED-A5D4CC32DDCF}" type="presParOf" srcId="{5B5FA48C-4AD0-4CA2-BEE7-CF6169F10446}" destId="{B4797B48-8F0B-458B-BFA8-8CC18E468CCC}" srcOrd="0" destOrd="0" presId="urn:microsoft.com/office/officeart/2005/8/layout/hierarchy2"/>
-    <dgm:cxn modelId="{C9F9217E-FCB5-470D-9849-03B8274A9F8F}" type="presParOf" srcId="{67E3630E-F463-4D9F-8205-C12B688999F5}" destId="{1630DFE6-DD47-4A38-8BA2-B7B9470C118A}" srcOrd="1" destOrd="0" presId="urn:microsoft.com/office/officeart/2005/8/layout/hierarchy2"/>
-    <dgm:cxn modelId="{4C7BCDB8-332B-4D09-BF72-33098940E032}" type="presParOf" srcId="{1630DFE6-DD47-4A38-8BA2-B7B9470C118A}" destId="{89524B21-6DAB-4D8B-B0E5-2B32C11A7D3D}" srcOrd="0" destOrd="0" presId="urn:microsoft.com/office/officeart/2005/8/layout/hierarchy2"/>
-    <dgm:cxn modelId="{207317F3-9DEF-422B-8E52-3402DC088BE4}" type="presParOf" srcId="{1630DFE6-DD47-4A38-8BA2-B7B9470C118A}" destId="{AC19744D-A151-44B4-B23D-F00C7F41FF6C}" srcOrd="1" destOrd="0" presId="urn:microsoft.com/office/officeart/2005/8/layout/hierarchy2"/>
-    <dgm:cxn modelId="{652B0B66-FEDA-4706-8112-5650493A7AE7}" type="presParOf" srcId="{AC19744D-A151-44B4-B23D-F00C7F41FF6C}" destId="{B8AE56E0-1F43-4EE2-A49B-E1E30F95E71C}" srcOrd="0" destOrd="0" presId="urn:microsoft.com/office/officeart/2005/8/layout/hierarchy2"/>
-    <dgm:cxn modelId="{D80FE816-B72F-4B65-9E11-B69577E86374}" type="presParOf" srcId="{B8AE56E0-1F43-4EE2-A49B-E1E30F95E71C}" destId="{17D6A3AF-E275-429E-A045-676D06B2227E}" srcOrd="0" destOrd="0" presId="urn:microsoft.com/office/officeart/2005/8/layout/hierarchy2"/>
-    <dgm:cxn modelId="{D8423DC8-235A-44CD-B461-EB3BE7607DE1}" type="presParOf" srcId="{AC19744D-A151-44B4-B23D-F00C7F41FF6C}" destId="{3C1E602F-0FD6-48B7-AB11-30ABF4F8797E}" srcOrd="1" destOrd="0" presId="urn:microsoft.com/office/officeart/2005/8/layout/hierarchy2"/>
-    <dgm:cxn modelId="{04AA41D2-6D83-4CE1-8A5E-6D3C40B1F6CF}" type="presParOf" srcId="{3C1E602F-0FD6-48B7-AB11-30ABF4F8797E}" destId="{436A9D22-A917-4CDD-B382-4C713659566F}" srcOrd="0" destOrd="0" presId="urn:microsoft.com/office/officeart/2005/8/layout/hierarchy2"/>
-    <dgm:cxn modelId="{CE106BD5-EA99-4D80-AAD4-700CEAA42F7C}" type="presParOf" srcId="{3C1E602F-0FD6-48B7-AB11-30ABF4F8797E}" destId="{8F599ABF-D484-4F89-AF7C-7BF6C97943F9}" srcOrd="1" destOrd="0" presId="urn:microsoft.com/office/officeart/2005/8/layout/hierarchy2"/>
-    <dgm:cxn modelId="{1FA196DB-21AE-468A-8C01-1F959E53E0F7}" type="presParOf" srcId="{67E3630E-F463-4D9F-8205-C12B688999F5}" destId="{B33E6943-02B4-4B38-A335-173F99D1B66E}" srcOrd="2" destOrd="0" presId="urn:microsoft.com/office/officeart/2005/8/layout/hierarchy2"/>
-    <dgm:cxn modelId="{F5F74ACF-5489-4CC2-8BCC-9B03B7BF6477}" type="presParOf" srcId="{B33E6943-02B4-4B38-A335-173F99D1B66E}" destId="{AEF74CEC-A056-4CE4-A217-8116CEA5D3CE}" srcOrd="0" destOrd="0" presId="urn:microsoft.com/office/officeart/2005/8/layout/hierarchy2"/>
-    <dgm:cxn modelId="{8B5E7008-86BD-495A-B360-62C1812EAA7C}" type="presParOf" srcId="{67E3630E-F463-4D9F-8205-C12B688999F5}" destId="{C969BB49-D248-4AAF-AAFB-C8DB0191F2A6}" srcOrd="3" destOrd="0" presId="urn:microsoft.com/office/officeart/2005/8/layout/hierarchy2"/>
-    <dgm:cxn modelId="{53F7F076-E07E-43BC-870B-CE6E1C8D8AB4}" type="presParOf" srcId="{C969BB49-D248-4AAF-AAFB-C8DB0191F2A6}" destId="{DA2ECC67-C634-4F6C-921B-E2AC98CDA1E0}" srcOrd="0" destOrd="0" presId="urn:microsoft.com/office/officeart/2005/8/layout/hierarchy2"/>
-    <dgm:cxn modelId="{46C84CAA-43D0-4639-92CD-330390DE4060}" type="presParOf" srcId="{C969BB49-D248-4AAF-AAFB-C8DB0191F2A6}" destId="{90D97EA5-4496-4797-BAC2-095129C442C1}" srcOrd="1" destOrd="0" presId="urn:microsoft.com/office/officeart/2005/8/layout/hierarchy2"/>
-    <dgm:cxn modelId="{FC255A0A-18E1-47C5-B8BF-CDD970308FE6}" type="presParOf" srcId="{67E3630E-F463-4D9F-8205-C12B688999F5}" destId="{96EF483A-E398-4B55-BD5A-D4D3674A3178}" srcOrd="4" destOrd="0" presId="urn:microsoft.com/office/officeart/2005/8/layout/hierarchy2"/>
-    <dgm:cxn modelId="{47626FDE-952B-4D54-BE72-7EAC51E26B5C}" type="presParOf" srcId="{96EF483A-E398-4B55-BD5A-D4D3674A3178}" destId="{029C2F7D-E46F-49C0-BAEA-189E8249E129}" srcOrd="0" destOrd="0" presId="urn:microsoft.com/office/officeart/2005/8/layout/hierarchy2"/>
-    <dgm:cxn modelId="{9BEDAC69-624E-42A2-8D5B-077770FFC667}" type="presParOf" srcId="{67E3630E-F463-4D9F-8205-C12B688999F5}" destId="{491E4CB2-9E32-4190-BBA6-DCEE658D315B}" srcOrd="5" destOrd="0" presId="urn:microsoft.com/office/officeart/2005/8/layout/hierarchy2"/>
-    <dgm:cxn modelId="{BD92974B-B90A-4422-A38D-BB68D821C9BB}" type="presParOf" srcId="{491E4CB2-9E32-4190-BBA6-DCEE658D315B}" destId="{7D33D451-C787-486D-93F4-3E2824006D67}" srcOrd="0" destOrd="0" presId="urn:microsoft.com/office/officeart/2005/8/layout/hierarchy2"/>
-    <dgm:cxn modelId="{CCAB5C97-8E48-4707-9693-B65892337889}" type="presParOf" srcId="{491E4CB2-9E32-4190-BBA6-DCEE658D315B}" destId="{F28C9B11-6ED8-4F78-B4E3-FF2F062893C7}" srcOrd="1" destOrd="0" presId="urn:microsoft.com/office/officeart/2005/8/layout/hierarchy2"/>
-    <dgm:cxn modelId="{F287E057-DB59-40AD-8B00-F104D6445042}" type="presParOf" srcId="{F28C9B11-6ED8-4F78-B4E3-FF2F062893C7}" destId="{1FEC21F1-4B3F-4DAD-9C5D-4265622D7589}" srcOrd="0" destOrd="0" presId="urn:microsoft.com/office/officeart/2005/8/layout/hierarchy2"/>
-    <dgm:cxn modelId="{8F6B93A6-7404-412D-AB36-20FE188887C2}" type="presParOf" srcId="{1FEC21F1-4B3F-4DAD-9C5D-4265622D7589}" destId="{678539AC-E490-4287-B0D8-6B3B8C7D8926}" srcOrd="0" destOrd="0" presId="urn:microsoft.com/office/officeart/2005/8/layout/hierarchy2"/>
-    <dgm:cxn modelId="{AA297A9E-13CE-435A-8ED8-C80CEF1A2671}" type="presParOf" srcId="{F28C9B11-6ED8-4F78-B4E3-FF2F062893C7}" destId="{4A3CD411-E341-4794-AB2C-79463FE9A347}" srcOrd="1" destOrd="0" presId="urn:microsoft.com/office/officeart/2005/8/layout/hierarchy2"/>
-    <dgm:cxn modelId="{A322BF62-838C-406B-AD76-BDDFBD2598B9}" type="presParOf" srcId="{4A3CD411-E341-4794-AB2C-79463FE9A347}" destId="{F2B8A188-3718-407D-B3FC-C96FD0776F40}" srcOrd="0" destOrd="0" presId="urn:microsoft.com/office/officeart/2005/8/layout/hierarchy2"/>
-    <dgm:cxn modelId="{1DB06309-CE6F-493F-8775-62BB5C3B12E8}" type="presParOf" srcId="{4A3CD411-E341-4794-AB2C-79463FE9A347}" destId="{F25C9D07-4F66-453F-BAAD-1FE3B18D238A}" srcOrd="1" destOrd="0" presId="urn:microsoft.com/office/officeart/2005/8/layout/hierarchy2"/>
-    <dgm:cxn modelId="{C8CF6394-0E5E-461A-9A4D-542340F4C31D}" type="presParOf" srcId="{F28C9B11-6ED8-4F78-B4E3-FF2F062893C7}" destId="{70CFBB8A-866E-4BF8-BA5A-17C5A644F6FA}" srcOrd="2" destOrd="0" presId="urn:microsoft.com/office/officeart/2005/8/layout/hierarchy2"/>
-    <dgm:cxn modelId="{88EA6538-922B-48D8-A082-6F261D1F3F40}" type="presParOf" srcId="{70CFBB8A-866E-4BF8-BA5A-17C5A644F6FA}" destId="{708C464A-8BFF-4EA9-A750-6F6EF9D492AE}" srcOrd="0" destOrd="0" presId="urn:microsoft.com/office/officeart/2005/8/layout/hierarchy2"/>
-    <dgm:cxn modelId="{609EE5E3-95A8-482F-B7B6-BCB6412D23E6}" type="presParOf" srcId="{F28C9B11-6ED8-4F78-B4E3-FF2F062893C7}" destId="{7F2A9799-1751-445F-88E6-5E0753FDD102}" srcOrd="3" destOrd="0" presId="urn:microsoft.com/office/officeart/2005/8/layout/hierarchy2"/>
-    <dgm:cxn modelId="{7F4CF1FD-C706-4F8E-BB2B-F08CEB97992F}" type="presParOf" srcId="{7F2A9799-1751-445F-88E6-5E0753FDD102}" destId="{5317B01C-632D-41ED-9B4F-575F93F78D14}" srcOrd="0" destOrd="0" presId="urn:microsoft.com/office/officeart/2005/8/layout/hierarchy2"/>
-    <dgm:cxn modelId="{ED63B520-633A-495E-AB19-ED506E14FBFE}" type="presParOf" srcId="{7F2A9799-1751-445F-88E6-5E0753FDD102}" destId="{C11EBA9B-8C9E-4626-8BA5-28A35F51455F}" srcOrd="1" destOrd="0" presId="urn:microsoft.com/office/officeart/2005/8/layout/hierarchy2"/>
-    <dgm:cxn modelId="{AC0150D1-6C37-4014-A45C-1379CE15B2CE}" type="presParOf" srcId="{F28C9B11-6ED8-4F78-B4E3-FF2F062893C7}" destId="{FFB091AB-A198-43E4-AE0F-D8E1EDDD9E7B}" srcOrd="4" destOrd="0" presId="urn:microsoft.com/office/officeart/2005/8/layout/hierarchy2"/>
-    <dgm:cxn modelId="{05919767-0416-4420-8C28-DCD3D262250B}" type="presParOf" srcId="{FFB091AB-A198-43E4-AE0F-D8E1EDDD9E7B}" destId="{77EE5E29-F728-4149-891F-2BCD5BCD2BF5}" srcOrd="0" destOrd="0" presId="urn:microsoft.com/office/officeart/2005/8/layout/hierarchy2"/>
-    <dgm:cxn modelId="{3F796C76-7E84-4B0D-B892-5C364FDD57C2}" type="presParOf" srcId="{F28C9B11-6ED8-4F78-B4E3-FF2F062893C7}" destId="{3DDD18E2-CF0D-483C-ABB1-A60C60D983C3}" srcOrd="5" destOrd="0" presId="urn:microsoft.com/office/officeart/2005/8/layout/hierarchy2"/>
-    <dgm:cxn modelId="{22B78938-0325-4E39-BF6D-3FA44EADDA87}" type="presParOf" srcId="{3DDD18E2-CF0D-483C-ABB1-A60C60D983C3}" destId="{D2FAC230-2C60-4E83-AF8E-FD8A9E51E382}" srcOrd="0" destOrd="0" presId="urn:microsoft.com/office/officeart/2005/8/layout/hierarchy2"/>
-    <dgm:cxn modelId="{1CDE1992-17ED-4977-AC5B-8CD4347FE000}" type="presParOf" srcId="{3DDD18E2-CF0D-483C-ABB1-A60C60D983C3}" destId="{38B1F803-8AD0-48E8-BC07-607BCEF1D618}" srcOrd="1" destOrd="0" presId="urn:microsoft.com/office/officeart/2005/8/layout/hierarchy2"/>
-    <dgm:cxn modelId="{5D53AE56-B06F-4595-9F5C-5B4E6AF8A890}" type="presParOf" srcId="{38B1F803-8AD0-48E8-BC07-607BCEF1D618}" destId="{91366EF6-BF68-402D-ADC9-51B302157398}" srcOrd="0" destOrd="0" presId="urn:microsoft.com/office/officeart/2005/8/layout/hierarchy2"/>
-    <dgm:cxn modelId="{4D856E62-2BAA-48AE-9A42-AE9E05BB8969}" type="presParOf" srcId="{91366EF6-BF68-402D-ADC9-51B302157398}" destId="{0995233A-EDD6-4B88-BE42-13A3AA8E3276}" srcOrd="0" destOrd="0" presId="urn:microsoft.com/office/officeart/2005/8/layout/hierarchy2"/>
-    <dgm:cxn modelId="{CF72CE67-A38B-4508-AAE9-269019D9BBFE}" type="presParOf" srcId="{38B1F803-8AD0-48E8-BC07-607BCEF1D618}" destId="{17C6A1F5-4335-44B0-BE6C-1408EDE78DDC}" srcOrd="1" destOrd="0" presId="urn:microsoft.com/office/officeart/2005/8/layout/hierarchy2"/>
-    <dgm:cxn modelId="{07E412AF-A3D5-4B06-A90C-6F7166208F3F}" type="presParOf" srcId="{17C6A1F5-4335-44B0-BE6C-1408EDE78DDC}" destId="{011C0FC4-FA56-4769-AE71-41C91C033287}" srcOrd="0" destOrd="0" presId="urn:microsoft.com/office/officeart/2005/8/layout/hierarchy2"/>
-    <dgm:cxn modelId="{C097177B-863F-4DA7-BEBB-7D975265FAED}" type="presParOf" srcId="{17C6A1F5-4335-44B0-BE6C-1408EDE78DDC}" destId="{8F424563-BB65-4BB4-886B-90D85C007C24}" srcOrd="1" destOrd="0" presId="urn:microsoft.com/office/officeart/2005/8/layout/hierarchy2"/>
-    <dgm:cxn modelId="{8CCE312A-0A1D-4D64-91B2-FF7D53FB6895}" type="presParOf" srcId="{8F424563-BB65-4BB4-886B-90D85C007C24}" destId="{6CFC26EE-92A6-42DB-AC11-4F5C6E7A79A5}" srcOrd="0" destOrd="0" presId="urn:microsoft.com/office/officeart/2005/8/layout/hierarchy2"/>
-    <dgm:cxn modelId="{1015656F-A57D-4048-B208-3B84AEE9402C}" type="presParOf" srcId="{6CFC26EE-92A6-42DB-AC11-4F5C6E7A79A5}" destId="{8AD7CEF2-CBDC-480D-92CE-CE8A2DEA68CB}" srcOrd="0" destOrd="0" presId="urn:microsoft.com/office/officeart/2005/8/layout/hierarchy2"/>
-    <dgm:cxn modelId="{A38FAF6A-FDC4-4060-8E93-259AD6DD153C}" type="presParOf" srcId="{8F424563-BB65-4BB4-886B-90D85C007C24}" destId="{C8981547-937F-4578-8133-EE8069E55FCD}" srcOrd="1" destOrd="0" presId="urn:microsoft.com/office/officeart/2005/8/layout/hierarchy2"/>
-    <dgm:cxn modelId="{E5EFA87F-5F7E-4832-BC75-DE3E7158C13F}" type="presParOf" srcId="{C8981547-937F-4578-8133-EE8069E55FCD}" destId="{A8637265-3E6B-4DAA-A8CD-1BE5A68BBEFD}" srcOrd="0" destOrd="0" presId="urn:microsoft.com/office/officeart/2005/8/layout/hierarchy2"/>
-    <dgm:cxn modelId="{44E70908-AA54-47E5-B926-A3F36B8966D2}" type="presParOf" srcId="{C8981547-937F-4578-8133-EE8069E55FCD}" destId="{BB36FEA2-924D-477E-BC8A-B7D3E23E64FB}" srcOrd="1" destOrd="0" presId="urn:microsoft.com/office/officeart/2005/8/layout/hierarchy2"/>
-    <dgm:cxn modelId="{2C1CA1C2-8937-4F46-9C26-74CEF84C9588}" type="presParOf" srcId="{F28C9B11-6ED8-4F78-B4E3-FF2F062893C7}" destId="{2DB65B5D-6F26-47A9-A104-221CE4DA8E04}" srcOrd="6" destOrd="0" presId="urn:microsoft.com/office/officeart/2005/8/layout/hierarchy2"/>
-    <dgm:cxn modelId="{F04F2980-4D47-4209-9494-A70011281DF1}" type="presParOf" srcId="{2DB65B5D-6F26-47A9-A104-221CE4DA8E04}" destId="{C3F020B0-E1BB-4D24-9012-EFA30F7EC79D}" srcOrd="0" destOrd="0" presId="urn:microsoft.com/office/officeart/2005/8/layout/hierarchy2"/>
-    <dgm:cxn modelId="{7F7D398F-ACB4-4B28-8DC3-E9B8F57A5E00}" type="presParOf" srcId="{F28C9B11-6ED8-4F78-B4E3-FF2F062893C7}" destId="{F215E510-BAD6-4453-9009-A0D4304E10E1}" srcOrd="7" destOrd="0" presId="urn:microsoft.com/office/officeart/2005/8/layout/hierarchy2"/>
-    <dgm:cxn modelId="{F345AF7E-E7E7-4D54-A6DD-207F7193C68A}" type="presParOf" srcId="{F215E510-BAD6-4453-9009-A0D4304E10E1}" destId="{D555D47B-CBD5-4A89-BD81-1C8B958A43FA}" srcOrd="0" destOrd="0" presId="urn:microsoft.com/office/officeart/2005/8/layout/hierarchy2"/>
-    <dgm:cxn modelId="{7F948478-5FCA-4FD1-8BA8-F6FFF9CF7D3C}" type="presParOf" srcId="{F215E510-BAD6-4453-9009-A0D4304E10E1}" destId="{42216260-5960-4873-AE40-ACCC83706920}" srcOrd="1" destOrd="0" presId="urn:microsoft.com/office/officeart/2005/8/layout/hierarchy2"/>
-    <dgm:cxn modelId="{F18ED305-79BF-4D5C-99B3-1291F4D092EB}" type="presParOf" srcId="{42216260-5960-4873-AE40-ACCC83706920}" destId="{27ED22BB-1B07-45A4-A559-F7750CF8A5D1}" srcOrd="0" destOrd="0" presId="urn:microsoft.com/office/officeart/2005/8/layout/hierarchy2"/>
-    <dgm:cxn modelId="{AAA9224F-E033-4829-9706-0A15C129FAEF}" type="presParOf" srcId="{27ED22BB-1B07-45A4-A559-F7750CF8A5D1}" destId="{7574E4DC-2299-4D49-8575-0494268971B4}" srcOrd="0" destOrd="0" presId="urn:microsoft.com/office/officeart/2005/8/layout/hierarchy2"/>
-    <dgm:cxn modelId="{A9C8FC7B-8481-42D1-BA92-051EBFB9F75B}" type="presParOf" srcId="{42216260-5960-4873-AE40-ACCC83706920}" destId="{EDE4B342-C722-4C84-ABB8-4778BB63E587}" srcOrd="1" destOrd="0" presId="urn:microsoft.com/office/officeart/2005/8/layout/hierarchy2"/>
-    <dgm:cxn modelId="{FE3934C7-3AB0-4DAF-A291-C629665EBC51}" type="presParOf" srcId="{EDE4B342-C722-4C84-ABB8-4778BB63E587}" destId="{8811B347-3CA0-4F8D-9ADF-82A8E4A19133}" srcOrd="0" destOrd="0" presId="urn:microsoft.com/office/officeart/2005/8/layout/hierarchy2"/>
-    <dgm:cxn modelId="{A0912AEE-ACA8-4201-BB0C-8767BAE72DD2}" type="presParOf" srcId="{EDE4B342-C722-4C84-ABB8-4778BB63E587}" destId="{6C9E9EC4-9BD0-4AE4-A100-F544AAA90712}" srcOrd="1" destOrd="0" presId="urn:microsoft.com/office/officeart/2005/8/layout/hierarchy2"/>
-    <dgm:cxn modelId="{55FFEB35-0A17-4D19-8CC2-3A443BC9E32C}" type="presParOf" srcId="{67E3630E-F463-4D9F-8205-C12B688999F5}" destId="{C6D9BABC-F985-47AA-875D-6C6A278B17C1}" srcOrd="6" destOrd="0" presId="urn:microsoft.com/office/officeart/2005/8/layout/hierarchy2"/>
-    <dgm:cxn modelId="{41BC4583-9353-4F47-A57C-1C2FCC0EED15}" type="presParOf" srcId="{C6D9BABC-F985-47AA-875D-6C6A278B17C1}" destId="{3348F8FA-812F-4116-9CD6-F3D5C8B6B5EE}" srcOrd="0" destOrd="0" presId="urn:microsoft.com/office/officeart/2005/8/layout/hierarchy2"/>
-    <dgm:cxn modelId="{143AD7E7-DB3F-42E9-9AB1-C62E280FAD47}" type="presParOf" srcId="{67E3630E-F463-4D9F-8205-C12B688999F5}" destId="{1812562A-2408-409F-9209-B38CA3C734E1}" srcOrd="7" destOrd="0" presId="urn:microsoft.com/office/officeart/2005/8/layout/hierarchy2"/>
-    <dgm:cxn modelId="{7742CD1D-AFD3-4A96-9206-1643EC2F52C3}" type="presParOf" srcId="{1812562A-2408-409F-9209-B38CA3C734E1}" destId="{447DC584-2A91-4F03-9DBB-EFCA8D39C53F}" srcOrd="0" destOrd="0" presId="urn:microsoft.com/office/officeart/2005/8/layout/hierarchy2"/>
-    <dgm:cxn modelId="{DB375BBD-3849-46F8-8CAA-7A3A068A1DA4}" type="presParOf" srcId="{1812562A-2408-409F-9209-B38CA3C734E1}" destId="{4620CE4B-8688-41A8-856E-F03002CE9CAD}" srcOrd="1" destOrd="0" presId="urn:microsoft.com/office/officeart/2005/8/layout/hierarchy2"/>
-    <dgm:cxn modelId="{50D72779-DFA4-44D7-8BAB-A02CA32D20D0}" type="presParOf" srcId="{4620CE4B-8688-41A8-856E-F03002CE9CAD}" destId="{D32E3006-F11A-493F-9664-74F09A568ADE}" srcOrd="0" destOrd="0" presId="urn:microsoft.com/office/officeart/2005/8/layout/hierarchy2"/>
-    <dgm:cxn modelId="{8556FD81-8219-404C-93CA-B4ADABE7F319}" type="presParOf" srcId="{D32E3006-F11A-493F-9664-74F09A568ADE}" destId="{E87455D2-D3D8-415C-9FC2-059EA4FB9A51}" srcOrd="0" destOrd="0" presId="urn:microsoft.com/office/officeart/2005/8/layout/hierarchy2"/>
-    <dgm:cxn modelId="{D10EB1BD-0B9E-4E75-B718-701BF5CD418B}" type="presParOf" srcId="{4620CE4B-8688-41A8-856E-F03002CE9CAD}" destId="{B1D406BB-6244-41EA-8EDF-CFF09C908FE8}" srcOrd="1" destOrd="0" presId="urn:microsoft.com/office/officeart/2005/8/layout/hierarchy2"/>
-    <dgm:cxn modelId="{E31A2A1D-2CD9-4D37-9ABD-C62C757D88AD}" type="presParOf" srcId="{B1D406BB-6244-41EA-8EDF-CFF09C908FE8}" destId="{492E0CC5-DB24-47C3-89BF-AAB2D7E0BB53}" srcOrd="0" destOrd="0" presId="urn:microsoft.com/office/officeart/2005/8/layout/hierarchy2"/>
-    <dgm:cxn modelId="{4C7C42A2-5659-4836-95B8-3D0696F89FD3}" type="presParOf" srcId="{B1D406BB-6244-41EA-8EDF-CFF09C908FE8}" destId="{884E9012-A5B0-4094-9C5D-56D2C98DA5BC}" srcOrd="1" destOrd="0" presId="urn:microsoft.com/office/officeart/2005/8/layout/hierarchy2"/>
-    <dgm:cxn modelId="{1E7C01AF-7DA4-4206-82D6-1FCE55E6CD3B}" type="presParOf" srcId="{4620CE4B-8688-41A8-856E-F03002CE9CAD}" destId="{0269DBC0-5BBF-4DA1-89F6-EE09AE81A02A}" srcOrd="2" destOrd="0" presId="urn:microsoft.com/office/officeart/2005/8/layout/hierarchy2"/>
-    <dgm:cxn modelId="{E89EACF6-B6E7-411D-BFE1-76884980957B}" type="presParOf" srcId="{0269DBC0-5BBF-4DA1-89F6-EE09AE81A02A}" destId="{FF517301-59CB-48E9-A8F2-A57881B73B39}" srcOrd="0" destOrd="0" presId="urn:microsoft.com/office/officeart/2005/8/layout/hierarchy2"/>
-    <dgm:cxn modelId="{AE99EC96-BE21-4860-92C2-0D3AE98FCC7B}" type="presParOf" srcId="{4620CE4B-8688-41A8-856E-F03002CE9CAD}" destId="{DA767C46-DC42-4848-A48D-924BE909EEFD}" srcOrd="3" destOrd="0" presId="urn:microsoft.com/office/officeart/2005/8/layout/hierarchy2"/>
-    <dgm:cxn modelId="{8E8D997F-CE22-44A0-8C74-C1E775F26819}" type="presParOf" srcId="{DA767C46-DC42-4848-A48D-924BE909EEFD}" destId="{CFF603C7-BD42-4313-A3BD-F0E96555881B}" srcOrd="0" destOrd="0" presId="urn:microsoft.com/office/officeart/2005/8/layout/hierarchy2"/>
-    <dgm:cxn modelId="{5367D694-F1E2-40A1-9CB5-AD036D9B1AD5}" type="presParOf" srcId="{DA767C46-DC42-4848-A48D-924BE909EEFD}" destId="{D88F6F80-FD70-48F8-86BF-8D07DBCC2971}" srcOrd="1" destOrd="0" presId="urn:microsoft.com/office/officeart/2005/8/layout/hierarchy2"/>
-    <dgm:cxn modelId="{7467B292-817D-4184-B4CF-EF6E0786B3E4}" type="presParOf" srcId="{4620CE4B-8688-41A8-856E-F03002CE9CAD}" destId="{63F66676-0601-45DD-9E99-1040000B4306}" srcOrd="4" destOrd="0" presId="urn:microsoft.com/office/officeart/2005/8/layout/hierarchy2"/>
-    <dgm:cxn modelId="{88B9F8DA-F88D-4A01-8E48-ACD631CF5606}" type="presParOf" srcId="{63F66676-0601-45DD-9E99-1040000B4306}" destId="{E6C1A487-2B45-4052-88BA-5317FE37591F}" srcOrd="0" destOrd="0" presId="urn:microsoft.com/office/officeart/2005/8/layout/hierarchy2"/>
-    <dgm:cxn modelId="{5E75572D-4A6F-4B2F-ACEF-3205FC303433}" type="presParOf" srcId="{4620CE4B-8688-41A8-856E-F03002CE9CAD}" destId="{8348FB25-5D9C-4C93-810D-676A24536930}" srcOrd="5" destOrd="0" presId="urn:microsoft.com/office/officeart/2005/8/layout/hierarchy2"/>
-    <dgm:cxn modelId="{5A1C4314-C01D-4606-B88C-6E530DBD3C2E}" type="presParOf" srcId="{8348FB25-5D9C-4C93-810D-676A24536930}" destId="{A3C90C79-72EF-4F43-8CD4-921235325172}" srcOrd="0" destOrd="0" presId="urn:microsoft.com/office/officeart/2005/8/layout/hierarchy2"/>
-    <dgm:cxn modelId="{149724D5-6772-4879-B2D1-D34C4DE8148D}" type="presParOf" srcId="{8348FB25-5D9C-4C93-810D-676A24536930}" destId="{BCDE3921-9692-401D-9783-4DB3826C226F}" srcOrd="1" destOrd="0" presId="urn:microsoft.com/office/officeart/2005/8/layout/hierarchy2"/>
-    <dgm:cxn modelId="{5B169015-E852-4DF8-8B38-FD6E184CEA7A}" type="presParOf" srcId="{67E3630E-F463-4D9F-8205-C12B688999F5}" destId="{751370BC-F990-401D-B1CF-AC804C8AFD7D}" srcOrd="8" destOrd="0" presId="urn:microsoft.com/office/officeart/2005/8/layout/hierarchy2"/>
-    <dgm:cxn modelId="{6BBCCA77-3EDF-4F76-9046-661D36CCD950}" type="presParOf" srcId="{751370BC-F990-401D-B1CF-AC804C8AFD7D}" destId="{2A9089B3-EA1F-45B6-8896-00AE1DF706AB}" srcOrd="0" destOrd="0" presId="urn:microsoft.com/office/officeart/2005/8/layout/hierarchy2"/>
-    <dgm:cxn modelId="{42F28711-E68F-4E4F-9847-4E2D533D0846}" type="presParOf" srcId="{67E3630E-F463-4D9F-8205-C12B688999F5}" destId="{88FBD1C4-6DC4-4170-9982-DAAE42CCFB9C}" srcOrd="9" destOrd="0" presId="urn:microsoft.com/office/officeart/2005/8/layout/hierarchy2"/>
-    <dgm:cxn modelId="{7DA0C2A2-8D2A-4C2A-B5E6-51F87435FEF0}" type="presParOf" srcId="{88FBD1C4-6DC4-4170-9982-DAAE42CCFB9C}" destId="{0A2A203D-85AF-4728-8F33-3502D8A76382}" srcOrd="0" destOrd="0" presId="urn:microsoft.com/office/officeart/2005/8/layout/hierarchy2"/>
-    <dgm:cxn modelId="{9299DE12-5C25-40CB-867F-66EC8760FD29}" type="presParOf" srcId="{88FBD1C4-6DC4-4170-9982-DAAE42CCFB9C}" destId="{87C0C9BD-FBB3-4265-B6E3-823681B4B1B2}" srcOrd="1" destOrd="0" presId="urn:microsoft.com/office/officeart/2005/8/layout/hierarchy2"/>
-    <dgm:cxn modelId="{C66D6A67-BCB0-44EF-B6A1-5A7C982148AD}" type="presParOf" srcId="{87C0C9BD-FBB3-4265-B6E3-823681B4B1B2}" destId="{A8C77022-2B90-4DD3-819C-D689CD601317}" srcOrd="0" destOrd="0" presId="urn:microsoft.com/office/officeart/2005/8/layout/hierarchy2"/>
-    <dgm:cxn modelId="{6758AF5A-532B-4F0E-B3DB-C967B0D180BC}" type="presParOf" srcId="{A8C77022-2B90-4DD3-819C-D689CD601317}" destId="{8EC6DA10-EED2-42BF-993A-A3E2AEB6E9B7}" srcOrd="0" destOrd="0" presId="urn:microsoft.com/office/officeart/2005/8/layout/hierarchy2"/>
-    <dgm:cxn modelId="{1B37D860-2774-4D3A-8D96-32911EEE0B4C}" type="presParOf" srcId="{87C0C9BD-FBB3-4265-B6E3-823681B4B1B2}" destId="{386151BD-C71C-44AA-A906-8AAAD5BAA68A}" srcOrd="1" destOrd="0" presId="urn:microsoft.com/office/officeart/2005/8/layout/hierarchy2"/>
-    <dgm:cxn modelId="{E2F66EAD-7396-4C8E-8024-D32C98736888}" type="presParOf" srcId="{386151BD-C71C-44AA-A906-8AAAD5BAA68A}" destId="{EC622A1A-AEB5-42E2-975D-D69ED6769D96}" srcOrd="0" destOrd="0" presId="urn:microsoft.com/office/officeart/2005/8/layout/hierarchy2"/>
-    <dgm:cxn modelId="{B14243C3-B9B9-45A2-B9E6-37AAB6AB20A6}" type="presParOf" srcId="{386151BD-C71C-44AA-A906-8AAAD5BAA68A}" destId="{3F95C262-DFD3-4771-93DB-5BBFD6DC1A15}" srcOrd="1" destOrd="0" presId="urn:microsoft.com/office/officeart/2005/8/layout/hierarchy2"/>
-    <dgm:cxn modelId="{C9267C46-7301-4807-9E62-9F587BCEDE87}" type="presParOf" srcId="{67E3630E-F463-4D9F-8205-C12B688999F5}" destId="{F8C47E08-57AD-4AB9-B6F1-D6CDD5075FF5}" srcOrd="10" destOrd="0" presId="urn:microsoft.com/office/officeart/2005/8/layout/hierarchy2"/>
-    <dgm:cxn modelId="{E0606E9F-4C48-4AB0-83FC-2C44B36CADBF}" type="presParOf" srcId="{F8C47E08-57AD-4AB9-B6F1-D6CDD5075FF5}" destId="{151D1481-29B4-45FF-B4F8-72DFB5A22479}" srcOrd="0" destOrd="0" presId="urn:microsoft.com/office/officeart/2005/8/layout/hierarchy2"/>
-    <dgm:cxn modelId="{7930797E-E2C6-41B3-8320-1BCDEC38BAD3}" type="presParOf" srcId="{67E3630E-F463-4D9F-8205-C12B688999F5}" destId="{F87495FC-F005-4187-8052-3F54624C0DCC}" srcOrd="11" destOrd="0" presId="urn:microsoft.com/office/officeart/2005/8/layout/hierarchy2"/>
-    <dgm:cxn modelId="{5ECA4CC6-0268-4475-B948-48C30B82E2EA}" type="presParOf" srcId="{F87495FC-F005-4187-8052-3F54624C0DCC}" destId="{80197443-D504-44B1-8FA0-58F0FA622668}" srcOrd="0" destOrd="0" presId="urn:microsoft.com/office/officeart/2005/8/layout/hierarchy2"/>
-    <dgm:cxn modelId="{5F951352-5DB2-4EE1-A7F5-29914AC47EF5}" type="presParOf" srcId="{F87495FC-F005-4187-8052-3F54624C0DCC}" destId="{90FE5DB8-70E4-4B17-B7A0-11DD48076ACA}" srcOrd="1" destOrd="0" presId="urn:microsoft.com/office/officeart/2005/8/layout/hierarchy2"/>
+    <dgm:cxn modelId="{35B1EC1B-0D8D-436A-B77D-677E70F410FB}" type="presParOf" srcId="{67E3630E-F463-4D9F-8205-C12B688999F5}" destId="{10EBDB7D-D330-4DC9-BDC7-1DA0D11CDB9C}" srcOrd="0" destOrd="0" presId="urn:microsoft.com/office/officeart/2005/8/layout/hierarchy2"/>
+    <dgm:cxn modelId="{7CC43A3A-CF50-49C2-938C-EB8CDE813DF1}" type="presParOf" srcId="{10EBDB7D-D330-4DC9-BDC7-1DA0D11CDB9C}" destId="{D4F7010C-A058-40F3-B86C-D2C3487EAA00}" srcOrd="0" destOrd="0" presId="urn:microsoft.com/office/officeart/2005/8/layout/hierarchy2"/>
+    <dgm:cxn modelId="{AB729AB4-F3D2-4553-B78C-6F689E0FD599}" type="presParOf" srcId="{67E3630E-F463-4D9F-8205-C12B688999F5}" destId="{582D7086-0716-4057-8E3A-345762829D73}" srcOrd="1" destOrd="0" presId="urn:microsoft.com/office/officeart/2005/8/layout/hierarchy2"/>
+    <dgm:cxn modelId="{A90B848D-8121-467E-A642-2BEDBBCFCDB9}" type="presParOf" srcId="{582D7086-0716-4057-8E3A-345762829D73}" destId="{A3719D20-29DC-4490-A24C-2BD557049D04}" srcOrd="0" destOrd="0" presId="urn:microsoft.com/office/officeart/2005/8/layout/hierarchy2"/>
+    <dgm:cxn modelId="{6AC92429-F086-440D-91E8-17898FF9F056}" type="presParOf" srcId="{582D7086-0716-4057-8E3A-345762829D73}" destId="{07614281-457A-45A4-BB1D-2E1CF286D12C}" srcOrd="1" destOrd="0" presId="urn:microsoft.com/office/officeart/2005/8/layout/hierarchy2"/>
+    <dgm:cxn modelId="{B1A6A001-9967-45D7-B7DC-B4316266F428}" type="presParOf" srcId="{67E3630E-F463-4D9F-8205-C12B688999F5}" destId="{5B5FA48C-4AD0-4CA2-BEE7-CF6169F10446}" srcOrd="2" destOrd="0" presId="urn:microsoft.com/office/officeart/2005/8/layout/hierarchy2"/>
+    <dgm:cxn modelId="{89310016-7964-4005-BA26-B672139706B0}" type="presParOf" srcId="{5B5FA48C-4AD0-4CA2-BEE7-CF6169F10446}" destId="{B4797B48-8F0B-458B-BFA8-8CC18E468CCC}" srcOrd="0" destOrd="0" presId="urn:microsoft.com/office/officeart/2005/8/layout/hierarchy2"/>
+    <dgm:cxn modelId="{1370CEE6-8FA9-404D-940D-C1F59D670770}" type="presParOf" srcId="{67E3630E-F463-4D9F-8205-C12B688999F5}" destId="{1630DFE6-DD47-4A38-8BA2-B7B9470C118A}" srcOrd="3" destOrd="0" presId="urn:microsoft.com/office/officeart/2005/8/layout/hierarchy2"/>
+    <dgm:cxn modelId="{B7A1C6DA-7BAD-42E0-9BCA-88E4C36812F7}" type="presParOf" srcId="{1630DFE6-DD47-4A38-8BA2-B7B9470C118A}" destId="{89524B21-6DAB-4D8B-B0E5-2B32C11A7D3D}" srcOrd="0" destOrd="0" presId="urn:microsoft.com/office/officeart/2005/8/layout/hierarchy2"/>
+    <dgm:cxn modelId="{55C35ED0-4566-4B74-B870-A2C1CF5802CA}" type="presParOf" srcId="{1630DFE6-DD47-4A38-8BA2-B7B9470C118A}" destId="{AC19744D-A151-44B4-B23D-F00C7F41FF6C}" srcOrd="1" destOrd="0" presId="urn:microsoft.com/office/officeart/2005/8/layout/hierarchy2"/>
+    <dgm:cxn modelId="{FC493FFA-68B1-4B76-865F-0B6BEEDDD834}" type="presParOf" srcId="{AC19744D-A151-44B4-B23D-F00C7F41FF6C}" destId="{B8AE56E0-1F43-4EE2-A49B-E1E30F95E71C}" srcOrd="0" destOrd="0" presId="urn:microsoft.com/office/officeart/2005/8/layout/hierarchy2"/>
+    <dgm:cxn modelId="{8ECA3B92-3127-4C05-8814-89305799B866}" type="presParOf" srcId="{B8AE56E0-1F43-4EE2-A49B-E1E30F95E71C}" destId="{17D6A3AF-E275-429E-A045-676D06B2227E}" srcOrd="0" destOrd="0" presId="urn:microsoft.com/office/officeart/2005/8/layout/hierarchy2"/>
+    <dgm:cxn modelId="{569BFA45-2049-422D-AA88-89B075DF4AFB}" type="presParOf" srcId="{AC19744D-A151-44B4-B23D-F00C7F41FF6C}" destId="{3C1E602F-0FD6-48B7-AB11-30ABF4F8797E}" srcOrd="1" destOrd="0" presId="urn:microsoft.com/office/officeart/2005/8/layout/hierarchy2"/>
+    <dgm:cxn modelId="{15D0F847-B986-4D39-BC03-E2B50647BC46}" type="presParOf" srcId="{3C1E602F-0FD6-48B7-AB11-30ABF4F8797E}" destId="{436A9D22-A917-4CDD-B382-4C713659566F}" srcOrd="0" destOrd="0" presId="urn:microsoft.com/office/officeart/2005/8/layout/hierarchy2"/>
+    <dgm:cxn modelId="{0E138A3E-9229-410B-866F-83F2D23802C5}" type="presParOf" srcId="{3C1E602F-0FD6-48B7-AB11-30ABF4F8797E}" destId="{8F599ABF-D484-4F89-AF7C-7BF6C97943F9}" srcOrd="1" destOrd="0" presId="urn:microsoft.com/office/officeart/2005/8/layout/hierarchy2"/>
+    <dgm:cxn modelId="{DB382CC0-9083-4509-A242-3678C161DB70}" type="presParOf" srcId="{67E3630E-F463-4D9F-8205-C12B688999F5}" destId="{B33E6943-02B4-4B38-A335-173F99D1B66E}" srcOrd="4" destOrd="0" presId="urn:microsoft.com/office/officeart/2005/8/layout/hierarchy2"/>
+    <dgm:cxn modelId="{CB79B1AD-FBBD-48C7-B893-C1168281F4E2}" type="presParOf" srcId="{B33E6943-02B4-4B38-A335-173F99D1B66E}" destId="{AEF74CEC-A056-4CE4-A217-8116CEA5D3CE}" srcOrd="0" destOrd="0" presId="urn:microsoft.com/office/officeart/2005/8/layout/hierarchy2"/>
+    <dgm:cxn modelId="{93E5400B-5A5C-43C5-A48E-D6044B678E19}" type="presParOf" srcId="{67E3630E-F463-4D9F-8205-C12B688999F5}" destId="{C969BB49-D248-4AAF-AAFB-C8DB0191F2A6}" srcOrd="5" destOrd="0" presId="urn:microsoft.com/office/officeart/2005/8/layout/hierarchy2"/>
+    <dgm:cxn modelId="{1ABF4BF6-E499-4F4A-9C7D-3CC9B8F9ED0C}" type="presParOf" srcId="{C969BB49-D248-4AAF-AAFB-C8DB0191F2A6}" destId="{DA2ECC67-C634-4F6C-921B-E2AC98CDA1E0}" srcOrd="0" destOrd="0" presId="urn:microsoft.com/office/officeart/2005/8/layout/hierarchy2"/>
+    <dgm:cxn modelId="{9A5918A1-0ED4-4B36-8BF9-183CBD7D740D}" type="presParOf" srcId="{C969BB49-D248-4AAF-AAFB-C8DB0191F2A6}" destId="{90D97EA5-4496-4797-BAC2-095129C442C1}" srcOrd="1" destOrd="0" presId="urn:microsoft.com/office/officeart/2005/8/layout/hierarchy2"/>
+    <dgm:cxn modelId="{659281D6-6DE6-4C0F-9F73-D98516425475}" type="presParOf" srcId="{67E3630E-F463-4D9F-8205-C12B688999F5}" destId="{96EF483A-E398-4B55-BD5A-D4D3674A3178}" srcOrd="6" destOrd="0" presId="urn:microsoft.com/office/officeart/2005/8/layout/hierarchy2"/>
+    <dgm:cxn modelId="{6E65A063-E4D9-4CDF-B33B-DEBAC23E51F2}" type="presParOf" srcId="{96EF483A-E398-4B55-BD5A-D4D3674A3178}" destId="{029C2F7D-E46F-49C0-BAEA-189E8249E129}" srcOrd="0" destOrd="0" presId="urn:microsoft.com/office/officeart/2005/8/layout/hierarchy2"/>
+    <dgm:cxn modelId="{AC662706-10BA-4F03-884F-BE3D4AFFDD4D}" type="presParOf" srcId="{67E3630E-F463-4D9F-8205-C12B688999F5}" destId="{491E4CB2-9E32-4190-BBA6-DCEE658D315B}" srcOrd="7" destOrd="0" presId="urn:microsoft.com/office/officeart/2005/8/layout/hierarchy2"/>
+    <dgm:cxn modelId="{A708A7E8-CF27-46E1-8B36-1A3A730FB22E}" type="presParOf" srcId="{491E4CB2-9E32-4190-BBA6-DCEE658D315B}" destId="{7D33D451-C787-486D-93F4-3E2824006D67}" srcOrd="0" destOrd="0" presId="urn:microsoft.com/office/officeart/2005/8/layout/hierarchy2"/>
+    <dgm:cxn modelId="{D77B4D16-2527-4D7E-8B2E-199DF5F5C568}" type="presParOf" srcId="{491E4CB2-9E32-4190-BBA6-DCEE658D315B}" destId="{F28C9B11-6ED8-4F78-B4E3-FF2F062893C7}" srcOrd="1" destOrd="0" presId="urn:microsoft.com/office/officeart/2005/8/layout/hierarchy2"/>
+    <dgm:cxn modelId="{2E5A9A98-7BCC-4F74-8ADD-835034609491}" type="presParOf" srcId="{F28C9B11-6ED8-4F78-B4E3-FF2F062893C7}" destId="{1FEC21F1-4B3F-4DAD-9C5D-4265622D7589}" srcOrd="0" destOrd="0" presId="urn:microsoft.com/office/officeart/2005/8/layout/hierarchy2"/>
+    <dgm:cxn modelId="{55B2BB31-12D6-4260-870A-3D7EF1511D24}" type="presParOf" srcId="{1FEC21F1-4B3F-4DAD-9C5D-4265622D7589}" destId="{678539AC-E490-4287-B0D8-6B3B8C7D8926}" srcOrd="0" destOrd="0" presId="urn:microsoft.com/office/officeart/2005/8/layout/hierarchy2"/>
+    <dgm:cxn modelId="{D51BFFD4-B6D2-42A6-8420-17C37C049F31}" type="presParOf" srcId="{F28C9B11-6ED8-4F78-B4E3-FF2F062893C7}" destId="{4A3CD411-E341-4794-AB2C-79463FE9A347}" srcOrd="1" destOrd="0" presId="urn:microsoft.com/office/officeart/2005/8/layout/hierarchy2"/>
+    <dgm:cxn modelId="{EC04575D-83E9-4A1D-B5DF-EA1DFB42FFDE}" type="presParOf" srcId="{4A3CD411-E341-4794-AB2C-79463FE9A347}" destId="{F2B8A188-3718-407D-B3FC-C96FD0776F40}" srcOrd="0" destOrd="0" presId="urn:microsoft.com/office/officeart/2005/8/layout/hierarchy2"/>
+    <dgm:cxn modelId="{DDAB112B-0C9A-4F0A-81B9-29D7327F92F6}" type="presParOf" srcId="{4A3CD411-E341-4794-AB2C-79463FE9A347}" destId="{F25C9D07-4F66-453F-BAAD-1FE3B18D238A}" srcOrd="1" destOrd="0" presId="urn:microsoft.com/office/officeart/2005/8/layout/hierarchy2"/>
+    <dgm:cxn modelId="{CD8CF782-C8F3-4E7E-8B1C-FE874F47090B}" type="presParOf" srcId="{F28C9B11-6ED8-4F78-B4E3-FF2F062893C7}" destId="{70CFBB8A-866E-4BF8-BA5A-17C5A644F6FA}" srcOrd="2" destOrd="0" presId="urn:microsoft.com/office/officeart/2005/8/layout/hierarchy2"/>
+    <dgm:cxn modelId="{7BA0BEA7-FCC1-4E6A-80FF-5EA1DE442213}" type="presParOf" srcId="{70CFBB8A-866E-4BF8-BA5A-17C5A644F6FA}" destId="{708C464A-8BFF-4EA9-A750-6F6EF9D492AE}" srcOrd="0" destOrd="0" presId="urn:microsoft.com/office/officeart/2005/8/layout/hierarchy2"/>
+    <dgm:cxn modelId="{94C1C059-3BBD-4BFC-B6B1-2924C588DD82}" type="presParOf" srcId="{F28C9B11-6ED8-4F78-B4E3-FF2F062893C7}" destId="{7F2A9799-1751-445F-88E6-5E0753FDD102}" srcOrd="3" destOrd="0" presId="urn:microsoft.com/office/officeart/2005/8/layout/hierarchy2"/>
+    <dgm:cxn modelId="{A9270376-80E0-4BE7-8F12-603B63D265DB}" type="presParOf" srcId="{7F2A9799-1751-445F-88E6-5E0753FDD102}" destId="{5317B01C-632D-41ED-9B4F-575F93F78D14}" srcOrd="0" destOrd="0" presId="urn:microsoft.com/office/officeart/2005/8/layout/hierarchy2"/>
+    <dgm:cxn modelId="{8E60CA32-22E4-4242-8B55-524D39F84423}" type="presParOf" srcId="{7F2A9799-1751-445F-88E6-5E0753FDD102}" destId="{C11EBA9B-8C9E-4626-8BA5-28A35F51455F}" srcOrd="1" destOrd="0" presId="urn:microsoft.com/office/officeart/2005/8/layout/hierarchy2"/>
+    <dgm:cxn modelId="{627150BE-64E9-4519-B750-367DCBB74DC7}" type="presParOf" srcId="{F28C9B11-6ED8-4F78-B4E3-FF2F062893C7}" destId="{FFB091AB-A198-43E4-AE0F-D8E1EDDD9E7B}" srcOrd="4" destOrd="0" presId="urn:microsoft.com/office/officeart/2005/8/layout/hierarchy2"/>
+    <dgm:cxn modelId="{F10699AE-8A76-4B0A-8CE7-673255A617BE}" type="presParOf" srcId="{FFB091AB-A198-43E4-AE0F-D8E1EDDD9E7B}" destId="{77EE5E29-F728-4149-891F-2BCD5BCD2BF5}" srcOrd="0" destOrd="0" presId="urn:microsoft.com/office/officeart/2005/8/layout/hierarchy2"/>
+    <dgm:cxn modelId="{64901178-5B9C-4BAA-86C8-FA9880FB2840}" type="presParOf" srcId="{F28C9B11-6ED8-4F78-B4E3-FF2F062893C7}" destId="{3DDD18E2-CF0D-483C-ABB1-A60C60D983C3}" srcOrd="5" destOrd="0" presId="urn:microsoft.com/office/officeart/2005/8/layout/hierarchy2"/>
+    <dgm:cxn modelId="{DCEADEC9-71A7-434B-8755-11197E14FA7B}" type="presParOf" srcId="{3DDD18E2-CF0D-483C-ABB1-A60C60D983C3}" destId="{D2FAC230-2C60-4E83-AF8E-FD8A9E51E382}" srcOrd="0" destOrd="0" presId="urn:microsoft.com/office/officeart/2005/8/layout/hierarchy2"/>
+    <dgm:cxn modelId="{63914795-949C-4B41-BA5B-D0311B3A0204}" type="presParOf" srcId="{3DDD18E2-CF0D-483C-ABB1-A60C60D983C3}" destId="{38B1F803-8AD0-48E8-BC07-607BCEF1D618}" srcOrd="1" destOrd="0" presId="urn:microsoft.com/office/officeart/2005/8/layout/hierarchy2"/>
+    <dgm:cxn modelId="{32BD9A04-F524-4949-A85B-CD65F0C21681}" type="presParOf" srcId="{38B1F803-8AD0-48E8-BC07-607BCEF1D618}" destId="{91366EF6-BF68-402D-ADC9-51B302157398}" srcOrd="0" destOrd="0" presId="urn:microsoft.com/office/officeart/2005/8/layout/hierarchy2"/>
+    <dgm:cxn modelId="{960C1062-AD98-48CD-9E12-AA482CF744B9}" type="presParOf" srcId="{91366EF6-BF68-402D-ADC9-51B302157398}" destId="{0995233A-EDD6-4B88-BE42-13A3AA8E3276}" srcOrd="0" destOrd="0" presId="urn:microsoft.com/office/officeart/2005/8/layout/hierarchy2"/>
+    <dgm:cxn modelId="{B46B9941-6455-4DB7-996E-AFB334BC56F0}" type="presParOf" srcId="{38B1F803-8AD0-48E8-BC07-607BCEF1D618}" destId="{17C6A1F5-4335-44B0-BE6C-1408EDE78DDC}" srcOrd="1" destOrd="0" presId="urn:microsoft.com/office/officeart/2005/8/layout/hierarchy2"/>
+    <dgm:cxn modelId="{4062C77C-84D8-484C-9BC5-E5BEBFAB9A75}" type="presParOf" srcId="{17C6A1F5-4335-44B0-BE6C-1408EDE78DDC}" destId="{011C0FC4-FA56-4769-AE71-41C91C033287}" srcOrd="0" destOrd="0" presId="urn:microsoft.com/office/officeart/2005/8/layout/hierarchy2"/>
+    <dgm:cxn modelId="{5512BB2B-6564-49D2-BC69-14BE7AD6B5DD}" type="presParOf" srcId="{17C6A1F5-4335-44B0-BE6C-1408EDE78DDC}" destId="{8F424563-BB65-4BB4-886B-90D85C007C24}" srcOrd="1" destOrd="0" presId="urn:microsoft.com/office/officeart/2005/8/layout/hierarchy2"/>
+    <dgm:cxn modelId="{A14F37A2-B8FC-42D1-8A06-F14639506C7E}" type="presParOf" srcId="{8F424563-BB65-4BB4-886B-90D85C007C24}" destId="{6CFC26EE-92A6-42DB-AC11-4F5C6E7A79A5}" srcOrd="0" destOrd="0" presId="urn:microsoft.com/office/officeart/2005/8/layout/hierarchy2"/>
+    <dgm:cxn modelId="{A3776340-BC2E-421E-A49F-E58A9BE815F7}" type="presParOf" srcId="{6CFC26EE-92A6-42DB-AC11-4F5C6E7A79A5}" destId="{8AD7CEF2-CBDC-480D-92CE-CE8A2DEA68CB}" srcOrd="0" destOrd="0" presId="urn:microsoft.com/office/officeart/2005/8/layout/hierarchy2"/>
+    <dgm:cxn modelId="{E4D0DCED-F6BD-4A40-AB36-6909BA8C95A2}" type="presParOf" srcId="{8F424563-BB65-4BB4-886B-90D85C007C24}" destId="{C8981547-937F-4578-8133-EE8069E55FCD}" srcOrd="1" destOrd="0" presId="urn:microsoft.com/office/officeart/2005/8/layout/hierarchy2"/>
+    <dgm:cxn modelId="{CFB22DF2-29F6-432A-B3FB-C2C18BC0CD48}" type="presParOf" srcId="{C8981547-937F-4578-8133-EE8069E55FCD}" destId="{A8637265-3E6B-4DAA-A8CD-1BE5A68BBEFD}" srcOrd="0" destOrd="0" presId="urn:microsoft.com/office/officeart/2005/8/layout/hierarchy2"/>
+    <dgm:cxn modelId="{C4642B9D-273C-4CBA-850D-0D3CF57D5C93}" type="presParOf" srcId="{C8981547-937F-4578-8133-EE8069E55FCD}" destId="{BB36FEA2-924D-477E-BC8A-B7D3E23E64FB}" srcOrd="1" destOrd="0" presId="urn:microsoft.com/office/officeart/2005/8/layout/hierarchy2"/>
+    <dgm:cxn modelId="{84C0C9E4-95B6-4B07-9FA2-11D596E77CEA}" type="presParOf" srcId="{F28C9B11-6ED8-4F78-B4E3-FF2F062893C7}" destId="{2DB65B5D-6F26-47A9-A104-221CE4DA8E04}" srcOrd="6" destOrd="0" presId="urn:microsoft.com/office/officeart/2005/8/layout/hierarchy2"/>
+    <dgm:cxn modelId="{03B84E73-2139-458D-A2B4-47BCB4855348}" type="presParOf" srcId="{2DB65B5D-6F26-47A9-A104-221CE4DA8E04}" destId="{C3F020B0-E1BB-4D24-9012-EFA30F7EC79D}" srcOrd="0" destOrd="0" presId="urn:microsoft.com/office/officeart/2005/8/layout/hierarchy2"/>
+    <dgm:cxn modelId="{7226B1C0-2926-4974-9EB3-63E689EE6964}" type="presParOf" srcId="{F28C9B11-6ED8-4F78-B4E3-FF2F062893C7}" destId="{F215E510-BAD6-4453-9009-A0D4304E10E1}" srcOrd="7" destOrd="0" presId="urn:microsoft.com/office/officeart/2005/8/layout/hierarchy2"/>
+    <dgm:cxn modelId="{810B0F48-DD82-45F3-8510-06F441EA6288}" type="presParOf" srcId="{F215E510-BAD6-4453-9009-A0D4304E10E1}" destId="{D555D47B-CBD5-4A89-BD81-1C8B958A43FA}" srcOrd="0" destOrd="0" presId="urn:microsoft.com/office/officeart/2005/8/layout/hierarchy2"/>
+    <dgm:cxn modelId="{A87CCA24-DD03-45AF-BA4D-87B8C7563E5F}" type="presParOf" srcId="{F215E510-BAD6-4453-9009-A0D4304E10E1}" destId="{42216260-5960-4873-AE40-ACCC83706920}" srcOrd="1" destOrd="0" presId="urn:microsoft.com/office/officeart/2005/8/layout/hierarchy2"/>
+    <dgm:cxn modelId="{590E86D2-1AC8-4A74-90B5-CF1F09A6822C}" type="presParOf" srcId="{42216260-5960-4873-AE40-ACCC83706920}" destId="{27ED22BB-1B07-45A4-A559-F7750CF8A5D1}" srcOrd="0" destOrd="0" presId="urn:microsoft.com/office/officeart/2005/8/layout/hierarchy2"/>
+    <dgm:cxn modelId="{3B22BE89-824F-4DAA-A66B-DB86A70A74EB}" type="presParOf" srcId="{27ED22BB-1B07-45A4-A559-F7750CF8A5D1}" destId="{7574E4DC-2299-4D49-8575-0494268971B4}" srcOrd="0" destOrd="0" presId="urn:microsoft.com/office/officeart/2005/8/layout/hierarchy2"/>
+    <dgm:cxn modelId="{2E388BE7-C525-40D5-BD63-F37F9B6F3DDB}" type="presParOf" srcId="{42216260-5960-4873-AE40-ACCC83706920}" destId="{EDE4B342-C722-4C84-ABB8-4778BB63E587}" srcOrd="1" destOrd="0" presId="urn:microsoft.com/office/officeart/2005/8/layout/hierarchy2"/>
+    <dgm:cxn modelId="{D145DC6C-517C-4412-93D7-74DB62419516}" type="presParOf" srcId="{EDE4B342-C722-4C84-ABB8-4778BB63E587}" destId="{8811B347-3CA0-4F8D-9ADF-82A8E4A19133}" srcOrd="0" destOrd="0" presId="urn:microsoft.com/office/officeart/2005/8/layout/hierarchy2"/>
+    <dgm:cxn modelId="{70CEB9FC-CE46-4F12-A50B-B3CE343E3CC6}" type="presParOf" srcId="{EDE4B342-C722-4C84-ABB8-4778BB63E587}" destId="{6C9E9EC4-9BD0-4AE4-A100-F544AAA90712}" srcOrd="1" destOrd="0" presId="urn:microsoft.com/office/officeart/2005/8/layout/hierarchy2"/>
+    <dgm:cxn modelId="{930CF178-F9AE-44B3-B29C-D288DFBF1500}" type="presParOf" srcId="{67E3630E-F463-4D9F-8205-C12B688999F5}" destId="{C6D9BABC-F985-47AA-875D-6C6A278B17C1}" srcOrd="8" destOrd="0" presId="urn:microsoft.com/office/officeart/2005/8/layout/hierarchy2"/>
+    <dgm:cxn modelId="{3B41074B-F5CC-4C47-84A6-99370DF76408}" type="presParOf" srcId="{C6D9BABC-F985-47AA-875D-6C6A278B17C1}" destId="{3348F8FA-812F-4116-9CD6-F3D5C8B6B5EE}" srcOrd="0" destOrd="0" presId="urn:microsoft.com/office/officeart/2005/8/layout/hierarchy2"/>
+    <dgm:cxn modelId="{345FC6C2-9FB7-4F15-87E4-89023FCAA7CA}" type="presParOf" srcId="{67E3630E-F463-4D9F-8205-C12B688999F5}" destId="{1812562A-2408-409F-9209-B38CA3C734E1}" srcOrd="9" destOrd="0" presId="urn:microsoft.com/office/officeart/2005/8/layout/hierarchy2"/>
+    <dgm:cxn modelId="{2A5B2DE6-D6B4-460F-9A8C-2B8A8FFEE609}" type="presParOf" srcId="{1812562A-2408-409F-9209-B38CA3C734E1}" destId="{447DC584-2A91-4F03-9DBB-EFCA8D39C53F}" srcOrd="0" destOrd="0" presId="urn:microsoft.com/office/officeart/2005/8/layout/hierarchy2"/>
+    <dgm:cxn modelId="{15F9D3FC-42EC-4B5B-A985-D1175CF7F340}" type="presParOf" srcId="{1812562A-2408-409F-9209-B38CA3C734E1}" destId="{4620CE4B-8688-41A8-856E-F03002CE9CAD}" srcOrd="1" destOrd="0" presId="urn:microsoft.com/office/officeart/2005/8/layout/hierarchy2"/>
+    <dgm:cxn modelId="{CA0D5646-EF89-4609-B2E5-F09E42B91F34}" type="presParOf" srcId="{4620CE4B-8688-41A8-856E-F03002CE9CAD}" destId="{D32E3006-F11A-493F-9664-74F09A568ADE}" srcOrd="0" destOrd="0" presId="urn:microsoft.com/office/officeart/2005/8/layout/hierarchy2"/>
+    <dgm:cxn modelId="{E3F160B9-7347-401D-B249-8AA9BF26DF85}" type="presParOf" srcId="{D32E3006-F11A-493F-9664-74F09A568ADE}" destId="{E87455D2-D3D8-415C-9FC2-059EA4FB9A51}" srcOrd="0" destOrd="0" presId="urn:microsoft.com/office/officeart/2005/8/layout/hierarchy2"/>
+    <dgm:cxn modelId="{82055B07-0DBB-4C85-BA9C-774AEEDB9065}" type="presParOf" srcId="{4620CE4B-8688-41A8-856E-F03002CE9CAD}" destId="{B1D406BB-6244-41EA-8EDF-CFF09C908FE8}" srcOrd="1" destOrd="0" presId="urn:microsoft.com/office/officeart/2005/8/layout/hierarchy2"/>
+    <dgm:cxn modelId="{3741722E-31EC-4428-97EB-7C07525DCFC9}" type="presParOf" srcId="{B1D406BB-6244-41EA-8EDF-CFF09C908FE8}" destId="{492E0CC5-DB24-47C3-89BF-AAB2D7E0BB53}" srcOrd="0" destOrd="0" presId="urn:microsoft.com/office/officeart/2005/8/layout/hierarchy2"/>
+    <dgm:cxn modelId="{7584FC56-A797-4A3B-B5A4-7CB77D227980}" type="presParOf" srcId="{B1D406BB-6244-41EA-8EDF-CFF09C908FE8}" destId="{884E9012-A5B0-4094-9C5D-56D2C98DA5BC}" srcOrd="1" destOrd="0" presId="urn:microsoft.com/office/officeart/2005/8/layout/hierarchy2"/>
+    <dgm:cxn modelId="{D8A09752-5F3E-46AC-B154-DDA7B3B1490E}" type="presParOf" srcId="{4620CE4B-8688-41A8-856E-F03002CE9CAD}" destId="{0269DBC0-5BBF-4DA1-89F6-EE09AE81A02A}" srcOrd="2" destOrd="0" presId="urn:microsoft.com/office/officeart/2005/8/layout/hierarchy2"/>
+    <dgm:cxn modelId="{D3B3D8C1-6B01-4117-AE58-50665FD2DA1C}" type="presParOf" srcId="{0269DBC0-5BBF-4DA1-89F6-EE09AE81A02A}" destId="{FF517301-59CB-48E9-A8F2-A57881B73B39}" srcOrd="0" destOrd="0" presId="urn:microsoft.com/office/officeart/2005/8/layout/hierarchy2"/>
+    <dgm:cxn modelId="{22450683-3A7F-4DF8-B11E-3F543087883C}" type="presParOf" srcId="{4620CE4B-8688-41A8-856E-F03002CE9CAD}" destId="{DA767C46-DC42-4848-A48D-924BE909EEFD}" srcOrd="3" destOrd="0" presId="urn:microsoft.com/office/officeart/2005/8/layout/hierarchy2"/>
+    <dgm:cxn modelId="{62A70CA9-3802-4646-AE43-0AAC83EF4C0E}" type="presParOf" srcId="{DA767C46-DC42-4848-A48D-924BE909EEFD}" destId="{CFF603C7-BD42-4313-A3BD-F0E96555881B}" srcOrd="0" destOrd="0" presId="urn:microsoft.com/office/officeart/2005/8/layout/hierarchy2"/>
+    <dgm:cxn modelId="{F0C8D091-CB51-45BF-A8D2-F8C658DC766C}" type="presParOf" srcId="{DA767C46-DC42-4848-A48D-924BE909EEFD}" destId="{D88F6F80-FD70-48F8-86BF-8D07DBCC2971}" srcOrd="1" destOrd="0" presId="urn:microsoft.com/office/officeart/2005/8/layout/hierarchy2"/>
+    <dgm:cxn modelId="{34851CDA-F786-4F51-9293-929664EE4F71}" type="presParOf" srcId="{4620CE4B-8688-41A8-856E-F03002CE9CAD}" destId="{63F66676-0601-45DD-9E99-1040000B4306}" srcOrd="4" destOrd="0" presId="urn:microsoft.com/office/officeart/2005/8/layout/hierarchy2"/>
+    <dgm:cxn modelId="{58838FD8-BE9C-434F-AB17-05C3386B099B}" type="presParOf" srcId="{63F66676-0601-45DD-9E99-1040000B4306}" destId="{E6C1A487-2B45-4052-88BA-5317FE37591F}" srcOrd="0" destOrd="0" presId="urn:microsoft.com/office/officeart/2005/8/layout/hierarchy2"/>
+    <dgm:cxn modelId="{544DA986-1406-4808-8C9F-9811C8B225B3}" type="presParOf" srcId="{4620CE4B-8688-41A8-856E-F03002CE9CAD}" destId="{8348FB25-5D9C-4C93-810D-676A24536930}" srcOrd="5" destOrd="0" presId="urn:microsoft.com/office/officeart/2005/8/layout/hierarchy2"/>
+    <dgm:cxn modelId="{D58CD90F-A8EE-4C96-A368-8C5EAD92F7BC}" type="presParOf" srcId="{8348FB25-5D9C-4C93-810D-676A24536930}" destId="{A3C90C79-72EF-4F43-8CD4-921235325172}" srcOrd="0" destOrd="0" presId="urn:microsoft.com/office/officeart/2005/8/layout/hierarchy2"/>
+    <dgm:cxn modelId="{D2D7E9BC-617C-461D-99EA-111D0450FAA2}" type="presParOf" srcId="{8348FB25-5D9C-4C93-810D-676A24536930}" destId="{BCDE3921-9692-401D-9783-4DB3826C226F}" srcOrd="1" destOrd="0" presId="urn:microsoft.com/office/officeart/2005/8/layout/hierarchy2"/>
+    <dgm:cxn modelId="{99A6E1BB-D810-4CE2-87FE-05195DEAFCB2}" type="presParOf" srcId="{67E3630E-F463-4D9F-8205-C12B688999F5}" destId="{751370BC-F990-401D-B1CF-AC804C8AFD7D}" srcOrd="10" destOrd="0" presId="urn:microsoft.com/office/officeart/2005/8/layout/hierarchy2"/>
+    <dgm:cxn modelId="{1F9942D3-9667-4DF3-8FD8-DB6335708FFC}" type="presParOf" srcId="{751370BC-F990-401D-B1CF-AC804C8AFD7D}" destId="{2A9089B3-EA1F-45B6-8896-00AE1DF706AB}" srcOrd="0" destOrd="0" presId="urn:microsoft.com/office/officeart/2005/8/layout/hierarchy2"/>
+    <dgm:cxn modelId="{2BC62BED-CC48-4925-8A16-0D07BED33673}" type="presParOf" srcId="{67E3630E-F463-4D9F-8205-C12B688999F5}" destId="{88FBD1C4-6DC4-4170-9982-DAAE42CCFB9C}" srcOrd="11" destOrd="0" presId="urn:microsoft.com/office/officeart/2005/8/layout/hierarchy2"/>
+    <dgm:cxn modelId="{3EAACB1B-0B2E-4E62-AE66-673C872D4157}" type="presParOf" srcId="{88FBD1C4-6DC4-4170-9982-DAAE42CCFB9C}" destId="{0A2A203D-85AF-4728-8F33-3502D8A76382}" srcOrd="0" destOrd="0" presId="urn:microsoft.com/office/officeart/2005/8/layout/hierarchy2"/>
+    <dgm:cxn modelId="{5AC388F8-57B0-4A6A-B409-E6094E179D7A}" type="presParOf" srcId="{88FBD1C4-6DC4-4170-9982-DAAE42CCFB9C}" destId="{87C0C9BD-FBB3-4265-B6E3-823681B4B1B2}" srcOrd="1" destOrd="0" presId="urn:microsoft.com/office/officeart/2005/8/layout/hierarchy2"/>
+    <dgm:cxn modelId="{FF7DCC0A-D31C-4F70-9B3B-9FA580F92712}" type="presParOf" srcId="{87C0C9BD-FBB3-4265-B6E3-823681B4B1B2}" destId="{A8C77022-2B90-4DD3-819C-D689CD601317}" srcOrd="0" destOrd="0" presId="urn:microsoft.com/office/officeart/2005/8/layout/hierarchy2"/>
+    <dgm:cxn modelId="{AC6F9A3A-2A51-46D3-A77A-64D7392B0DD4}" type="presParOf" srcId="{A8C77022-2B90-4DD3-819C-D689CD601317}" destId="{8EC6DA10-EED2-42BF-993A-A3E2AEB6E9B7}" srcOrd="0" destOrd="0" presId="urn:microsoft.com/office/officeart/2005/8/layout/hierarchy2"/>
+    <dgm:cxn modelId="{1A4DF0DC-AA5E-4D33-B1D7-7C8E4F4B841D}" type="presParOf" srcId="{87C0C9BD-FBB3-4265-B6E3-823681B4B1B2}" destId="{386151BD-C71C-44AA-A906-8AAAD5BAA68A}" srcOrd="1" destOrd="0" presId="urn:microsoft.com/office/officeart/2005/8/layout/hierarchy2"/>
+    <dgm:cxn modelId="{D772E5D2-A8B8-4A62-9717-169395F7D271}" type="presParOf" srcId="{386151BD-C71C-44AA-A906-8AAAD5BAA68A}" destId="{EC622A1A-AEB5-42E2-975D-D69ED6769D96}" srcOrd="0" destOrd="0" presId="urn:microsoft.com/office/officeart/2005/8/layout/hierarchy2"/>
+    <dgm:cxn modelId="{0A91D99E-09B2-46F9-BAB7-A634797BDD8F}" type="presParOf" srcId="{386151BD-C71C-44AA-A906-8AAAD5BAA68A}" destId="{3F95C262-DFD3-4771-93DB-5BBFD6DC1A15}" srcOrd="1" destOrd="0" presId="urn:microsoft.com/office/officeart/2005/8/layout/hierarchy2"/>
+    <dgm:cxn modelId="{9DFB5D57-8FA9-4825-90A1-7633FA1B860D}" type="presParOf" srcId="{67E3630E-F463-4D9F-8205-C12B688999F5}" destId="{F8C47E08-57AD-4AB9-B6F1-D6CDD5075FF5}" srcOrd="12" destOrd="0" presId="urn:microsoft.com/office/officeart/2005/8/layout/hierarchy2"/>
+    <dgm:cxn modelId="{4A302CF1-32D5-4648-8FAA-36DE32B1BC2D}" type="presParOf" srcId="{F8C47E08-57AD-4AB9-B6F1-D6CDD5075FF5}" destId="{151D1481-29B4-45FF-B4F8-72DFB5A22479}" srcOrd="0" destOrd="0" presId="urn:microsoft.com/office/officeart/2005/8/layout/hierarchy2"/>
+    <dgm:cxn modelId="{42325241-587C-4730-81A6-963E2F5DA581}" type="presParOf" srcId="{67E3630E-F463-4D9F-8205-C12B688999F5}" destId="{F87495FC-F005-4187-8052-3F54624C0DCC}" srcOrd="13" destOrd="0" presId="urn:microsoft.com/office/officeart/2005/8/layout/hierarchy2"/>
+    <dgm:cxn modelId="{F0D3AB7D-CBC5-4D4A-92DB-FD326F3876EA}" type="presParOf" srcId="{F87495FC-F005-4187-8052-3F54624C0DCC}" destId="{80197443-D504-44B1-8FA0-58F0FA622668}" srcOrd="0" destOrd="0" presId="urn:microsoft.com/office/officeart/2005/8/layout/hierarchy2"/>
+    <dgm:cxn modelId="{3AEF1F16-5C0C-4471-AE95-852D3963F483}" type="presParOf" srcId="{F87495FC-F005-4187-8052-3F54624C0DCC}" destId="{90FE5DB8-70E4-4B17-B7A0-11DD48076ACA}" srcOrd="1" destOrd="0" presId="urn:microsoft.com/office/officeart/2005/8/layout/hierarchy2"/>
   </dgm:cxnLst>
   <dgm:bg/>
   <dgm:whole/>
@@ -2213,8 +2282,8 @@
       </dsp:nvSpPr>
       <dsp:spPr>
         <a:xfrm>
-          <a:off x="2112298" y="3127204"/>
-          <a:ext cx="1207182" cy="603591"/>
+          <a:off x="2476965" y="3154830"/>
+          <a:ext cx="1096677" cy="548338"/>
         </a:xfrm>
         <a:prstGeom prst="roundRect">
           <a:avLst>
@@ -2258,12 +2327,12 @@
         </a:fontRef>
       </dsp:style>
       <dsp:txBody>
-        <a:bodyPr spcFirstLastPara="0" vert="horz" wrap="square" lIns="8890" tIns="8890" rIns="8890" bIns="8890" numCol="1" spcCol="1270" anchor="ctr" anchorCtr="0">
+        <a:bodyPr spcFirstLastPara="0" vert="horz" wrap="square" lIns="7620" tIns="7620" rIns="7620" bIns="7620" numCol="1" spcCol="1270" anchor="ctr" anchorCtr="0">
           <a:noAutofit/>
         </a:bodyPr>
         <a:lstStyle/>
         <a:p>
-          <a:pPr marL="0" lvl="0" indent="0" algn="ctr" defTabSz="622300">
+          <a:pPr marL="0" lvl="0" indent="0" algn="ctr" defTabSz="533400">
             <a:lnSpc>
               <a:spcPct val="90000"/>
             </a:lnSpc>
@@ -2276,25 +2345,25 @@
             <a:buNone/>
           </a:pPr>
           <a:r>
-            <a:rPr kumimoji="1" lang="ja-JP" altLang="en-US" sz="1400" kern="1200" dirty="0"/>
+            <a:rPr kumimoji="1" lang="ja-JP" altLang="en-US" sz="1200" kern="1200" dirty="0"/>
             <a:t>トップページ</a:t>
           </a:r>
         </a:p>
       </dsp:txBody>
       <dsp:txXfrm>
-        <a:off x="2129977" y="3144883"/>
-        <a:ext cx="1171824" cy="568233"/>
+        <a:off x="2493025" y="3170890"/>
+        <a:ext cx="1064557" cy="516218"/>
       </dsp:txXfrm>
     </dsp:sp>
-    <dsp:sp modelId="{5B5FA48C-4AD0-4CA2-BEE7-CF6169F10446}">
+    <dsp:sp modelId="{10EBDB7D-D330-4DC9-BDC7-1DA0D11CDB9C}">
       <dsp:nvSpPr>
         <dsp:cNvPr id="0" name=""/>
         <dsp:cNvSpPr/>
       </dsp:nvSpPr>
       <dsp:spPr>
-        <a:xfrm rot="16727265">
-          <a:off x="1980574" y="1859286"/>
-          <a:ext cx="3160686" cy="15842"/>
+        <a:xfrm rot="16675244">
+          <a:off x="2201319" y="1845330"/>
+          <a:ext cx="3183317" cy="14392"/>
         </a:xfrm>
         <a:custGeom>
           <a:avLst/>
@@ -2305,10 +2374,10 @@
           <a:pathLst>
             <a:path>
               <a:moveTo>
-                <a:pt x="0" y="7921"/>
+                <a:pt x="0" y="7196"/>
               </a:moveTo>
               <a:lnTo>
-                <a:pt x="3160686" y="7921"/>
+                <a:pt x="3183317" y="7196"/>
               </a:lnTo>
             </a:path>
           </a:pathLst>
@@ -2363,19 +2432,19 @@
         </a:p>
       </dsp:txBody>
       <dsp:txXfrm>
-        <a:off x="3481900" y="1788190"/>
-        <a:ext cx="158034" cy="158034"/>
+        <a:off x="3713394" y="1772943"/>
+        <a:ext cx="159165" cy="159165"/>
       </dsp:txXfrm>
     </dsp:sp>
-    <dsp:sp modelId="{89524B21-6DAB-4D8B-B0E5-2B32C11A7D3D}">
+    <dsp:sp modelId="{A3719D20-29DC-4490-A24C-2BD557049D04}">
       <dsp:nvSpPr>
         <dsp:cNvPr id="0" name=""/>
         <dsp:cNvSpPr/>
       </dsp:nvSpPr>
       <dsp:spPr>
         <a:xfrm>
-          <a:off x="3802353" y="3620"/>
-          <a:ext cx="1207182" cy="603591"/>
+          <a:off x="4012313" y="1883"/>
+          <a:ext cx="1096677" cy="548338"/>
         </a:xfrm>
         <a:prstGeom prst="roundRect">
           <a:avLst>
@@ -2419,12 +2488,12 @@
         </a:fontRef>
       </dsp:style>
       <dsp:txBody>
-        <a:bodyPr spcFirstLastPara="0" vert="horz" wrap="square" lIns="8890" tIns="8890" rIns="8890" bIns="8890" numCol="1" spcCol="1270" anchor="ctr" anchorCtr="0">
+        <a:bodyPr spcFirstLastPara="0" vert="horz" wrap="square" lIns="7620" tIns="7620" rIns="7620" bIns="7620" numCol="1" spcCol="1270" anchor="ctr" anchorCtr="0">
           <a:noAutofit/>
         </a:bodyPr>
         <a:lstStyle/>
         <a:p>
-          <a:pPr marL="0" lvl="0" indent="0" algn="ctr" defTabSz="622300">
+          <a:pPr marL="0" lvl="0" indent="0" algn="ctr" defTabSz="533400">
             <a:lnSpc>
               <a:spcPct val="90000"/>
             </a:lnSpc>
@@ -2437,25 +2506,25 @@
             <a:buNone/>
           </a:pPr>
           <a:r>
-            <a:rPr kumimoji="1" lang="ja-JP" altLang="en-US" sz="1400" kern="1200" dirty="0"/>
-            <a:t>投稿記事</a:t>
+            <a:rPr kumimoji="1" lang="ja-JP" altLang="en-US" sz="1200" kern="1200" dirty="0"/>
+            <a:t>食材</a:t>
           </a:r>
         </a:p>
       </dsp:txBody>
       <dsp:txXfrm>
-        <a:off x="3820032" y="21299"/>
-        <a:ext cx="1171824" cy="568233"/>
+        <a:off x="4028373" y="17943"/>
+        <a:ext cx="1064557" cy="516218"/>
       </dsp:txXfrm>
     </dsp:sp>
-    <dsp:sp modelId="{B8AE56E0-1F43-4EE2-A49B-E1E30F95E71C}">
+    <dsp:sp modelId="{5B5FA48C-4AD0-4CA2-BEE7-CF6169F10446}">
       <dsp:nvSpPr>
         <dsp:cNvPr id="0" name=""/>
         <dsp:cNvSpPr/>
       </dsp:nvSpPr>
       <dsp:spPr>
-        <a:xfrm>
-          <a:off x="5009536" y="297495"/>
-          <a:ext cx="482872" cy="15842"/>
+        <a:xfrm rot="16791948">
+          <a:off x="2512868" y="2160625"/>
+          <a:ext cx="2560218" cy="14392"/>
         </a:xfrm>
         <a:custGeom>
           <a:avLst/>
@@ -2466,10 +2535,10 @@
           <a:pathLst>
             <a:path>
               <a:moveTo>
-                <a:pt x="0" y="7921"/>
+                <a:pt x="0" y="7196"/>
               </a:moveTo>
               <a:lnTo>
-                <a:pt x="482872" y="7921"/>
+                <a:pt x="2560218" y="7196"/>
               </a:lnTo>
             </a:path>
           </a:pathLst>
@@ -2478,7 +2547,7 @@
         <a:ln w="12700" cap="flat" cmpd="sng" algn="ctr">
           <a:solidFill>
             <a:schemeClr val="accent1">
-              <a:shade val="80000"/>
+              <a:shade val="60000"/>
               <a:hueOff val="0"/>
               <a:satOff val="0"/>
               <a:lumOff val="0"/>
@@ -2508,7 +2577,7 @@
         </a:bodyPr>
         <a:lstStyle/>
         <a:p>
-          <a:pPr marL="0" lvl="0" indent="0" algn="ctr" defTabSz="222250">
+          <a:pPr marL="0" lvl="0" indent="0" algn="ctr" defTabSz="266700">
             <a:lnSpc>
               <a:spcPct val="90000"/>
             </a:lnSpc>
@@ -2520,23 +2589,23 @@
             </a:spcAft>
             <a:buNone/>
           </a:pPr>
-          <a:endParaRPr kumimoji="1" lang="ja-JP" altLang="en-US" sz="500" kern="1200"/>
+          <a:endParaRPr kumimoji="1" lang="ja-JP" altLang="en-US" sz="600" kern="1200"/>
         </a:p>
       </dsp:txBody>
       <dsp:txXfrm>
-        <a:off x="5238900" y="293344"/>
-        <a:ext cx="24143" cy="24143"/>
+        <a:off x="3728972" y="2103815"/>
+        <a:ext cx="128010" cy="128010"/>
       </dsp:txXfrm>
     </dsp:sp>
-    <dsp:sp modelId="{436A9D22-A917-4CDD-B382-4C713659566F}">
+    <dsp:sp modelId="{89524B21-6DAB-4D8B-B0E5-2B32C11A7D3D}">
       <dsp:nvSpPr>
         <dsp:cNvPr id="0" name=""/>
         <dsp:cNvSpPr/>
       </dsp:nvSpPr>
       <dsp:spPr>
         <a:xfrm>
-          <a:off x="5492408" y="3620"/>
-          <a:ext cx="1207182" cy="603591"/>
+          <a:off x="4012313" y="632473"/>
+          <a:ext cx="1096677" cy="548338"/>
         </a:xfrm>
         <a:prstGeom prst="roundRect">
           <a:avLst>
@@ -2580,12 +2649,12 @@
         </a:fontRef>
       </dsp:style>
       <dsp:txBody>
-        <a:bodyPr spcFirstLastPara="0" vert="horz" wrap="square" lIns="8890" tIns="8890" rIns="8890" bIns="8890" numCol="1" spcCol="1270" anchor="ctr" anchorCtr="0">
+        <a:bodyPr spcFirstLastPara="0" vert="horz" wrap="square" lIns="7620" tIns="7620" rIns="7620" bIns="7620" numCol="1" spcCol="1270" anchor="ctr" anchorCtr="0">
           <a:noAutofit/>
         </a:bodyPr>
         <a:lstStyle/>
         <a:p>
-          <a:pPr marL="0" lvl="0" indent="0" algn="ctr" defTabSz="622300">
+          <a:pPr marL="0" lvl="0" indent="0" algn="ctr" defTabSz="533400">
             <a:lnSpc>
               <a:spcPct val="90000"/>
             </a:lnSpc>
@@ -2598,25 +2667,25 @@
             <a:buNone/>
           </a:pPr>
           <a:r>
-            <a:rPr kumimoji="1" lang="ja-JP" altLang="en-US" sz="1400" kern="1200" dirty="0"/>
-            <a:t>記事詳細</a:t>
+            <a:rPr kumimoji="1" lang="ja-JP" altLang="en-US" sz="1200" kern="1200" dirty="0"/>
+            <a:t>投稿記事</a:t>
           </a:r>
         </a:p>
       </dsp:txBody>
       <dsp:txXfrm>
-        <a:off x="5510087" y="21299"/>
-        <a:ext cx="1171824" cy="568233"/>
+        <a:off x="4028373" y="648533"/>
+        <a:ext cx="1064557" cy="516218"/>
       </dsp:txXfrm>
     </dsp:sp>
-    <dsp:sp modelId="{B33E6943-02B4-4B38-A335-173F99D1B66E}">
+    <dsp:sp modelId="{B8AE56E0-1F43-4EE2-A49B-E1E30F95E71C}">
       <dsp:nvSpPr>
         <dsp:cNvPr id="0" name=""/>
         <dsp:cNvSpPr/>
       </dsp:nvSpPr>
       <dsp:spPr>
-        <a:xfrm rot="16874489">
-          <a:off x="2322429" y="2206351"/>
-          <a:ext cx="2476976" cy="15842"/>
+        <a:xfrm>
+          <a:off x="5108990" y="899446"/>
+          <a:ext cx="438670" cy="14392"/>
         </a:xfrm>
         <a:custGeom>
           <a:avLst/>
@@ -2627,10 +2696,10 @@
           <a:pathLst>
             <a:path>
               <a:moveTo>
-                <a:pt x="0" y="7921"/>
+                <a:pt x="0" y="7196"/>
               </a:moveTo>
               <a:lnTo>
-                <a:pt x="2476976" y="7921"/>
+                <a:pt x="438670" y="7196"/>
               </a:lnTo>
             </a:path>
           </a:pathLst>
@@ -2639,7 +2708,7 @@
         <a:ln w="12700" cap="flat" cmpd="sng" algn="ctr">
           <a:solidFill>
             <a:schemeClr val="accent1">
-              <a:shade val="60000"/>
+              <a:shade val="80000"/>
               <a:hueOff val="0"/>
               <a:satOff val="0"/>
               <a:lumOff val="0"/>
@@ -2669,7 +2738,7 @@
         </a:bodyPr>
         <a:lstStyle/>
         <a:p>
-          <a:pPr marL="0" lvl="0" indent="0" algn="ctr" defTabSz="266700">
+          <a:pPr marL="0" lvl="0" indent="0" algn="ctr" defTabSz="222250">
             <a:lnSpc>
               <a:spcPct val="90000"/>
             </a:lnSpc>
@@ -2681,23 +2750,23 @@
             </a:spcAft>
             <a:buNone/>
           </a:pPr>
-          <a:endParaRPr kumimoji="1" lang="ja-JP" altLang="en-US" sz="600" kern="1200"/>
+          <a:endParaRPr kumimoji="1" lang="ja-JP" altLang="en-US" sz="500" kern="1200"/>
         </a:p>
       </dsp:txBody>
       <dsp:txXfrm>
-        <a:off x="3498993" y="2152348"/>
-        <a:ext cx="123848" cy="123848"/>
+        <a:off x="5317359" y="895675"/>
+        <a:ext cx="21933" cy="21933"/>
       </dsp:txXfrm>
     </dsp:sp>
-    <dsp:sp modelId="{DA2ECC67-C634-4F6C-921B-E2AC98CDA1E0}">
+    <dsp:sp modelId="{436A9D22-A917-4CDD-B382-4C713659566F}">
       <dsp:nvSpPr>
         <dsp:cNvPr id="0" name=""/>
         <dsp:cNvSpPr/>
       </dsp:nvSpPr>
       <dsp:spPr>
         <a:xfrm>
-          <a:off x="3802353" y="697750"/>
-          <a:ext cx="1207182" cy="603591"/>
+          <a:off x="5547661" y="632473"/>
+          <a:ext cx="1096677" cy="548338"/>
         </a:xfrm>
         <a:prstGeom prst="roundRect">
           <a:avLst>
@@ -2741,12 +2810,12 @@
         </a:fontRef>
       </dsp:style>
       <dsp:txBody>
-        <a:bodyPr spcFirstLastPara="0" vert="horz" wrap="square" lIns="8890" tIns="8890" rIns="8890" bIns="8890" numCol="1" spcCol="1270" anchor="ctr" anchorCtr="0">
+        <a:bodyPr spcFirstLastPara="0" vert="horz" wrap="square" lIns="7620" tIns="7620" rIns="7620" bIns="7620" numCol="1" spcCol="1270" anchor="ctr" anchorCtr="0">
           <a:noAutofit/>
         </a:bodyPr>
         <a:lstStyle/>
         <a:p>
-          <a:pPr marL="0" lvl="0" indent="0" algn="ctr" defTabSz="622300">
+          <a:pPr marL="0" lvl="0" indent="0" algn="ctr" defTabSz="533400">
             <a:lnSpc>
               <a:spcPct val="90000"/>
             </a:lnSpc>
@@ -2759,25 +2828,25 @@
             <a:buNone/>
           </a:pPr>
           <a:r>
-            <a:rPr kumimoji="1" lang="ja-JP" altLang="en-US" sz="1400" kern="1200" dirty="0"/>
-            <a:t>タグ一覧</a:t>
+            <a:rPr kumimoji="1" lang="ja-JP" altLang="en-US" sz="1200" kern="1200" dirty="0"/>
+            <a:t>記事詳細</a:t>
           </a:r>
         </a:p>
       </dsp:txBody>
       <dsp:txXfrm>
-        <a:off x="3820032" y="715429"/>
-        <a:ext cx="1171824" cy="568233"/>
+        <a:off x="5563721" y="648533"/>
+        <a:ext cx="1064557" cy="516218"/>
       </dsp:txXfrm>
     </dsp:sp>
-    <dsp:sp modelId="{96EF483A-E398-4B55-BD5A-D4D3674A3178}">
+    <dsp:sp modelId="{B33E6943-02B4-4B38-A335-173F99D1B66E}">
       <dsp:nvSpPr>
         <dsp:cNvPr id="0" name=""/>
         <dsp:cNvSpPr/>
       </dsp:nvSpPr>
       <dsp:spPr>
-        <a:xfrm rot="17350740">
-          <a:off x="2825997" y="2726949"/>
-          <a:ext cx="1469840" cy="15842"/>
+        <a:xfrm rot="16983315">
+          <a:off x="2821996" y="2475919"/>
+          <a:ext cx="1941962" cy="14392"/>
         </a:xfrm>
         <a:custGeom>
           <a:avLst/>
@@ -2788,10 +2857,10 @@
           <a:pathLst>
             <a:path>
               <a:moveTo>
-                <a:pt x="0" y="7921"/>
+                <a:pt x="0" y="7196"/>
               </a:moveTo>
               <a:lnTo>
-                <a:pt x="1469840" y="7921"/>
+                <a:pt x="1941962" y="7196"/>
               </a:lnTo>
             </a:path>
           </a:pathLst>
@@ -2846,19 +2915,19 @@
         </a:p>
       </dsp:txBody>
       <dsp:txXfrm>
-        <a:off x="3524171" y="2698124"/>
-        <a:ext cx="73492" cy="73492"/>
+        <a:off x="3744428" y="2434566"/>
+        <a:ext cx="97098" cy="97098"/>
       </dsp:txXfrm>
     </dsp:sp>
-    <dsp:sp modelId="{7D33D451-C787-486D-93F4-3E2824006D67}">
+    <dsp:sp modelId="{DA2ECC67-C634-4F6C-921B-E2AC98CDA1E0}">
       <dsp:nvSpPr>
         <dsp:cNvPr id="0" name=""/>
         <dsp:cNvSpPr/>
       </dsp:nvSpPr>
       <dsp:spPr>
         <a:xfrm>
-          <a:off x="3802353" y="1738945"/>
-          <a:ext cx="1207182" cy="603591"/>
+          <a:off x="4012313" y="1263062"/>
+          <a:ext cx="1096677" cy="548338"/>
         </a:xfrm>
         <a:prstGeom prst="roundRect">
           <a:avLst>
@@ -2902,12 +2971,12 @@
         </a:fontRef>
       </dsp:style>
       <dsp:txBody>
-        <a:bodyPr spcFirstLastPara="0" vert="horz" wrap="square" lIns="8890" tIns="8890" rIns="8890" bIns="8890" numCol="1" spcCol="1270" anchor="ctr" anchorCtr="0">
+        <a:bodyPr spcFirstLastPara="0" vert="horz" wrap="square" lIns="7620" tIns="7620" rIns="7620" bIns="7620" numCol="1" spcCol="1270" anchor="ctr" anchorCtr="0">
           <a:noAutofit/>
         </a:bodyPr>
         <a:lstStyle/>
         <a:p>
-          <a:pPr marL="0" lvl="0" indent="0" algn="ctr" defTabSz="622300">
+          <a:pPr marL="0" lvl="0" indent="0" algn="ctr" defTabSz="533400">
             <a:lnSpc>
               <a:spcPct val="90000"/>
             </a:lnSpc>
@@ -2920,25 +2989,25 @@
             <a:buNone/>
           </a:pPr>
           <a:r>
-            <a:rPr kumimoji="1" lang="ja-JP" altLang="en-US" sz="1400" kern="1200" dirty="0"/>
-            <a:t>マイページ</a:t>
+            <a:rPr kumimoji="1" lang="ja-JP" altLang="en-US" sz="1200" kern="1200" dirty="0"/>
+            <a:t>タグ一覧</a:t>
           </a:r>
         </a:p>
       </dsp:txBody>
       <dsp:txXfrm>
-        <a:off x="3820032" y="1756624"/>
-        <a:ext cx="1171824" cy="568233"/>
+        <a:off x="4028373" y="1279122"/>
+        <a:ext cx="1064557" cy="516218"/>
       </dsp:txXfrm>
     </dsp:sp>
-    <dsp:sp modelId="{1FEC21F1-4B3F-4DAD-9C5D-4265622D7589}">
+    <dsp:sp modelId="{96EF483A-E398-4B55-BD5A-D4D3674A3178}">
       <dsp:nvSpPr>
         <dsp:cNvPr id="0" name=""/>
         <dsp:cNvSpPr/>
       </dsp:nvSpPr>
       <dsp:spPr>
         <a:xfrm rot="17692822">
-          <a:off x="4677114" y="1512222"/>
-          <a:ext cx="1147716" cy="15842"/>
+          <a:off x="3271650" y="2948861"/>
+          <a:ext cx="1042654" cy="14392"/>
         </a:xfrm>
         <a:custGeom>
           <a:avLst/>
@@ -2949,10 +3018,10 @@
           <a:pathLst>
             <a:path>
               <a:moveTo>
-                <a:pt x="0" y="7921"/>
+                <a:pt x="0" y="7196"/>
               </a:moveTo>
               <a:lnTo>
-                <a:pt x="1147716" y="7921"/>
+                <a:pt x="1042654" y="7196"/>
               </a:lnTo>
             </a:path>
           </a:pathLst>
@@ -2961,7 +3030,7 @@
         <a:ln w="12700" cap="flat" cmpd="sng" algn="ctr">
           <a:solidFill>
             <a:schemeClr val="accent1">
-              <a:shade val="80000"/>
+              <a:shade val="60000"/>
               <a:hueOff val="0"/>
               <a:satOff val="0"/>
               <a:lumOff val="0"/>
@@ -3007,19 +3076,19 @@
         </a:p>
       </dsp:txBody>
       <dsp:txXfrm>
-        <a:off x="5222279" y="1491450"/>
-        <a:ext cx="57385" cy="57385"/>
+        <a:off x="3766911" y="2929991"/>
+        <a:ext cx="52132" cy="52132"/>
       </dsp:txXfrm>
     </dsp:sp>
-    <dsp:sp modelId="{F2B8A188-3718-407D-B3FC-C96FD0776F40}">
+    <dsp:sp modelId="{7D33D451-C787-486D-93F4-3E2824006D67}">
       <dsp:nvSpPr>
         <dsp:cNvPr id="0" name=""/>
         <dsp:cNvSpPr/>
       </dsp:nvSpPr>
       <dsp:spPr>
         <a:xfrm>
-          <a:off x="5492408" y="697750"/>
-          <a:ext cx="1207182" cy="603591"/>
+          <a:off x="4012313" y="2208946"/>
+          <a:ext cx="1096677" cy="548338"/>
         </a:xfrm>
         <a:prstGeom prst="roundRect">
           <a:avLst>
@@ -3063,12 +3132,12 @@
         </a:fontRef>
       </dsp:style>
       <dsp:txBody>
-        <a:bodyPr spcFirstLastPara="0" vert="horz" wrap="square" lIns="8890" tIns="8890" rIns="8890" bIns="8890" numCol="1" spcCol="1270" anchor="ctr" anchorCtr="0">
+        <a:bodyPr spcFirstLastPara="0" vert="horz" wrap="square" lIns="7620" tIns="7620" rIns="7620" bIns="7620" numCol="1" spcCol="1270" anchor="ctr" anchorCtr="0">
           <a:noAutofit/>
         </a:bodyPr>
         <a:lstStyle/>
         <a:p>
-          <a:pPr marL="0" lvl="0" indent="0" algn="ctr" defTabSz="622300">
+          <a:pPr marL="0" lvl="0" indent="0" algn="ctr" defTabSz="533400">
             <a:lnSpc>
               <a:spcPct val="90000"/>
             </a:lnSpc>
@@ -3081,25 +3150,25 @@
             <a:buNone/>
           </a:pPr>
           <a:r>
-            <a:rPr kumimoji="1" lang="ja-JP" altLang="en-US" sz="1400" kern="1200" dirty="0"/>
-            <a:t>ログアウト</a:t>
+            <a:rPr kumimoji="1" lang="ja-JP" altLang="en-US" sz="1200" kern="1200" dirty="0"/>
+            <a:t>マイページ</a:t>
           </a:r>
         </a:p>
       </dsp:txBody>
       <dsp:txXfrm>
-        <a:off x="5510087" y="715429"/>
-        <a:ext cx="1171824" cy="568233"/>
+        <a:off x="4028373" y="2225006"/>
+        <a:ext cx="1064557" cy="516218"/>
       </dsp:txXfrm>
     </dsp:sp>
-    <dsp:sp modelId="{70CFBB8A-866E-4BF8-BA5A-17C5A644F6FA}">
+    <dsp:sp modelId="{1FEC21F1-4B3F-4DAD-9C5D-4265622D7589}">
       <dsp:nvSpPr>
         <dsp:cNvPr id="0" name=""/>
         <dsp:cNvSpPr/>
       </dsp:nvSpPr>
       <dsp:spPr>
-        <a:xfrm rot="19457599">
-          <a:off x="4953642" y="1859286"/>
-          <a:ext cx="594659" cy="15842"/>
+        <a:xfrm rot="17692822">
+          <a:off x="4806998" y="2002977"/>
+          <a:ext cx="1042654" cy="14392"/>
         </a:xfrm>
         <a:custGeom>
           <a:avLst/>
@@ -3110,10 +3179,10 @@
           <a:pathLst>
             <a:path>
               <a:moveTo>
-                <a:pt x="0" y="7921"/>
+                <a:pt x="0" y="7196"/>
               </a:moveTo>
               <a:lnTo>
-                <a:pt x="594659" y="7921"/>
+                <a:pt x="1042654" y="7196"/>
               </a:lnTo>
             </a:path>
           </a:pathLst>
@@ -3168,19 +3237,19 @@
         </a:p>
       </dsp:txBody>
       <dsp:txXfrm>
-        <a:off x="5236106" y="1852341"/>
-        <a:ext cx="29732" cy="29732"/>
+        <a:off x="5302259" y="1984107"/>
+        <a:ext cx="52132" cy="52132"/>
       </dsp:txXfrm>
     </dsp:sp>
-    <dsp:sp modelId="{5317B01C-632D-41ED-9B4F-575F93F78D14}">
+    <dsp:sp modelId="{F2B8A188-3718-407D-B3FC-C96FD0776F40}">
       <dsp:nvSpPr>
         <dsp:cNvPr id="0" name=""/>
         <dsp:cNvSpPr/>
       </dsp:nvSpPr>
       <dsp:spPr>
         <a:xfrm>
-          <a:off x="5492408" y="1391880"/>
-          <a:ext cx="1207182" cy="603591"/>
+          <a:off x="5547661" y="1263062"/>
+          <a:ext cx="1096677" cy="548338"/>
         </a:xfrm>
         <a:prstGeom prst="roundRect">
           <a:avLst>
@@ -3224,12 +3293,12 @@
         </a:fontRef>
       </dsp:style>
       <dsp:txBody>
-        <a:bodyPr spcFirstLastPara="0" vert="horz" wrap="square" lIns="8890" tIns="8890" rIns="8890" bIns="8890" numCol="1" spcCol="1270" anchor="ctr" anchorCtr="0">
+        <a:bodyPr spcFirstLastPara="0" vert="horz" wrap="square" lIns="7620" tIns="7620" rIns="7620" bIns="7620" numCol="1" spcCol="1270" anchor="ctr" anchorCtr="0">
           <a:noAutofit/>
         </a:bodyPr>
         <a:lstStyle/>
         <a:p>
-          <a:pPr marL="0" lvl="0" indent="0" algn="ctr" defTabSz="622300">
+          <a:pPr marL="0" lvl="0" indent="0" algn="ctr" defTabSz="533400">
             <a:lnSpc>
               <a:spcPct val="90000"/>
             </a:lnSpc>
@@ -3242,25 +3311,25 @@
             <a:buNone/>
           </a:pPr>
           <a:r>
-            <a:rPr kumimoji="1" lang="ja-JP" altLang="en-US" sz="1400" kern="1200" dirty="0"/>
-            <a:t>プロフィール</a:t>
+            <a:rPr kumimoji="1" lang="ja-JP" altLang="en-US" sz="1200" kern="1200" dirty="0"/>
+            <a:t>ログアウト</a:t>
           </a:r>
         </a:p>
       </dsp:txBody>
       <dsp:txXfrm>
-        <a:off x="5510087" y="1409559"/>
-        <a:ext cx="1171824" cy="568233"/>
+        <a:off x="5563721" y="1279122"/>
+        <a:ext cx="1064557" cy="516218"/>
       </dsp:txXfrm>
     </dsp:sp>
-    <dsp:sp modelId="{FFB091AB-A198-43E4-AE0F-D8E1EDDD9E7B}">
+    <dsp:sp modelId="{70CFBB8A-866E-4BF8-BA5A-17C5A644F6FA}">
       <dsp:nvSpPr>
         <dsp:cNvPr id="0" name=""/>
         <dsp:cNvSpPr/>
       </dsp:nvSpPr>
       <dsp:spPr>
-        <a:xfrm rot="2142401">
-          <a:off x="4953642" y="2206351"/>
-          <a:ext cx="594659" cy="15842"/>
+        <a:xfrm rot="19457599">
+          <a:off x="5058213" y="2318272"/>
+          <a:ext cx="540224" cy="14392"/>
         </a:xfrm>
         <a:custGeom>
           <a:avLst/>
@@ -3271,10 +3340,10 @@
           <a:pathLst>
             <a:path>
               <a:moveTo>
-                <a:pt x="0" y="7921"/>
+                <a:pt x="0" y="7196"/>
               </a:moveTo>
               <a:lnTo>
-                <a:pt x="594659" y="7921"/>
+                <a:pt x="540224" y="7196"/>
               </a:lnTo>
             </a:path>
           </a:pathLst>
@@ -3329,19 +3398,19 @@
         </a:p>
       </dsp:txBody>
       <dsp:txXfrm>
-        <a:off x="5236106" y="2199406"/>
-        <a:ext cx="29732" cy="29732"/>
+        <a:off x="5314820" y="2311962"/>
+        <a:ext cx="27011" cy="27011"/>
       </dsp:txXfrm>
     </dsp:sp>
-    <dsp:sp modelId="{D2FAC230-2C60-4E83-AF8E-FD8A9E51E382}">
+    <dsp:sp modelId="{5317B01C-632D-41ED-9B4F-575F93F78D14}">
       <dsp:nvSpPr>
         <dsp:cNvPr id="0" name=""/>
         <dsp:cNvSpPr/>
       </dsp:nvSpPr>
       <dsp:spPr>
         <a:xfrm>
-          <a:off x="5492408" y="2086009"/>
-          <a:ext cx="1207182" cy="603591"/>
+          <a:off x="5547661" y="1893651"/>
+          <a:ext cx="1096677" cy="548338"/>
         </a:xfrm>
         <a:prstGeom prst="roundRect">
           <a:avLst>
@@ -3385,12 +3454,12 @@
         </a:fontRef>
       </dsp:style>
       <dsp:txBody>
-        <a:bodyPr spcFirstLastPara="0" vert="horz" wrap="square" lIns="8890" tIns="8890" rIns="8890" bIns="8890" numCol="1" spcCol="1270" anchor="ctr" anchorCtr="0">
+        <a:bodyPr spcFirstLastPara="0" vert="horz" wrap="square" lIns="7620" tIns="7620" rIns="7620" bIns="7620" numCol="1" spcCol="1270" anchor="ctr" anchorCtr="0">
           <a:noAutofit/>
         </a:bodyPr>
         <a:lstStyle/>
         <a:p>
-          <a:pPr marL="0" lvl="0" indent="0" algn="ctr" defTabSz="622300">
+          <a:pPr marL="0" lvl="0" indent="0" algn="ctr" defTabSz="533400">
             <a:lnSpc>
               <a:spcPct val="90000"/>
             </a:lnSpc>
@@ -3403,25 +3472,25 @@
             <a:buNone/>
           </a:pPr>
           <a:r>
-            <a:rPr kumimoji="1" lang="ja-JP" altLang="en-US" sz="1400" kern="1200" dirty="0"/>
-            <a:t>ログイン画面</a:t>
+            <a:rPr kumimoji="1" lang="ja-JP" altLang="en-US" sz="1200" kern="1200" dirty="0"/>
+            <a:t>プロフィール</a:t>
           </a:r>
         </a:p>
       </dsp:txBody>
       <dsp:txXfrm>
-        <a:off x="5510087" y="2103688"/>
-        <a:ext cx="1171824" cy="568233"/>
+        <a:off x="5563721" y="1909711"/>
+        <a:ext cx="1064557" cy="516218"/>
       </dsp:txXfrm>
     </dsp:sp>
-    <dsp:sp modelId="{91366EF6-BF68-402D-ADC9-51B302157398}">
+    <dsp:sp modelId="{FFB091AB-A198-43E4-AE0F-D8E1EDDD9E7B}">
       <dsp:nvSpPr>
         <dsp:cNvPr id="0" name=""/>
         <dsp:cNvSpPr/>
       </dsp:nvSpPr>
       <dsp:spPr>
-        <a:xfrm>
-          <a:off x="6699591" y="2379884"/>
-          <a:ext cx="482872" cy="15842"/>
+        <a:xfrm rot="2142401">
+          <a:off x="5058213" y="2633567"/>
+          <a:ext cx="540224" cy="14392"/>
         </a:xfrm>
         <a:custGeom>
           <a:avLst/>
@@ -3432,10 +3501,10 @@
           <a:pathLst>
             <a:path>
               <a:moveTo>
-                <a:pt x="0" y="7921"/>
+                <a:pt x="0" y="7196"/>
               </a:moveTo>
               <a:lnTo>
-                <a:pt x="482872" y="7921"/>
+                <a:pt x="540224" y="7196"/>
               </a:lnTo>
             </a:path>
           </a:pathLst>
@@ -3490,19 +3559,19 @@
         </a:p>
       </dsp:txBody>
       <dsp:txXfrm>
-        <a:off x="6928955" y="2375733"/>
-        <a:ext cx="24143" cy="24143"/>
+        <a:off x="5314820" y="2627257"/>
+        <a:ext cx="27011" cy="27011"/>
       </dsp:txXfrm>
     </dsp:sp>
-    <dsp:sp modelId="{011C0FC4-FA56-4769-AE71-41C91C033287}">
+    <dsp:sp modelId="{D2FAC230-2C60-4E83-AF8E-FD8A9E51E382}">
       <dsp:nvSpPr>
         <dsp:cNvPr id="0" name=""/>
         <dsp:cNvSpPr/>
       </dsp:nvSpPr>
       <dsp:spPr>
         <a:xfrm>
-          <a:off x="7182463" y="2086009"/>
-          <a:ext cx="1207182" cy="603591"/>
+          <a:off x="5547661" y="2524241"/>
+          <a:ext cx="1096677" cy="548338"/>
         </a:xfrm>
         <a:prstGeom prst="roundRect">
           <a:avLst>
@@ -3546,12 +3615,12 @@
         </a:fontRef>
       </dsp:style>
       <dsp:txBody>
-        <a:bodyPr spcFirstLastPara="0" vert="horz" wrap="square" lIns="8890" tIns="8890" rIns="8890" bIns="8890" numCol="1" spcCol="1270" anchor="ctr" anchorCtr="0">
+        <a:bodyPr spcFirstLastPara="0" vert="horz" wrap="square" lIns="7620" tIns="7620" rIns="7620" bIns="7620" numCol="1" spcCol="1270" anchor="ctr" anchorCtr="0">
           <a:noAutofit/>
         </a:bodyPr>
         <a:lstStyle/>
         <a:p>
-          <a:pPr marL="0" lvl="0" indent="0" algn="ctr" defTabSz="622300">
+          <a:pPr marL="0" lvl="0" indent="0" algn="ctr" defTabSz="533400">
             <a:lnSpc>
               <a:spcPct val="90000"/>
             </a:lnSpc>
@@ -3564,25 +3633,25 @@
             <a:buNone/>
           </a:pPr>
           <a:r>
-            <a:rPr kumimoji="1" lang="ja-JP" altLang="en-US" sz="1400" kern="1200" dirty="0"/>
-            <a:t>新規登録</a:t>
+            <a:rPr kumimoji="1" lang="ja-JP" altLang="en-US" sz="1200" kern="1200" dirty="0"/>
+            <a:t>ログイン画面</a:t>
           </a:r>
         </a:p>
       </dsp:txBody>
       <dsp:txXfrm>
-        <a:off x="7200142" y="2103688"/>
-        <a:ext cx="1171824" cy="568233"/>
+        <a:off x="5563721" y="2540301"/>
+        <a:ext cx="1064557" cy="516218"/>
       </dsp:txXfrm>
     </dsp:sp>
-    <dsp:sp modelId="{6CFC26EE-92A6-42DB-AC11-4F5C6E7A79A5}">
+    <dsp:sp modelId="{91366EF6-BF68-402D-ADC9-51B302157398}">
       <dsp:nvSpPr>
         <dsp:cNvPr id="0" name=""/>
         <dsp:cNvSpPr/>
       </dsp:nvSpPr>
       <dsp:spPr>
         <a:xfrm>
-          <a:off x="8389646" y="2379884"/>
-          <a:ext cx="482872" cy="15842"/>
+          <a:off x="6644338" y="2791214"/>
+          <a:ext cx="438670" cy="14392"/>
         </a:xfrm>
         <a:custGeom>
           <a:avLst/>
@@ -3593,10 +3662,10 @@
           <a:pathLst>
             <a:path>
               <a:moveTo>
-                <a:pt x="0" y="7921"/>
+                <a:pt x="0" y="7196"/>
               </a:moveTo>
               <a:lnTo>
-                <a:pt x="482872" y="7921"/>
+                <a:pt x="438670" y="7196"/>
               </a:lnTo>
             </a:path>
           </a:pathLst>
@@ -3651,19 +3720,19 @@
         </a:p>
       </dsp:txBody>
       <dsp:txXfrm>
-        <a:off x="8619010" y="2375733"/>
-        <a:ext cx="24143" cy="24143"/>
+        <a:off x="6852707" y="2787443"/>
+        <a:ext cx="21933" cy="21933"/>
       </dsp:txXfrm>
     </dsp:sp>
-    <dsp:sp modelId="{A8637265-3E6B-4DAA-A8CD-1BE5A68BBEFD}">
+    <dsp:sp modelId="{011C0FC4-FA56-4769-AE71-41C91C033287}">
       <dsp:nvSpPr>
         <dsp:cNvPr id="0" name=""/>
         <dsp:cNvSpPr/>
       </dsp:nvSpPr>
       <dsp:spPr>
         <a:xfrm>
-          <a:off x="8872518" y="2086009"/>
-          <a:ext cx="1207182" cy="603591"/>
+          <a:off x="7083009" y="2524241"/>
+          <a:ext cx="1096677" cy="548338"/>
         </a:xfrm>
         <a:prstGeom prst="roundRect">
           <a:avLst>
@@ -3707,12 +3776,12 @@
         </a:fontRef>
       </dsp:style>
       <dsp:txBody>
-        <a:bodyPr spcFirstLastPara="0" vert="horz" wrap="square" lIns="8890" tIns="8890" rIns="8890" bIns="8890" numCol="1" spcCol="1270" anchor="ctr" anchorCtr="0">
+        <a:bodyPr spcFirstLastPara="0" vert="horz" wrap="square" lIns="7620" tIns="7620" rIns="7620" bIns="7620" numCol="1" spcCol="1270" anchor="ctr" anchorCtr="0">
           <a:noAutofit/>
         </a:bodyPr>
         <a:lstStyle/>
         <a:p>
-          <a:pPr marL="0" lvl="0" indent="0" algn="ctr" defTabSz="622300">
+          <a:pPr marL="0" lvl="0" indent="0" algn="ctr" defTabSz="533400">
             <a:lnSpc>
               <a:spcPct val="90000"/>
             </a:lnSpc>
@@ -3725,25 +3794,25 @@
             <a:buNone/>
           </a:pPr>
           <a:r>
-            <a:rPr kumimoji="1" lang="ja-JP" altLang="en-US" sz="1400" kern="1200" dirty="0"/>
-            <a:t>登録完了</a:t>
+            <a:rPr kumimoji="1" lang="ja-JP" altLang="en-US" sz="1200" kern="1200" dirty="0"/>
+            <a:t>新規登録</a:t>
           </a:r>
         </a:p>
       </dsp:txBody>
       <dsp:txXfrm>
-        <a:off x="8890197" y="2103688"/>
-        <a:ext cx="1171824" cy="568233"/>
+        <a:off x="7099069" y="2540301"/>
+        <a:ext cx="1064557" cy="516218"/>
       </dsp:txXfrm>
     </dsp:sp>
-    <dsp:sp modelId="{2DB65B5D-6F26-47A9-A104-221CE4DA8E04}">
+    <dsp:sp modelId="{6CFC26EE-92A6-42DB-AC11-4F5C6E7A79A5}">
       <dsp:nvSpPr>
         <dsp:cNvPr id="0" name=""/>
         <dsp:cNvSpPr/>
       </dsp:nvSpPr>
       <dsp:spPr>
-        <a:xfrm rot="3907178">
-          <a:off x="4677114" y="2553416"/>
-          <a:ext cx="1147716" cy="15842"/>
+        <a:xfrm>
+          <a:off x="8179686" y="2791214"/>
+          <a:ext cx="438670" cy="14392"/>
         </a:xfrm>
         <a:custGeom>
           <a:avLst/>
@@ -3754,10 +3823,10 @@
           <a:pathLst>
             <a:path>
               <a:moveTo>
-                <a:pt x="0" y="7921"/>
+                <a:pt x="0" y="7196"/>
               </a:moveTo>
               <a:lnTo>
-                <a:pt x="1147716" y="7921"/>
+                <a:pt x="438670" y="7196"/>
               </a:lnTo>
             </a:path>
           </a:pathLst>
@@ -3812,19 +3881,19 @@
         </a:p>
       </dsp:txBody>
       <dsp:txXfrm>
-        <a:off x="5222279" y="2532644"/>
-        <a:ext cx="57385" cy="57385"/>
+        <a:off x="8388055" y="2787443"/>
+        <a:ext cx="21933" cy="21933"/>
       </dsp:txXfrm>
     </dsp:sp>
-    <dsp:sp modelId="{D555D47B-CBD5-4A89-BD81-1C8B958A43FA}">
+    <dsp:sp modelId="{A8637265-3E6B-4DAA-A8CD-1BE5A68BBEFD}">
       <dsp:nvSpPr>
         <dsp:cNvPr id="0" name=""/>
         <dsp:cNvSpPr/>
       </dsp:nvSpPr>
       <dsp:spPr>
         <a:xfrm>
-          <a:off x="5492408" y="2780139"/>
-          <a:ext cx="1207182" cy="603591"/>
+          <a:off x="8618357" y="2524241"/>
+          <a:ext cx="1096677" cy="548338"/>
         </a:xfrm>
         <a:prstGeom prst="roundRect">
           <a:avLst>
@@ -3868,12 +3937,12 @@
         </a:fontRef>
       </dsp:style>
       <dsp:txBody>
-        <a:bodyPr spcFirstLastPara="0" vert="horz" wrap="square" lIns="8890" tIns="8890" rIns="8890" bIns="8890" numCol="1" spcCol="1270" anchor="ctr" anchorCtr="0">
+        <a:bodyPr spcFirstLastPara="0" vert="horz" wrap="square" lIns="7620" tIns="7620" rIns="7620" bIns="7620" numCol="1" spcCol="1270" anchor="ctr" anchorCtr="0">
           <a:noAutofit/>
         </a:bodyPr>
         <a:lstStyle/>
         <a:p>
-          <a:pPr marL="0" lvl="0" indent="0" algn="ctr" defTabSz="622300">
+          <a:pPr marL="0" lvl="0" indent="0" algn="ctr" defTabSz="533400">
             <a:lnSpc>
               <a:spcPct val="90000"/>
             </a:lnSpc>
@@ -3886,25 +3955,25 @@
             <a:buNone/>
           </a:pPr>
           <a:r>
-            <a:rPr kumimoji="1" lang="ja-JP" altLang="en-US" sz="1400" kern="1200" dirty="0"/>
-            <a:t>投稿画面</a:t>
+            <a:rPr kumimoji="1" lang="ja-JP" altLang="en-US" sz="1200" kern="1200" dirty="0"/>
+            <a:t>登録完了</a:t>
           </a:r>
         </a:p>
       </dsp:txBody>
       <dsp:txXfrm>
-        <a:off x="5510087" y="2797818"/>
-        <a:ext cx="1171824" cy="568233"/>
+        <a:off x="8634417" y="2540301"/>
+        <a:ext cx="1064557" cy="516218"/>
       </dsp:txXfrm>
     </dsp:sp>
-    <dsp:sp modelId="{27ED22BB-1B07-45A4-A559-F7750CF8A5D1}">
+    <dsp:sp modelId="{2DB65B5D-6F26-47A9-A104-221CE4DA8E04}">
       <dsp:nvSpPr>
         <dsp:cNvPr id="0" name=""/>
         <dsp:cNvSpPr/>
       </dsp:nvSpPr>
       <dsp:spPr>
-        <a:xfrm>
-          <a:off x="6699591" y="3074013"/>
-          <a:ext cx="482872" cy="15842"/>
+        <a:xfrm rot="3907178">
+          <a:off x="4806998" y="2948861"/>
+          <a:ext cx="1042654" cy="14392"/>
         </a:xfrm>
         <a:custGeom>
           <a:avLst/>
@@ -3915,10 +3984,10 @@
           <a:pathLst>
             <a:path>
               <a:moveTo>
-                <a:pt x="0" y="7921"/>
+                <a:pt x="0" y="7196"/>
               </a:moveTo>
               <a:lnTo>
-                <a:pt x="482872" y="7921"/>
+                <a:pt x="1042654" y="7196"/>
               </a:lnTo>
             </a:path>
           </a:pathLst>
@@ -3973,19 +4042,19 @@
         </a:p>
       </dsp:txBody>
       <dsp:txXfrm>
-        <a:off x="6928955" y="3069863"/>
-        <a:ext cx="24143" cy="24143"/>
+        <a:off x="5302259" y="2929991"/>
+        <a:ext cx="52132" cy="52132"/>
       </dsp:txXfrm>
     </dsp:sp>
-    <dsp:sp modelId="{8811B347-3CA0-4F8D-9ADF-82A8E4A19133}">
+    <dsp:sp modelId="{D555D47B-CBD5-4A89-BD81-1C8B958A43FA}">
       <dsp:nvSpPr>
         <dsp:cNvPr id="0" name=""/>
         <dsp:cNvSpPr/>
       </dsp:nvSpPr>
       <dsp:spPr>
         <a:xfrm>
-          <a:off x="7182463" y="2780139"/>
-          <a:ext cx="1207182" cy="603591"/>
+          <a:off x="5547661" y="3154830"/>
+          <a:ext cx="1096677" cy="548338"/>
         </a:xfrm>
         <a:prstGeom prst="roundRect">
           <a:avLst>
@@ -4029,12 +4098,12 @@
         </a:fontRef>
       </dsp:style>
       <dsp:txBody>
-        <a:bodyPr spcFirstLastPara="0" vert="horz" wrap="square" lIns="8890" tIns="8890" rIns="8890" bIns="8890" numCol="1" spcCol="1270" anchor="ctr" anchorCtr="0">
+        <a:bodyPr spcFirstLastPara="0" vert="horz" wrap="square" lIns="7620" tIns="7620" rIns="7620" bIns="7620" numCol="1" spcCol="1270" anchor="ctr" anchorCtr="0">
           <a:noAutofit/>
         </a:bodyPr>
         <a:lstStyle/>
         <a:p>
-          <a:pPr marL="0" lvl="0" indent="0" algn="ctr" defTabSz="622300">
+          <a:pPr marL="0" lvl="0" indent="0" algn="ctr" defTabSz="533400">
             <a:lnSpc>
               <a:spcPct val="90000"/>
             </a:lnSpc>
@@ -4047,25 +4116,25 @@
             <a:buNone/>
           </a:pPr>
           <a:r>
-            <a:rPr kumimoji="1" lang="ja-JP" altLang="en-US" sz="1400" kern="1200" dirty="0"/>
-            <a:t>投稿完了画面</a:t>
+            <a:rPr kumimoji="1" lang="ja-JP" altLang="en-US" sz="1200" kern="1200" dirty="0"/>
+            <a:t>投稿画面</a:t>
           </a:r>
         </a:p>
       </dsp:txBody>
       <dsp:txXfrm>
-        <a:off x="7200142" y="2797818"/>
-        <a:ext cx="1171824" cy="568233"/>
+        <a:off x="5563721" y="3170890"/>
+        <a:ext cx="1064557" cy="516218"/>
       </dsp:txXfrm>
     </dsp:sp>
-    <dsp:sp modelId="{C6D9BABC-F985-47AA-875D-6C6A278B17C1}">
+    <dsp:sp modelId="{27ED22BB-1B07-45A4-A559-F7750CF8A5D1}">
       <dsp:nvSpPr>
         <dsp:cNvPr id="0" name=""/>
         <dsp:cNvSpPr/>
       </dsp:nvSpPr>
       <dsp:spPr>
-        <a:xfrm rot="3907178">
-          <a:off x="2987059" y="3941676"/>
-          <a:ext cx="1147716" cy="15842"/>
+        <a:xfrm>
+          <a:off x="6644338" y="3421803"/>
+          <a:ext cx="438670" cy="14392"/>
         </a:xfrm>
         <a:custGeom>
           <a:avLst/>
@@ -4076,10 +4145,10 @@
           <a:pathLst>
             <a:path>
               <a:moveTo>
-                <a:pt x="0" y="7921"/>
+                <a:pt x="0" y="7196"/>
               </a:moveTo>
               <a:lnTo>
-                <a:pt x="1147716" y="7921"/>
+                <a:pt x="438670" y="7196"/>
               </a:lnTo>
             </a:path>
           </a:pathLst>
@@ -4088,7 +4157,7 @@
         <a:ln w="12700" cap="flat" cmpd="sng" algn="ctr">
           <a:solidFill>
             <a:schemeClr val="accent1">
-              <a:shade val="60000"/>
+              <a:shade val="80000"/>
               <a:hueOff val="0"/>
               <a:satOff val="0"/>
               <a:lumOff val="0"/>
@@ -4134,19 +4203,19 @@
         </a:p>
       </dsp:txBody>
       <dsp:txXfrm>
-        <a:off x="3532224" y="3920904"/>
-        <a:ext cx="57385" cy="57385"/>
+        <a:off x="6852707" y="3418033"/>
+        <a:ext cx="21933" cy="21933"/>
       </dsp:txXfrm>
     </dsp:sp>
-    <dsp:sp modelId="{447DC584-2A91-4F03-9DBB-EFCA8D39C53F}">
+    <dsp:sp modelId="{8811B347-3CA0-4F8D-9ADF-82A8E4A19133}">
       <dsp:nvSpPr>
         <dsp:cNvPr id="0" name=""/>
         <dsp:cNvSpPr/>
       </dsp:nvSpPr>
       <dsp:spPr>
         <a:xfrm>
-          <a:off x="3802353" y="4168399"/>
-          <a:ext cx="1207182" cy="603591"/>
+          <a:off x="7083009" y="3154830"/>
+          <a:ext cx="1096677" cy="548338"/>
         </a:xfrm>
         <a:prstGeom prst="roundRect">
           <a:avLst>
@@ -4190,12 +4259,12 @@
         </a:fontRef>
       </dsp:style>
       <dsp:txBody>
-        <a:bodyPr spcFirstLastPara="0" vert="horz" wrap="square" lIns="8890" tIns="8890" rIns="8890" bIns="8890" numCol="1" spcCol="1270" anchor="ctr" anchorCtr="0">
+        <a:bodyPr spcFirstLastPara="0" vert="horz" wrap="square" lIns="7620" tIns="7620" rIns="7620" bIns="7620" numCol="1" spcCol="1270" anchor="ctr" anchorCtr="0">
           <a:noAutofit/>
         </a:bodyPr>
         <a:lstStyle/>
         <a:p>
-          <a:pPr marL="0" lvl="0" indent="0" algn="ctr" defTabSz="622300">
+          <a:pPr marL="0" lvl="0" indent="0" algn="ctr" defTabSz="533400">
             <a:lnSpc>
               <a:spcPct val="90000"/>
             </a:lnSpc>
@@ -4208,25 +4277,25 @@
             <a:buNone/>
           </a:pPr>
           <a:r>
-            <a:rPr kumimoji="1" lang="ja-JP" altLang="en-US" sz="1400" kern="1200" dirty="0"/>
-            <a:t>ランキング</a:t>
+            <a:rPr kumimoji="1" lang="ja-JP" altLang="en-US" sz="1200" kern="1200" dirty="0"/>
+            <a:t>投稿完了画面</a:t>
           </a:r>
         </a:p>
       </dsp:txBody>
       <dsp:txXfrm>
-        <a:off x="3820032" y="4186078"/>
-        <a:ext cx="1171824" cy="568233"/>
+        <a:off x="7099069" y="3170890"/>
+        <a:ext cx="1064557" cy="516218"/>
       </dsp:txXfrm>
     </dsp:sp>
-    <dsp:sp modelId="{D32E3006-F11A-493F-9664-74F09A568ADE}">
+    <dsp:sp modelId="{C6D9BABC-F985-47AA-875D-6C6A278B17C1}">
       <dsp:nvSpPr>
         <dsp:cNvPr id="0" name=""/>
         <dsp:cNvSpPr/>
       </dsp:nvSpPr>
       <dsp:spPr>
-        <a:xfrm rot="18289469">
-          <a:off x="4828189" y="4115208"/>
-          <a:ext cx="845566" cy="15842"/>
+        <a:xfrm rot="4249260">
+          <a:off x="3125331" y="4052393"/>
+          <a:ext cx="1335291" cy="14392"/>
         </a:xfrm>
         <a:custGeom>
           <a:avLst/>
@@ -4237,10 +4306,10 @@
           <a:pathLst>
             <a:path>
               <a:moveTo>
-                <a:pt x="0" y="7921"/>
+                <a:pt x="0" y="7196"/>
               </a:moveTo>
               <a:lnTo>
-                <a:pt x="845566" y="7921"/>
+                <a:pt x="1335291" y="7196"/>
               </a:lnTo>
             </a:path>
           </a:pathLst>
@@ -4249,7 +4318,7 @@
         <a:ln w="12700" cap="flat" cmpd="sng" algn="ctr">
           <a:solidFill>
             <a:schemeClr val="accent1">
-              <a:shade val="80000"/>
+              <a:shade val="60000"/>
               <a:hueOff val="0"/>
               <a:satOff val="0"/>
               <a:lumOff val="0"/>
@@ -4295,19 +4364,19 @@
         </a:p>
       </dsp:txBody>
       <dsp:txXfrm>
-        <a:off x="5229833" y="4101990"/>
-        <a:ext cx="42278" cy="42278"/>
+        <a:off x="3759595" y="4026207"/>
+        <a:ext cx="66764" cy="66764"/>
       </dsp:txXfrm>
     </dsp:sp>
-    <dsp:sp modelId="{492E0CC5-DB24-47C3-89BF-AAB2D7E0BB53}">
+    <dsp:sp modelId="{447DC584-2A91-4F03-9DBB-EFCA8D39C53F}">
       <dsp:nvSpPr>
         <dsp:cNvPr id="0" name=""/>
         <dsp:cNvSpPr/>
       </dsp:nvSpPr>
       <dsp:spPr>
         <a:xfrm>
-          <a:off x="5492408" y="3474269"/>
-          <a:ext cx="1207182" cy="603591"/>
+          <a:off x="4012313" y="4416009"/>
+          <a:ext cx="1096677" cy="548338"/>
         </a:xfrm>
         <a:prstGeom prst="roundRect">
           <a:avLst>
@@ -4351,12 +4420,12 @@
         </a:fontRef>
       </dsp:style>
       <dsp:txBody>
-        <a:bodyPr spcFirstLastPara="0" vert="horz" wrap="square" lIns="8890" tIns="8890" rIns="8890" bIns="8890" numCol="1" spcCol="1270" anchor="ctr" anchorCtr="0">
+        <a:bodyPr spcFirstLastPara="0" vert="horz" wrap="square" lIns="7620" tIns="7620" rIns="7620" bIns="7620" numCol="1" spcCol="1270" anchor="ctr" anchorCtr="0">
           <a:noAutofit/>
         </a:bodyPr>
         <a:lstStyle/>
         <a:p>
-          <a:pPr marL="0" lvl="0" indent="0" algn="ctr" defTabSz="622300">
+          <a:pPr marL="0" lvl="0" indent="0" algn="ctr" defTabSz="533400">
             <a:lnSpc>
               <a:spcPct val="90000"/>
             </a:lnSpc>
@@ -4369,25 +4438,25 @@
             <a:buNone/>
           </a:pPr>
           <a:r>
-            <a:rPr kumimoji="1" lang="ja-JP" altLang="en-US" sz="1400" kern="1200" dirty="0"/>
-            <a:t>記事ランキング</a:t>
+            <a:rPr kumimoji="1" lang="ja-JP" altLang="en-US" sz="1200" kern="1200" dirty="0"/>
+            <a:t>ランキング</a:t>
           </a:r>
         </a:p>
       </dsp:txBody>
       <dsp:txXfrm>
-        <a:off x="5510087" y="3491948"/>
-        <a:ext cx="1171824" cy="568233"/>
+        <a:off x="4028373" y="4432069"/>
+        <a:ext cx="1064557" cy="516218"/>
       </dsp:txXfrm>
     </dsp:sp>
-    <dsp:sp modelId="{0269DBC0-5BBF-4DA1-89F6-EE09AE81A02A}">
+    <dsp:sp modelId="{D32E3006-F11A-493F-9664-74F09A568ADE}">
       <dsp:nvSpPr>
         <dsp:cNvPr id="0" name=""/>
         <dsp:cNvSpPr/>
       </dsp:nvSpPr>
       <dsp:spPr>
-        <a:xfrm>
-          <a:off x="5009536" y="4462273"/>
-          <a:ext cx="482872" cy="15842"/>
+        <a:xfrm rot="18289469">
+          <a:off x="4944244" y="4367688"/>
+          <a:ext cx="768163" cy="14392"/>
         </a:xfrm>
         <a:custGeom>
           <a:avLst/>
@@ -4398,10 +4467,10 @@
           <a:pathLst>
             <a:path>
               <a:moveTo>
-                <a:pt x="0" y="7921"/>
+                <a:pt x="0" y="7196"/>
               </a:moveTo>
               <a:lnTo>
-                <a:pt x="482872" y="7921"/>
+                <a:pt x="768163" y="7196"/>
               </a:lnTo>
             </a:path>
           </a:pathLst>
@@ -4456,19 +4525,19 @@
         </a:p>
       </dsp:txBody>
       <dsp:txXfrm>
-        <a:off x="5238900" y="4458122"/>
-        <a:ext cx="24143" cy="24143"/>
+        <a:off x="5309121" y="4355680"/>
+        <a:ext cx="38408" cy="38408"/>
       </dsp:txXfrm>
     </dsp:sp>
-    <dsp:sp modelId="{CFF603C7-BD42-4313-A3BD-F0E96555881B}">
+    <dsp:sp modelId="{492E0CC5-DB24-47C3-89BF-AAB2D7E0BB53}">
       <dsp:nvSpPr>
         <dsp:cNvPr id="0" name=""/>
         <dsp:cNvSpPr/>
       </dsp:nvSpPr>
       <dsp:spPr>
         <a:xfrm>
-          <a:off x="5492408" y="4168399"/>
-          <a:ext cx="1207182" cy="603591"/>
+          <a:off x="5547661" y="3785420"/>
+          <a:ext cx="1096677" cy="548338"/>
         </a:xfrm>
         <a:prstGeom prst="roundRect">
           <a:avLst>
@@ -4512,12 +4581,12 @@
         </a:fontRef>
       </dsp:style>
       <dsp:txBody>
-        <a:bodyPr spcFirstLastPara="0" vert="horz" wrap="square" lIns="8890" tIns="8890" rIns="8890" bIns="8890" numCol="1" spcCol="1270" anchor="ctr" anchorCtr="0">
+        <a:bodyPr spcFirstLastPara="0" vert="horz" wrap="square" lIns="7620" tIns="7620" rIns="7620" bIns="7620" numCol="1" spcCol="1270" anchor="ctr" anchorCtr="0">
           <a:noAutofit/>
         </a:bodyPr>
         <a:lstStyle/>
         <a:p>
-          <a:pPr marL="0" lvl="0" indent="0" algn="ctr" defTabSz="622300">
+          <a:pPr marL="0" lvl="0" indent="0" algn="ctr" defTabSz="533400">
             <a:lnSpc>
               <a:spcPct val="90000"/>
             </a:lnSpc>
@@ -4530,25 +4599,25 @@
             <a:buNone/>
           </a:pPr>
           <a:r>
-            <a:rPr kumimoji="1" lang="ja-JP" altLang="en-US" sz="1400" kern="1200" dirty="0"/>
-            <a:t>食材</a:t>
+            <a:rPr kumimoji="1" lang="ja-JP" altLang="en-US" sz="1200" kern="1200" dirty="0"/>
+            <a:t>記事ランキング</a:t>
           </a:r>
         </a:p>
       </dsp:txBody>
       <dsp:txXfrm>
-        <a:off x="5510087" y="4186078"/>
-        <a:ext cx="1171824" cy="568233"/>
+        <a:off x="5563721" y="3801480"/>
+        <a:ext cx="1064557" cy="516218"/>
       </dsp:txXfrm>
     </dsp:sp>
-    <dsp:sp modelId="{63F66676-0601-45DD-9E99-1040000B4306}">
+    <dsp:sp modelId="{0269DBC0-5BBF-4DA1-89F6-EE09AE81A02A}">
       <dsp:nvSpPr>
         <dsp:cNvPr id="0" name=""/>
         <dsp:cNvSpPr/>
       </dsp:nvSpPr>
       <dsp:spPr>
-        <a:xfrm rot="3310531">
-          <a:off x="4828189" y="4809338"/>
-          <a:ext cx="845566" cy="15842"/>
+        <a:xfrm>
+          <a:off x="5108990" y="4682982"/>
+          <a:ext cx="438670" cy="14392"/>
         </a:xfrm>
         <a:custGeom>
           <a:avLst/>
@@ -4559,10 +4628,10 @@
           <a:pathLst>
             <a:path>
               <a:moveTo>
-                <a:pt x="0" y="7921"/>
+                <a:pt x="0" y="7196"/>
               </a:moveTo>
               <a:lnTo>
-                <a:pt x="845566" y="7921"/>
+                <a:pt x="438670" y="7196"/>
               </a:lnTo>
             </a:path>
           </a:pathLst>
@@ -4617,19 +4686,19 @@
         </a:p>
       </dsp:txBody>
       <dsp:txXfrm>
-        <a:off x="5229833" y="4796120"/>
-        <a:ext cx="42278" cy="42278"/>
+        <a:off x="5317359" y="4679212"/>
+        <a:ext cx="21933" cy="21933"/>
       </dsp:txXfrm>
     </dsp:sp>
-    <dsp:sp modelId="{A3C90C79-72EF-4F43-8CD4-921235325172}">
+    <dsp:sp modelId="{CFF603C7-BD42-4313-A3BD-F0E96555881B}">
       <dsp:nvSpPr>
         <dsp:cNvPr id="0" name=""/>
         <dsp:cNvSpPr/>
       </dsp:nvSpPr>
       <dsp:spPr>
         <a:xfrm>
-          <a:off x="5492408" y="4862528"/>
-          <a:ext cx="1207182" cy="603591"/>
+          <a:off x="5547661" y="4416009"/>
+          <a:ext cx="1096677" cy="548338"/>
         </a:xfrm>
         <a:prstGeom prst="roundRect">
           <a:avLst>
@@ -4673,12 +4742,12 @@
         </a:fontRef>
       </dsp:style>
       <dsp:txBody>
-        <a:bodyPr spcFirstLastPara="0" vert="horz" wrap="square" lIns="8890" tIns="8890" rIns="8890" bIns="8890" numCol="1" spcCol="1270" anchor="ctr" anchorCtr="0">
+        <a:bodyPr spcFirstLastPara="0" vert="horz" wrap="square" lIns="7620" tIns="7620" rIns="7620" bIns="7620" numCol="1" spcCol="1270" anchor="ctr" anchorCtr="0">
           <a:noAutofit/>
         </a:bodyPr>
         <a:lstStyle/>
         <a:p>
-          <a:pPr marL="0" lvl="0" indent="0" algn="ctr" defTabSz="622300">
+          <a:pPr marL="0" lvl="0" indent="0" algn="ctr" defTabSz="533400">
             <a:lnSpc>
               <a:spcPct val="90000"/>
             </a:lnSpc>
@@ -4691,25 +4760,25 @@
             <a:buNone/>
           </a:pPr>
           <a:r>
-            <a:rPr kumimoji="1" lang="ja-JP" altLang="en-US" sz="1400" kern="1200" dirty="0"/>
-            <a:t>運動</a:t>
+            <a:rPr kumimoji="1" lang="ja-JP" altLang="en-US" sz="1200" kern="1200" dirty="0"/>
+            <a:t>食材</a:t>
           </a:r>
         </a:p>
       </dsp:txBody>
       <dsp:txXfrm>
-        <a:off x="5510087" y="4880207"/>
-        <a:ext cx="1171824" cy="568233"/>
+        <a:off x="5563721" y="4432069"/>
+        <a:ext cx="1064557" cy="516218"/>
       </dsp:txXfrm>
     </dsp:sp>
-    <dsp:sp modelId="{751370BC-F990-401D-B1CF-AC804C8AFD7D}">
+    <dsp:sp modelId="{63F66676-0601-45DD-9E99-1040000B4306}">
       <dsp:nvSpPr>
         <dsp:cNvPr id="0" name=""/>
         <dsp:cNvSpPr/>
       </dsp:nvSpPr>
       <dsp:spPr>
-        <a:xfrm rot="4725511">
-          <a:off x="2322429" y="4635805"/>
-          <a:ext cx="2476976" cy="15842"/>
+        <a:xfrm rot="3310531">
+          <a:off x="4944244" y="4998277"/>
+          <a:ext cx="768163" cy="14392"/>
         </a:xfrm>
         <a:custGeom>
           <a:avLst/>
@@ -4720,10 +4789,10 @@
           <a:pathLst>
             <a:path>
               <a:moveTo>
-                <a:pt x="0" y="7921"/>
+                <a:pt x="0" y="7196"/>
               </a:moveTo>
               <a:lnTo>
-                <a:pt x="2476976" y="7921"/>
+                <a:pt x="768163" y="7196"/>
               </a:lnTo>
             </a:path>
           </a:pathLst>
@@ -4732,7 +4801,7 @@
         <a:ln w="12700" cap="flat" cmpd="sng" algn="ctr">
           <a:solidFill>
             <a:schemeClr val="accent1">
-              <a:shade val="60000"/>
+              <a:shade val="80000"/>
               <a:hueOff val="0"/>
               <a:satOff val="0"/>
               <a:lumOff val="0"/>
@@ -4762,7 +4831,7 @@
         </a:bodyPr>
         <a:lstStyle/>
         <a:p>
-          <a:pPr marL="0" lvl="0" indent="0" algn="ctr" defTabSz="266700">
+          <a:pPr marL="0" lvl="0" indent="0" algn="ctr" defTabSz="222250">
             <a:lnSpc>
               <a:spcPct val="90000"/>
             </a:lnSpc>
@@ -4774,23 +4843,23 @@
             </a:spcAft>
             <a:buNone/>
           </a:pPr>
-          <a:endParaRPr kumimoji="1" lang="ja-JP" altLang="en-US" sz="600" kern="1200"/>
+          <a:endParaRPr kumimoji="1" lang="ja-JP" altLang="en-US" sz="500" kern="1200"/>
         </a:p>
       </dsp:txBody>
       <dsp:txXfrm>
-        <a:off x="3498993" y="4581802"/>
-        <a:ext cx="123848" cy="123848"/>
+        <a:off x="5309121" y="4986269"/>
+        <a:ext cx="38408" cy="38408"/>
       </dsp:txXfrm>
     </dsp:sp>
-    <dsp:sp modelId="{0A2A203D-85AF-4728-8F33-3502D8A76382}">
+    <dsp:sp modelId="{A3C90C79-72EF-4F43-8CD4-921235325172}">
       <dsp:nvSpPr>
         <dsp:cNvPr id="0" name=""/>
         <dsp:cNvSpPr/>
       </dsp:nvSpPr>
       <dsp:spPr>
         <a:xfrm>
-          <a:off x="3802353" y="5556658"/>
-          <a:ext cx="1207182" cy="603591"/>
+          <a:off x="5547661" y="5046598"/>
+          <a:ext cx="1096677" cy="548338"/>
         </a:xfrm>
         <a:prstGeom prst="roundRect">
           <a:avLst>
@@ -4834,12 +4903,12 @@
         </a:fontRef>
       </dsp:style>
       <dsp:txBody>
-        <a:bodyPr spcFirstLastPara="0" vert="horz" wrap="square" lIns="8890" tIns="8890" rIns="8890" bIns="8890" numCol="1" spcCol="1270" anchor="ctr" anchorCtr="0">
+        <a:bodyPr spcFirstLastPara="0" vert="horz" wrap="square" lIns="7620" tIns="7620" rIns="7620" bIns="7620" numCol="1" spcCol="1270" anchor="ctr" anchorCtr="0">
           <a:noAutofit/>
         </a:bodyPr>
         <a:lstStyle/>
         <a:p>
-          <a:pPr marL="0" lvl="0" indent="0" algn="ctr" defTabSz="622300">
+          <a:pPr marL="0" lvl="0" indent="0" algn="ctr" defTabSz="533400">
             <a:lnSpc>
               <a:spcPct val="90000"/>
             </a:lnSpc>
@@ -4852,25 +4921,25 @@
             <a:buNone/>
           </a:pPr>
           <a:r>
-            <a:rPr kumimoji="1" lang="ja-JP" altLang="en-US" sz="1400" kern="1200" dirty="0"/>
-            <a:t>筋トレ</a:t>
+            <a:rPr kumimoji="1" lang="ja-JP" altLang="en-US" sz="1200" kern="1200" dirty="0"/>
+            <a:t>運動</a:t>
           </a:r>
         </a:p>
       </dsp:txBody>
       <dsp:txXfrm>
-        <a:off x="3820032" y="5574337"/>
-        <a:ext cx="1171824" cy="568233"/>
+        <a:off x="5563721" y="5062658"/>
+        <a:ext cx="1064557" cy="516218"/>
       </dsp:txXfrm>
     </dsp:sp>
-    <dsp:sp modelId="{A8C77022-2B90-4DD3-819C-D689CD601317}">
+    <dsp:sp modelId="{751370BC-F990-401D-B1CF-AC804C8AFD7D}">
       <dsp:nvSpPr>
         <dsp:cNvPr id="0" name=""/>
         <dsp:cNvSpPr/>
       </dsp:nvSpPr>
       <dsp:spPr>
-        <a:xfrm>
-          <a:off x="5009536" y="5850532"/>
-          <a:ext cx="482872" cy="15842"/>
+        <a:xfrm rot="4808052">
+          <a:off x="2512868" y="4682982"/>
+          <a:ext cx="2560218" cy="14392"/>
         </a:xfrm>
         <a:custGeom>
           <a:avLst/>
@@ -4881,10 +4950,10 @@
           <a:pathLst>
             <a:path>
               <a:moveTo>
-                <a:pt x="0" y="7921"/>
+                <a:pt x="0" y="7196"/>
               </a:moveTo>
               <a:lnTo>
-                <a:pt x="482872" y="7921"/>
+                <a:pt x="2560218" y="7196"/>
               </a:lnTo>
             </a:path>
           </a:pathLst>
@@ -4893,7 +4962,7 @@
         <a:ln w="12700" cap="flat" cmpd="sng" algn="ctr">
           <a:solidFill>
             <a:schemeClr val="accent1">
-              <a:shade val="80000"/>
+              <a:shade val="60000"/>
               <a:hueOff val="0"/>
               <a:satOff val="0"/>
               <a:lumOff val="0"/>
@@ -4923,7 +4992,7 @@
         </a:bodyPr>
         <a:lstStyle/>
         <a:p>
-          <a:pPr marL="0" lvl="0" indent="0" algn="ctr" defTabSz="222250">
+          <a:pPr marL="0" lvl="0" indent="0" algn="ctr" defTabSz="266700">
             <a:lnSpc>
               <a:spcPct val="90000"/>
             </a:lnSpc>
@@ -4935,23 +5004,23 @@
             </a:spcAft>
             <a:buNone/>
           </a:pPr>
-          <a:endParaRPr kumimoji="1" lang="ja-JP" altLang="en-US" sz="500" kern="1200"/>
+          <a:endParaRPr kumimoji="1" lang="ja-JP" altLang="en-US" sz="600" kern="1200"/>
         </a:p>
       </dsp:txBody>
       <dsp:txXfrm>
-        <a:off x="5238900" y="5846382"/>
-        <a:ext cx="24143" cy="24143"/>
+        <a:off x="3728972" y="4626173"/>
+        <a:ext cx="128010" cy="128010"/>
       </dsp:txXfrm>
     </dsp:sp>
-    <dsp:sp modelId="{EC622A1A-AEB5-42E2-975D-D69ED6769D96}">
+    <dsp:sp modelId="{0A2A203D-85AF-4728-8F33-3502D8A76382}">
       <dsp:nvSpPr>
         <dsp:cNvPr id="0" name=""/>
         <dsp:cNvSpPr/>
       </dsp:nvSpPr>
       <dsp:spPr>
         <a:xfrm>
-          <a:off x="5492408" y="5556658"/>
-          <a:ext cx="1207182" cy="603591"/>
+          <a:off x="4012313" y="5677188"/>
+          <a:ext cx="1096677" cy="548338"/>
         </a:xfrm>
         <a:prstGeom prst="roundRect">
           <a:avLst>
@@ -4995,12 +5064,12 @@
         </a:fontRef>
       </dsp:style>
       <dsp:txBody>
-        <a:bodyPr spcFirstLastPara="0" vert="horz" wrap="square" lIns="8890" tIns="8890" rIns="8890" bIns="8890" numCol="1" spcCol="1270" anchor="ctr" anchorCtr="0">
+        <a:bodyPr spcFirstLastPara="0" vert="horz" wrap="square" lIns="7620" tIns="7620" rIns="7620" bIns="7620" numCol="1" spcCol="1270" anchor="ctr" anchorCtr="0">
           <a:noAutofit/>
         </a:bodyPr>
         <a:lstStyle/>
         <a:p>
-          <a:pPr marL="0" lvl="0" indent="0" algn="ctr" defTabSz="622300">
+          <a:pPr marL="0" lvl="0" indent="0" algn="ctr" defTabSz="533400">
             <a:lnSpc>
               <a:spcPct val="90000"/>
             </a:lnSpc>
@@ -5013,25 +5082,25 @@
             <a:buNone/>
           </a:pPr>
           <a:r>
-            <a:rPr kumimoji="1" lang="ja-JP" altLang="en-US" sz="1400" kern="1200" dirty="0"/>
-            <a:t>食材・種目・カロリー</a:t>
+            <a:rPr kumimoji="1" lang="ja-JP" altLang="en-US" sz="1200" kern="1200" dirty="0"/>
+            <a:t>筋トレ</a:t>
           </a:r>
         </a:p>
       </dsp:txBody>
       <dsp:txXfrm>
-        <a:off x="5510087" y="5574337"/>
-        <a:ext cx="1171824" cy="568233"/>
+        <a:off x="4028373" y="5693248"/>
+        <a:ext cx="1064557" cy="516218"/>
       </dsp:txXfrm>
     </dsp:sp>
-    <dsp:sp modelId="{F8C47E08-57AD-4AB9-B6F1-D6CDD5075FF5}">
+    <dsp:sp modelId="{A8C77022-2B90-4DD3-819C-D689CD601317}">
       <dsp:nvSpPr>
         <dsp:cNvPr id="0" name=""/>
         <dsp:cNvSpPr/>
       </dsp:nvSpPr>
       <dsp:spPr>
-        <a:xfrm rot="4872735">
-          <a:off x="1980574" y="4982870"/>
-          <a:ext cx="3160686" cy="15842"/>
+        <a:xfrm>
+          <a:off x="5108990" y="5944161"/>
+          <a:ext cx="438670" cy="14392"/>
         </a:xfrm>
         <a:custGeom>
           <a:avLst/>
@@ -5042,10 +5111,10 @@
           <a:pathLst>
             <a:path>
               <a:moveTo>
-                <a:pt x="0" y="7921"/>
+                <a:pt x="0" y="7196"/>
               </a:moveTo>
               <a:lnTo>
-                <a:pt x="3160686" y="7921"/>
+                <a:pt x="438670" y="7196"/>
               </a:lnTo>
             </a:path>
           </a:pathLst>
@@ -5054,7 +5123,7 @@
         <a:ln w="12700" cap="flat" cmpd="sng" algn="ctr">
           <a:solidFill>
             <a:schemeClr val="accent1">
-              <a:shade val="60000"/>
+              <a:shade val="80000"/>
               <a:hueOff val="0"/>
               <a:satOff val="0"/>
               <a:lumOff val="0"/>
@@ -5084,7 +5153,7 @@
         </a:bodyPr>
         <a:lstStyle/>
         <a:p>
-          <a:pPr marL="0" lvl="0" indent="0" algn="ctr" defTabSz="355600">
+          <a:pPr marL="0" lvl="0" indent="0" algn="ctr" defTabSz="222250">
             <a:lnSpc>
               <a:spcPct val="90000"/>
             </a:lnSpc>
@@ -5096,23 +5165,23 @@
             </a:spcAft>
             <a:buNone/>
           </a:pPr>
-          <a:endParaRPr kumimoji="1" lang="ja-JP" altLang="en-US" sz="800" kern="1200"/>
+          <a:endParaRPr kumimoji="1" lang="ja-JP" altLang="en-US" sz="500" kern="1200"/>
         </a:p>
       </dsp:txBody>
       <dsp:txXfrm>
-        <a:off x="3481900" y="4911774"/>
-        <a:ext cx="158034" cy="158034"/>
+        <a:off x="5317359" y="5940390"/>
+        <a:ext cx="21933" cy="21933"/>
       </dsp:txXfrm>
     </dsp:sp>
-    <dsp:sp modelId="{80197443-D504-44B1-8FA0-58F0FA622668}">
+    <dsp:sp modelId="{EC622A1A-AEB5-42E2-975D-D69ED6769D96}">
       <dsp:nvSpPr>
         <dsp:cNvPr id="0" name=""/>
         <dsp:cNvSpPr/>
       </dsp:nvSpPr>
       <dsp:spPr>
         <a:xfrm>
-          <a:off x="3802353" y="6250788"/>
-          <a:ext cx="1207182" cy="603591"/>
+          <a:off x="5547661" y="5677188"/>
+          <a:ext cx="1096677" cy="548338"/>
         </a:xfrm>
         <a:prstGeom prst="roundRect">
           <a:avLst>
@@ -5156,12 +5225,12 @@
         </a:fontRef>
       </dsp:style>
       <dsp:txBody>
-        <a:bodyPr spcFirstLastPara="0" vert="horz" wrap="square" lIns="8890" tIns="8890" rIns="8890" bIns="8890" numCol="1" spcCol="1270" anchor="ctr" anchorCtr="0">
+        <a:bodyPr spcFirstLastPara="0" vert="horz" wrap="square" lIns="7620" tIns="7620" rIns="7620" bIns="7620" numCol="1" spcCol="1270" anchor="ctr" anchorCtr="0">
           <a:noAutofit/>
         </a:bodyPr>
         <a:lstStyle/>
         <a:p>
-          <a:pPr marL="0" lvl="0" indent="0" algn="ctr" defTabSz="622300">
+          <a:pPr marL="0" lvl="0" indent="0" algn="ctr" defTabSz="533400">
             <a:lnSpc>
               <a:spcPct val="90000"/>
             </a:lnSpc>
@@ -5174,14 +5243,175 @@
             <a:buNone/>
           </a:pPr>
           <a:r>
-            <a:rPr kumimoji="1" lang="ja-JP" altLang="en-US" sz="1400" kern="1200" dirty="0"/>
+            <a:rPr kumimoji="1" lang="ja-JP" altLang="en-US" sz="1200" kern="1200" dirty="0"/>
+            <a:t>食材・種目・カロリー</a:t>
+          </a:r>
+        </a:p>
+      </dsp:txBody>
+      <dsp:txXfrm>
+        <a:off x="5563721" y="5693248"/>
+        <a:ext cx="1064557" cy="516218"/>
+      </dsp:txXfrm>
+    </dsp:sp>
+    <dsp:sp modelId="{F8C47E08-57AD-4AB9-B6F1-D6CDD5075FF5}">
+      <dsp:nvSpPr>
+        <dsp:cNvPr id="0" name=""/>
+        <dsp:cNvSpPr/>
+      </dsp:nvSpPr>
+      <dsp:spPr>
+        <a:xfrm rot="4924756">
+          <a:off x="2201319" y="4998277"/>
+          <a:ext cx="3183317" cy="14392"/>
+        </a:xfrm>
+        <a:custGeom>
+          <a:avLst/>
+          <a:gdLst/>
+          <a:ahLst/>
+          <a:cxnLst/>
+          <a:rect l="0" t="0" r="0" b="0"/>
+          <a:pathLst>
+            <a:path>
+              <a:moveTo>
+                <a:pt x="0" y="7196"/>
+              </a:moveTo>
+              <a:lnTo>
+                <a:pt x="3183317" y="7196"/>
+              </a:lnTo>
+            </a:path>
+          </a:pathLst>
+        </a:custGeom>
+        <a:noFill/>
+        <a:ln w="12700" cap="flat" cmpd="sng" algn="ctr">
+          <a:solidFill>
+            <a:schemeClr val="accent1">
+              <a:shade val="60000"/>
+              <a:hueOff val="0"/>
+              <a:satOff val="0"/>
+              <a:lumOff val="0"/>
+              <a:alphaOff val="0"/>
+            </a:schemeClr>
+          </a:solidFill>
+          <a:prstDash val="solid"/>
+          <a:miter lim="800000"/>
+        </a:ln>
+        <a:effectLst/>
+      </dsp:spPr>
+      <dsp:style>
+        <a:lnRef idx="2">
+          <a:scrgbClr r="0" g="0" b="0"/>
+        </a:lnRef>
+        <a:fillRef idx="0">
+          <a:scrgbClr r="0" g="0" b="0"/>
+        </a:fillRef>
+        <a:effectRef idx="0">
+          <a:scrgbClr r="0" g="0" b="0"/>
+        </a:effectRef>
+        <a:fontRef idx="minor"/>
+      </dsp:style>
+      <dsp:txBody>
+        <a:bodyPr spcFirstLastPara="0" vert="horz" wrap="square" lIns="12700" tIns="0" rIns="12700" bIns="0" numCol="1" spcCol="1270" anchor="ctr" anchorCtr="0">
+          <a:noAutofit/>
+        </a:bodyPr>
+        <a:lstStyle/>
+        <a:p>
+          <a:pPr marL="0" lvl="0" indent="0" algn="ctr" defTabSz="355600">
+            <a:lnSpc>
+              <a:spcPct val="90000"/>
+            </a:lnSpc>
+            <a:spcBef>
+              <a:spcPct val="0"/>
+            </a:spcBef>
+            <a:spcAft>
+              <a:spcPct val="35000"/>
+            </a:spcAft>
+            <a:buNone/>
+          </a:pPr>
+          <a:endParaRPr kumimoji="1" lang="ja-JP" altLang="en-US" sz="800" kern="1200"/>
+        </a:p>
+      </dsp:txBody>
+      <dsp:txXfrm>
+        <a:off x="3713394" y="4925890"/>
+        <a:ext cx="159165" cy="159165"/>
+      </dsp:txXfrm>
+    </dsp:sp>
+    <dsp:sp modelId="{80197443-D504-44B1-8FA0-58F0FA622668}">
+      <dsp:nvSpPr>
+        <dsp:cNvPr id="0" name=""/>
+        <dsp:cNvSpPr/>
+      </dsp:nvSpPr>
+      <dsp:spPr>
+        <a:xfrm>
+          <a:off x="4012313" y="6307777"/>
+          <a:ext cx="1096677" cy="548338"/>
+        </a:xfrm>
+        <a:prstGeom prst="roundRect">
+          <a:avLst>
+            <a:gd name="adj" fmla="val 10000"/>
+          </a:avLst>
+        </a:prstGeom>
+        <a:solidFill>
+          <a:schemeClr val="accent1">
+            <a:hueOff val="0"/>
+            <a:satOff val="0"/>
+            <a:lumOff val="0"/>
+            <a:alphaOff val="0"/>
+          </a:schemeClr>
+        </a:solidFill>
+        <a:ln w="12700" cap="flat" cmpd="sng" algn="ctr">
+          <a:solidFill>
+            <a:schemeClr val="lt1">
+              <a:hueOff val="0"/>
+              <a:satOff val="0"/>
+              <a:lumOff val="0"/>
+              <a:alphaOff val="0"/>
+            </a:schemeClr>
+          </a:solidFill>
+          <a:prstDash val="solid"/>
+          <a:miter lim="800000"/>
+        </a:ln>
+        <a:effectLst/>
+      </dsp:spPr>
+      <dsp:style>
+        <a:lnRef idx="2">
+          <a:scrgbClr r="0" g="0" b="0"/>
+        </a:lnRef>
+        <a:fillRef idx="1">
+          <a:scrgbClr r="0" g="0" b="0"/>
+        </a:fillRef>
+        <a:effectRef idx="0">
+          <a:scrgbClr r="0" g="0" b="0"/>
+        </a:effectRef>
+        <a:fontRef idx="minor">
+          <a:schemeClr val="lt1"/>
+        </a:fontRef>
+      </dsp:style>
+      <dsp:txBody>
+        <a:bodyPr spcFirstLastPara="0" vert="horz" wrap="square" lIns="7620" tIns="7620" rIns="7620" bIns="7620" numCol="1" spcCol="1270" anchor="ctr" anchorCtr="0">
+          <a:noAutofit/>
+        </a:bodyPr>
+        <a:lstStyle/>
+        <a:p>
+          <a:pPr marL="0" lvl="0" indent="0" algn="ctr" defTabSz="533400">
+            <a:lnSpc>
+              <a:spcPct val="90000"/>
+            </a:lnSpc>
+            <a:spcBef>
+              <a:spcPct val="0"/>
+            </a:spcBef>
+            <a:spcAft>
+              <a:spcPct val="35000"/>
+            </a:spcAft>
+            <a:buNone/>
+          </a:pPr>
+          <a:r>
+            <a:rPr kumimoji="1" lang="ja-JP" altLang="en-US" sz="1200" kern="1200" dirty="0"/>
             <a:t>検索画面</a:t>
           </a:r>
         </a:p>
       </dsp:txBody>
       <dsp:txXfrm>
-        <a:off x="3820032" y="6268467"/>
-        <a:ext cx="1171824" cy="568233"/>
+        <a:off x="4028373" y="6323837"/>
+        <a:ext cx="1064557" cy="516218"/>
       </dsp:txXfrm>
     </dsp:sp>
   </dsp:spTree>
@@ -6689,7 +6919,7 @@
           <a:p>
             <a:fld id="{C3C59018-11AF-4376-A96F-2A3D32DB2068}" type="datetimeFigureOut">
               <a:rPr kumimoji="1" lang="ja-JP" altLang="en-US" smtClean="0"/>
-              <a:t>2023/4/24</a:t>
+              <a:t>2023/4/27</a:t>
             </a:fld>
             <a:endParaRPr kumimoji="1" lang="ja-JP" altLang="en-US"/>
           </a:p>
@@ -6919,7 +7149,7 @@
           <a:p>
             <a:fld id="{C3C59018-11AF-4376-A96F-2A3D32DB2068}" type="datetimeFigureOut">
               <a:rPr kumimoji="1" lang="ja-JP" altLang="en-US" smtClean="0"/>
-              <a:t>2023/4/24</a:t>
+              <a:t>2023/4/27</a:t>
             </a:fld>
             <a:endParaRPr kumimoji="1" lang="ja-JP" altLang="en-US"/>
           </a:p>
@@ -7159,7 +7389,7 @@
           <a:p>
             <a:fld id="{C3C59018-11AF-4376-A96F-2A3D32DB2068}" type="datetimeFigureOut">
               <a:rPr kumimoji="1" lang="ja-JP" altLang="en-US" smtClean="0"/>
-              <a:t>2023/4/24</a:t>
+              <a:t>2023/4/27</a:t>
             </a:fld>
             <a:endParaRPr kumimoji="1" lang="ja-JP" altLang="en-US"/>
           </a:p>
@@ -7389,7 +7619,7 @@
           <a:p>
             <a:fld id="{C3C59018-11AF-4376-A96F-2A3D32DB2068}" type="datetimeFigureOut">
               <a:rPr kumimoji="1" lang="ja-JP" altLang="en-US" smtClean="0"/>
-              <a:t>2023/4/24</a:t>
+              <a:t>2023/4/27</a:t>
             </a:fld>
             <a:endParaRPr kumimoji="1" lang="ja-JP" altLang="en-US"/>
           </a:p>
@@ -7664,7 +7894,7 @@
           <a:p>
             <a:fld id="{C3C59018-11AF-4376-A96F-2A3D32DB2068}" type="datetimeFigureOut">
               <a:rPr kumimoji="1" lang="ja-JP" altLang="en-US" smtClean="0"/>
-              <a:t>2023/4/24</a:t>
+              <a:t>2023/4/27</a:t>
             </a:fld>
             <a:endParaRPr kumimoji="1" lang="ja-JP" altLang="en-US"/>
           </a:p>
@@ -7993,7 +8223,7 @@
           <a:p>
             <a:fld id="{C3C59018-11AF-4376-A96F-2A3D32DB2068}" type="datetimeFigureOut">
               <a:rPr kumimoji="1" lang="ja-JP" altLang="en-US" smtClean="0"/>
-              <a:t>2023/4/24</a:t>
+              <a:t>2023/4/27</a:t>
             </a:fld>
             <a:endParaRPr kumimoji="1" lang="ja-JP" altLang="en-US"/>
           </a:p>
@@ -8469,7 +8699,7 @@
           <a:p>
             <a:fld id="{C3C59018-11AF-4376-A96F-2A3D32DB2068}" type="datetimeFigureOut">
               <a:rPr kumimoji="1" lang="ja-JP" altLang="en-US" smtClean="0"/>
-              <a:t>2023/4/24</a:t>
+              <a:t>2023/4/27</a:t>
             </a:fld>
             <a:endParaRPr kumimoji="1" lang="ja-JP" altLang="en-US"/>
           </a:p>
@@ -8610,7 +8840,7 @@
           <a:p>
             <a:fld id="{C3C59018-11AF-4376-A96F-2A3D32DB2068}" type="datetimeFigureOut">
               <a:rPr kumimoji="1" lang="ja-JP" altLang="en-US" smtClean="0"/>
-              <a:t>2023/4/24</a:t>
+              <a:t>2023/4/27</a:t>
             </a:fld>
             <a:endParaRPr kumimoji="1" lang="ja-JP" altLang="en-US"/>
           </a:p>
@@ -8723,7 +8953,7 @@
           <a:p>
             <a:fld id="{C3C59018-11AF-4376-A96F-2A3D32DB2068}" type="datetimeFigureOut">
               <a:rPr kumimoji="1" lang="ja-JP" altLang="en-US" smtClean="0"/>
-              <a:t>2023/4/24</a:t>
+              <a:t>2023/4/27</a:t>
             </a:fld>
             <a:endParaRPr kumimoji="1" lang="ja-JP" altLang="en-US"/>
           </a:p>
@@ -9066,7 +9296,7 @@
           <a:p>
             <a:fld id="{C3C59018-11AF-4376-A96F-2A3D32DB2068}" type="datetimeFigureOut">
               <a:rPr kumimoji="1" lang="ja-JP" altLang="en-US" smtClean="0"/>
-              <a:t>2023/4/24</a:t>
+              <a:t>2023/4/27</a:t>
             </a:fld>
             <a:endParaRPr kumimoji="1" lang="ja-JP" altLang="en-US"/>
           </a:p>
@@ -9354,7 +9584,7 @@
           <a:p>
             <a:fld id="{C3C59018-11AF-4376-A96F-2A3D32DB2068}" type="datetimeFigureOut">
               <a:rPr kumimoji="1" lang="ja-JP" altLang="en-US" smtClean="0"/>
-              <a:t>2023/4/24</a:t>
+              <a:t>2023/4/27</a:t>
             </a:fld>
             <a:endParaRPr kumimoji="1" lang="ja-JP" altLang="en-US"/>
           </a:p>
@@ -9627,7 +9857,7 @@
           <a:p>
             <a:fld id="{C3C59018-11AF-4376-A96F-2A3D32DB2068}" type="datetimeFigureOut">
               <a:rPr kumimoji="1" lang="ja-JP" altLang="en-US" smtClean="0"/>
-              <a:t>2023/4/24</a:t>
+              <a:t>2023/4/27</a:t>
             </a:fld>
             <a:endParaRPr kumimoji="1" lang="ja-JP" altLang="en-US"/>
           </a:p>
@@ -10057,7 +10287,7 @@
           <p:nvPr>
             <p:extLst>
               <p:ext uri="{D42A27DB-BD31-4B8C-83A1-F6EECF244321}">
-                <p14:modId xmlns:p14="http://schemas.microsoft.com/office/powerpoint/2010/main" val="4072213151"/>
+                <p14:modId xmlns:p14="http://schemas.microsoft.com/office/powerpoint/2010/main" val="2403528699"/>
               </p:ext>
             </p:extLst>
           </p:nvPr>
